--- a/study-note/자바/2022-09-29 내용정리.pptx
+++ b/study-note/자바/2022-09-29 내용정리.pptx
@@ -4,6 +4,9 @@
   <p:sldMasterIdLst>
     <p:sldMasterId id="2147483648" r:id="rId1"/>
   </p:sldMasterIdLst>
+  <p:notesMasterIdLst>
+    <p:notesMasterId r:id="rId11"/>
+  </p:notesMasterIdLst>
   <p:sldIdLst>
     <p:sldId id="256" r:id="rId2"/>
     <p:sldId id="257" r:id="rId3"/>
@@ -12,7 +15,8 @@
     <p:sldId id="260" r:id="rId6"/>
     <p:sldId id="261" r:id="rId7"/>
     <p:sldId id="262" r:id="rId8"/>
-    <p:sldId id="263" r:id="rId9"/>
+    <p:sldId id="264" r:id="rId9"/>
+    <p:sldId id="263" r:id="rId10"/>
   </p:sldIdLst>
   <p:sldSz cx="12192000" cy="6858000"/>
   <p:notesSz cx="6858000" cy="9144000"/>
@@ -117,6 +121,440 @@
     </p:ext>
   </p:extLst>
 </p:presentation>
+</file>
+
+<file path=ppt/notesMasters/notesMaster1.xml><?xml version="1.0" encoding="utf-8"?>
+<p:notesMaster xmlns:a="http://schemas.openxmlformats.org/drawingml/2006/main" xmlns:r="http://schemas.openxmlformats.org/officeDocument/2006/relationships" xmlns:p="http://schemas.openxmlformats.org/presentationml/2006/main">
+  <p:cSld>
+    <p:bg>
+      <p:bgRef idx="1001">
+        <a:schemeClr val="bg1"/>
+      </p:bgRef>
+    </p:bg>
+    <p:spTree>
+      <p:nvGrpSpPr>
+        <p:cNvPr id="1" name=""/>
+        <p:cNvGrpSpPr/>
+        <p:nvPr/>
+      </p:nvGrpSpPr>
+      <p:grpSpPr>
+        <a:xfrm>
+          <a:off x="0" y="0"/>
+          <a:ext cx="0" cy="0"/>
+          <a:chOff x="0" y="0"/>
+          <a:chExt cx="0" cy="0"/>
+        </a:xfrm>
+      </p:grpSpPr>
+      <p:sp>
+        <p:nvSpPr>
+          <p:cNvPr id="2" name="머리글 개체 틀 1"/>
+          <p:cNvSpPr>
+            <a:spLocks noGrp="1"/>
+          </p:cNvSpPr>
+          <p:nvPr>
+            <p:ph type="hdr" sz="quarter"/>
+          </p:nvPr>
+        </p:nvSpPr>
+        <p:spPr>
+          <a:xfrm>
+            <a:off x="0" y="0"/>
+            <a:ext cx="2971800" cy="458788"/>
+          </a:xfrm>
+          <a:prstGeom prst="rect">
+            <a:avLst/>
+          </a:prstGeom>
+        </p:spPr>
+        <p:txBody>
+          <a:bodyPr vert="horz" lIns="91440" tIns="45720" rIns="91440" bIns="45720" rtlCol="0"/>
+          <a:lstStyle>
+            <a:lvl1pPr algn="l">
+              <a:defRPr sz="1200"/>
+            </a:lvl1pPr>
+          </a:lstStyle>
+          <a:p>
+            <a:endParaRPr kumimoji="1" lang="ko-Kore-KR" altLang="en-US"/>
+          </a:p>
+        </p:txBody>
+      </p:sp>
+      <p:sp>
+        <p:nvSpPr>
+          <p:cNvPr id="3" name="날짜 개체 틀 2"/>
+          <p:cNvSpPr>
+            <a:spLocks noGrp="1"/>
+          </p:cNvSpPr>
+          <p:nvPr>
+            <p:ph type="dt" idx="1"/>
+          </p:nvPr>
+        </p:nvSpPr>
+        <p:spPr>
+          <a:xfrm>
+            <a:off x="3884613" y="0"/>
+            <a:ext cx="2971800" cy="458788"/>
+          </a:xfrm>
+          <a:prstGeom prst="rect">
+            <a:avLst/>
+          </a:prstGeom>
+        </p:spPr>
+        <p:txBody>
+          <a:bodyPr vert="horz" lIns="91440" tIns="45720" rIns="91440" bIns="45720" rtlCol="0"/>
+          <a:lstStyle>
+            <a:lvl1pPr algn="r">
+              <a:defRPr sz="1200"/>
+            </a:lvl1pPr>
+          </a:lstStyle>
+          <a:p>
+            <a:fld id="{C0219285-B0CD-A849-81C8-31EC078BFB51}" type="datetimeFigureOut">
+              <a:rPr kumimoji="1" lang="ko-Kore-KR" altLang="en-US" smtClean="0"/>
+              <a:t>2022. 9. 29.</a:t>
+            </a:fld>
+            <a:endParaRPr kumimoji="1" lang="ko-Kore-KR" altLang="en-US"/>
+          </a:p>
+        </p:txBody>
+      </p:sp>
+      <p:sp>
+        <p:nvSpPr>
+          <p:cNvPr id="4" name="슬라이드 이미지 개체 틀 3"/>
+          <p:cNvSpPr>
+            <a:spLocks noGrp="1" noRot="1" noChangeAspect="1"/>
+          </p:cNvSpPr>
+          <p:nvPr>
+            <p:ph type="sldImg" idx="2"/>
+          </p:nvPr>
+        </p:nvSpPr>
+        <p:spPr>
+          <a:xfrm>
+            <a:off x="685800" y="1143000"/>
+            <a:ext cx="5486400" cy="3086100"/>
+          </a:xfrm>
+          <a:prstGeom prst="rect">
+            <a:avLst/>
+          </a:prstGeom>
+          <a:noFill/>
+          <a:ln w="12700">
+            <a:solidFill>
+              <a:prstClr val="black"/>
+            </a:solidFill>
+          </a:ln>
+        </p:spPr>
+        <p:txBody>
+          <a:bodyPr vert="horz" lIns="91440" tIns="45720" rIns="91440" bIns="45720" rtlCol="0" anchor="ctr"/>
+          <a:lstStyle/>
+          <a:p>
+            <a:endParaRPr lang="ko-Kore-KR" altLang="en-US"/>
+          </a:p>
+        </p:txBody>
+      </p:sp>
+      <p:sp>
+        <p:nvSpPr>
+          <p:cNvPr id="5" name="슬라이드 노트 개체 틀 4"/>
+          <p:cNvSpPr>
+            <a:spLocks noGrp="1"/>
+          </p:cNvSpPr>
+          <p:nvPr>
+            <p:ph type="body" sz="quarter" idx="3"/>
+          </p:nvPr>
+        </p:nvSpPr>
+        <p:spPr>
+          <a:xfrm>
+            <a:off x="685800" y="4400550"/>
+            <a:ext cx="5486400" cy="3600450"/>
+          </a:xfrm>
+          <a:prstGeom prst="rect">
+            <a:avLst/>
+          </a:prstGeom>
+        </p:spPr>
+        <p:txBody>
+          <a:bodyPr vert="horz" lIns="91440" tIns="45720" rIns="91440" bIns="45720" rtlCol="0"/>
+          <a:lstStyle/>
+          <a:p>
+            <a:pPr lvl="0"/>
+            <a:r>
+              <a:rPr kumimoji="1" lang="ko-KR" altLang="en-US"/>
+              <a:t>마스터 텍스트 스타일을 편집하려면 클릭</a:t>
+            </a:r>
+          </a:p>
+          <a:p>
+            <a:pPr lvl="1"/>
+            <a:r>
+              <a:rPr kumimoji="1" lang="ko-KR" altLang="en-US"/>
+              <a:t>두 번째 수준</a:t>
+            </a:r>
+          </a:p>
+          <a:p>
+            <a:pPr lvl="2"/>
+            <a:r>
+              <a:rPr kumimoji="1" lang="ko-KR" altLang="en-US"/>
+              <a:t>세 번째 수준</a:t>
+            </a:r>
+          </a:p>
+          <a:p>
+            <a:pPr lvl="3"/>
+            <a:r>
+              <a:rPr kumimoji="1" lang="ko-KR" altLang="en-US"/>
+              <a:t>네 번째 수준</a:t>
+            </a:r>
+          </a:p>
+          <a:p>
+            <a:pPr lvl="4"/>
+            <a:r>
+              <a:rPr kumimoji="1" lang="ko-KR" altLang="en-US"/>
+              <a:t>다섯 번째 수준</a:t>
+            </a:r>
+            <a:endParaRPr kumimoji="1" lang="ko-Kore-KR" altLang="en-US"/>
+          </a:p>
+        </p:txBody>
+      </p:sp>
+      <p:sp>
+        <p:nvSpPr>
+          <p:cNvPr id="6" name="바닥글 개체 틀 5"/>
+          <p:cNvSpPr>
+            <a:spLocks noGrp="1"/>
+          </p:cNvSpPr>
+          <p:nvPr>
+            <p:ph type="ftr" sz="quarter" idx="4"/>
+          </p:nvPr>
+        </p:nvSpPr>
+        <p:spPr>
+          <a:xfrm>
+            <a:off x="0" y="8685213"/>
+            <a:ext cx="2971800" cy="458787"/>
+          </a:xfrm>
+          <a:prstGeom prst="rect">
+            <a:avLst/>
+          </a:prstGeom>
+        </p:spPr>
+        <p:txBody>
+          <a:bodyPr vert="horz" lIns="91440" tIns="45720" rIns="91440" bIns="45720" rtlCol="0" anchor="b"/>
+          <a:lstStyle>
+            <a:lvl1pPr algn="l">
+              <a:defRPr sz="1200"/>
+            </a:lvl1pPr>
+          </a:lstStyle>
+          <a:p>
+            <a:endParaRPr kumimoji="1" lang="ko-Kore-KR" altLang="en-US"/>
+          </a:p>
+        </p:txBody>
+      </p:sp>
+      <p:sp>
+        <p:nvSpPr>
+          <p:cNvPr id="7" name="슬라이드 번호 개체 틀 6"/>
+          <p:cNvSpPr>
+            <a:spLocks noGrp="1"/>
+          </p:cNvSpPr>
+          <p:nvPr>
+            <p:ph type="sldNum" sz="quarter" idx="5"/>
+          </p:nvPr>
+        </p:nvSpPr>
+        <p:spPr>
+          <a:xfrm>
+            <a:off x="3884613" y="8685213"/>
+            <a:ext cx="2971800" cy="458787"/>
+          </a:xfrm>
+          <a:prstGeom prst="rect">
+            <a:avLst/>
+          </a:prstGeom>
+        </p:spPr>
+        <p:txBody>
+          <a:bodyPr vert="horz" lIns="91440" tIns="45720" rIns="91440" bIns="45720" rtlCol="0" anchor="b"/>
+          <a:lstStyle>
+            <a:lvl1pPr algn="r">
+              <a:defRPr sz="1200"/>
+            </a:lvl1pPr>
+          </a:lstStyle>
+          <a:p>
+            <a:fld id="{EDD31A4E-D473-3D48-8527-1376D53B2E44}" type="slidenum">
+              <a:rPr kumimoji="1" lang="ko-Kore-KR" altLang="en-US" smtClean="0"/>
+              <a:t>‹#›</a:t>
+            </a:fld>
+            <a:endParaRPr kumimoji="1" lang="ko-Kore-KR" altLang="en-US"/>
+          </a:p>
+        </p:txBody>
+      </p:sp>
+    </p:spTree>
+    <p:extLst>
+      <p:ext uri="{BB962C8B-B14F-4D97-AF65-F5344CB8AC3E}">
+        <p14:creationId xmlns:p14="http://schemas.microsoft.com/office/powerpoint/2010/main" val="2297409118"/>
+      </p:ext>
+    </p:extLst>
+  </p:cSld>
+  <p:clrMap bg1="lt1" tx1="dk1" bg2="lt2" tx2="dk2" accent1="accent1" accent2="accent2" accent3="accent3" accent4="accent4" accent5="accent5" accent6="accent6" hlink="hlink" folHlink="folHlink"/>
+  <p:notesStyle>
+    <a:lvl1pPr marL="0" algn="l" defTabSz="914400" rtl="0" eaLnBrk="1" latinLnBrk="0" hangingPunct="1">
+      <a:defRPr sz="1200" kern="1200">
+        <a:solidFill>
+          <a:schemeClr val="tx1"/>
+        </a:solidFill>
+        <a:latin typeface="+mn-lt"/>
+        <a:ea typeface="+mn-ea"/>
+        <a:cs typeface="+mn-cs"/>
+      </a:defRPr>
+    </a:lvl1pPr>
+    <a:lvl2pPr marL="457200" algn="l" defTabSz="914400" rtl="0" eaLnBrk="1" latinLnBrk="0" hangingPunct="1">
+      <a:defRPr sz="1200" kern="1200">
+        <a:solidFill>
+          <a:schemeClr val="tx1"/>
+        </a:solidFill>
+        <a:latin typeface="+mn-lt"/>
+        <a:ea typeface="+mn-ea"/>
+        <a:cs typeface="+mn-cs"/>
+      </a:defRPr>
+    </a:lvl2pPr>
+    <a:lvl3pPr marL="914400" algn="l" defTabSz="914400" rtl="0" eaLnBrk="1" latinLnBrk="0" hangingPunct="1">
+      <a:defRPr sz="1200" kern="1200">
+        <a:solidFill>
+          <a:schemeClr val="tx1"/>
+        </a:solidFill>
+        <a:latin typeface="+mn-lt"/>
+        <a:ea typeface="+mn-ea"/>
+        <a:cs typeface="+mn-cs"/>
+      </a:defRPr>
+    </a:lvl3pPr>
+    <a:lvl4pPr marL="1371600" algn="l" defTabSz="914400" rtl="0" eaLnBrk="1" latinLnBrk="0" hangingPunct="1">
+      <a:defRPr sz="1200" kern="1200">
+        <a:solidFill>
+          <a:schemeClr val="tx1"/>
+        </a:solidFill>
+        <a:latin typeface="+mn-lt"/>
+        <a:ea typeface="+mn-ea"/>
+        <a:cs typeface="+mn-cs"/>
+      </a:defRPr>
+    </a:lvl4pPr>
+    <a:lvl5pPr marL="1828800" algn="l" defTabSz="914400" rtl="0" eaLnBrk="1" latinLnBrk="0" hangingPunct="1">
+      <a:defRPr sz="1200" kern="1200">
+        <a:solidFill>
+          <a:schemeClr val="tx1"/>
+        </a:solidFill>
+        <a:latin typeface="+mn-lt"/>
+        <a:ea typeface="+mn-ea"/>
+        <a:cs typeface="+mn-cs"/>
+      </a:defRPr>
+    </a:lvl5pPr>
+    <a:lvl6pPr marL="2286000" algn="l" defTabSz="914400" rtl="0" eaLnBrk="1" latinLnBrk="0" hangingPunct="1">
+      <a:defRPr sz="1200" kern="1200">
+        <a:solidFill>
+          <a:schemeClr val="tx1"/>
+        </a:solidFill>
+        <a:latin typeface="+mn-lt"/>
+        <a:ea typeface="+mn-ea"/>
+        <a:cs typeface="+mn-cs"/>
+      </a:defRPr>
+    </a:lvl6pPr>
+    <a:lvl7pPr marL="2743200" algn="l" defTabSz="914400" rtl="0" eaLnBrk="1" latinLnBrk="0" hangingPunct="1">
+      <a:defRPr sz="1200" kern="1200">
+        <a:solidFill>
+          <a:schemeClr val="tx1"/>
+        </a:solidFill>
+        <a:latin typeface="+mn-lt"/>
+        <a:ea typeface="+mn-ea"/>
+        <a:cs typeface="+mn-cs"/>
+      </a:defRPr>
+    </a:lvl7pPr>
+    <a:lvl8pPr marL="3200400" algn="l" defTabSz="914400" rtl="0" eaLnBrk="1" latinLnBrk="0" hangingPunct="1">
+      <a:defRPr sz="1200" kern="1200">
+        <a:solidFill>
+          <a:schemeClr val="tx1"/>
+        </a:solidFill>
+        <a:latin typeface="+mn-lt"/>
+        <a:ea typeface="+mn-ea"/>
+        <a:cs typeface="+mn-cs"/>
+      </a:defRPr>
+    </a:lvl8pPr>
+    <a:lvl9pPr marL="3657600" algn="l" defTabSz="914400" rtl="0" eaLnBrk="1" latinLnBrk="0" hangingPunct="1">
+      <a:defRPr sz="1200" kern="1200">
+        <a:solidFill>
+          <a:schemeClr val="tx1"/>
+        </a:solidFill>
+        <a:latin typeface="+mn-lt"/>
+        <a:ea typeface="+mn-ea"/>
+        <a:cs typeface="+mn-cs"/>
+      </a:defRPr>
+    </a:lvl9pPr>
+  </p:notesStyle>
+</p:notesMaster>
+</file>
+
+<file path=ppt/notesSlides/notesSlide1.xml><?xml version="1.0" encoding="utf-8"?>
+<p:notes xmlns:a="http://schemas.openxmlformats.org/drawingml/2006/main" xmlns:r="http://schemas.openxmlformats.org/officeDocument/2006/relationships" xmlns:p="http://schemas.openxmlformats.org/presentationml/2006/main">
+  <p:cSld>
+    <p:spTree>
+      <p:nvGrpSpPr>
+        <p:cNvPr id="1" name=""/>
+        <p:cNvGrpSpPr/>
+        <p:nvPr/>
+      </p:nvGrpSpPr>
+      <p:grpSpPr>
+        <a:xfrm>
+          <a:off x="0" y="0"/>
+          <a:ext cx="0" cy="0"/>
+          <a:chOff x="0" y="0"/>
+          <a:chExt cx="0" cy="0"/>
+        </a:xfrm>
+      </p:grpSpPr>
+      <p:sp>
+        <p:nvSpPr>
+          <p:cNvPr id="2" name="슬라이드 이미지 개체 틀 1"/>
+          <p:cNvSpPr>
+            <a:spLocks noGrp="1" noRot="1" noChangeAspect="1"/>
+          </p:cNvSpPr>
+          <p:nvPr>
+            <p:ph type="sldImg"/>
+          </p:nvPr>
+        </p:nvSpPr>
+        <p:spPr/>
+      </p:sp>
+      <p:sp>
+        <p:nvSpPr>
+          <p:cNvPr id="3" name="슬라이드 노트 개체 틀 2"/>
+          <p:cNvSpPr>
+            <a:spLocks noGrp="1"/>
+          </p:cNvSpPr>
+          <p:nvPr>
+            <p:ph type="body" idx="1"/>
+          </p:nvPr>
+        </p:nvSpPr>
+        <p:spPr/>
+        <p:txBody>
+          <a:bodyPr/>
+          <a:lstStyle/>
+          <a:p>
+            <a:endParaRPr kumimoji="1" lang="ko-Kore-KR" altLang="en-US" dirty="0"/>
+          </a:p>
+        </p:txBody>
+      </p:sp>
+      <p:sp>
+        <p:nvSpPr>
+          <p:cNvPr id="4" name="슬라이드 번호 개체 틀 3"/>
+          <p:cNvSpPr>
+            <a:spLocks noGrp="1"/>
+          </p:cNvSpPr>
+          <p:nvPr>
+            <p:ph type="sldNum" sz="quarter" idx="5"/>
+          </p:nvPr>
+        </p:nvSpPr>
+        <p:spPr/>
+        <p:txBody>
+          <a:bodyPr/>
+          <a:lstStyle/>
+          <a:p>
+            <a:fld id="{EDD31A4E-D473-3D48-8527-1376D53B2E44}" type="slidenum">
+              <a:rPr kumimoji="1" lang="ko-Kore-KR" altLang="en-US" smtClean="0"/>
+              <a:t>8</a:t>
+            </a:fld>
+            <a:endParaRPr kumimoji="1" lang="ko-Kore-KR" altLang="en-US"/>
+          </a:p>
+        </p:txBody>
+      </p:sp>
+    </p:spTree>
+    <p:extLst>
+      <p:ext uri="{BB962C8B-B14F-4D97-AF65-F5344CB8AC3E}">
+        <p14:creationId xmlns:p14="http://schemas.microsoft.com/office/powerpoint/2010/main" val="1949517206"/>
+      </p:ext>
+    </p:extLst>
+  </p:cSld>
+  <p:clrMapOvr>
+    <a:masterClrMapping/>
+  </p:clrMapOvr>
+</p:notes>
 </file>
 
 <file path=ppt/slideLayouts/slideLayout1.xml><?xml version="1.0" encoding="utf-8"?>
@@ -9859,6 +10297,85 @@
           </a:p>
         </p:txBody>
       </p:sp>
+      <p:sp>
+        <p:nvSpPr>
+          <p:cNvPr id="13" name="직사각형 12">
+            <a:extLst>
+              <a:ext uri="{FF2B5EF4-FFF2-40B4-BE49-F238E27FC236}">
+                <a16:creationId xmlns:a16="http://schemas.microsoft.com/office/drawing/2014/main" id="{166A0DC9-9E72-2E96-45EA-302B03F5CB73}"/>
+              </a:ext>
+            </a:extLst>
+          </p:cNvPr>
+          <p:cNvSpPr/>
+          <p:nvPr/>
+        </p:nvSpPr>
+        <p:spPr>
+          <a:xfrm>
+            <a:off x="5013435" y="1355834"/>
+            <a:ext cx="1082565" cy="777765"/>
+          </a:xfrm>
+          <a:prstGeom prst="rect">
+            <a:avLst/>
+          </a:prstGeom>
+        </p:spPr>
+        <p:style>
+          <a:lnRef idx="2">
+            <a:schemeClr val="accent1"/>
+          </a:lnRef>
+          <a:fillRef idx="1">
+            <a:schemeClr val="lt1"/>
+          </a:fillRef>
+          <a:effectRef idx="0">
+            <a:schemeClr val="accent1"/>
+          </a:effectRef>
+          <a:fontRef idx="minor">
+            <a:schemeClr val="dk1"/>
+          </a:fontRef>
+        </p:style>
+        <p:txBody>
+          <a:bodyPr rtlCol="0" anchor="ctr"/>
+          <a:lstStyle/>
+          <a:p>
+            <a:pPr marL="171450" indent="-171450">
+              <a:buFont typeface="Arial" panose="020B0604020202020204" pitchFamily="34" charset="0"/>
+              <a:buChar char="•"/>
+            </a:pPr>
+            <a:r>
+              <a:rPr kumimoji="1" lang="en-US" altLang="ko-Kore-KR" sz="1200" dirty="0" err="1"/>
+              <a:t>init</a:t>
+            </a:r>
+            <a:r>
+              <a:rPr kumimoji="1" lang="en-US" altLang="ko-Kore-KR" sz="1200" dirty="0"/>
+              <a:t>()</a:t>
+            </a:r>
+          </a:p>
+          <a:p>
+            <a:pPr marL="171450" indent="-171450">
+              <a:buFont typeface="Arial" panose="020B0604020202020204" pitchFamily="34" charset="0"/>
+              <a:buChar char="•"/>
+            </a:pPr>
+            <a:r>
+              <a:rPr kumimoji="1" lang="en-US" altLang="ko-Kore-KR" sz="1200" dirty="0" err="1"/>
+              <a:t>doFIlter</a:t>
+            </a:r>
+            <a:r>
+              <a:rPr kumimoji="1" lang="en-US" altLang="ko-Kore-KR" sz="1200" dirty="0"/>
+              <a:t>()</a:t>
+            </a:r>
+          </a:p>
+          <a:p>
+            <a:pPr marL="171450" indent="-171450">
+              <a:buFont typeface="Arial" panose="020B0604020202020204" pitchFamily="34" charset="0"/>
+              <a:buChar char="•"/>
+            </a:pPr>
+            <a:r>
+              <a:rPr kumimoji="1" lang="en-US" altLang="ko-Kore-KR" sz="1200" dirty="0"/>
+              <a:t>destroy()</a:t>
+            </a:r>
+            <a:endParaRPr kumimoji="1" lang="ko-Kore-KR" altLang="en-US" sz="1200" dirty="0"/>
+          </a:p>
+        </p:txBody>
+      </p:sp>
     </p:spTree>
     <p:extLst>
       <p:ext uri="{BB962C8B-B14F-4D97-AF65-F5344CB8AC3E}">
@@ -9919,9 +10436,1480 @@
           <a:p>
             <a:r>
               <a:rPr kumimoji="1" lang="ko-KR" altLang="en-US" sz="2800" b="1" dirty="0"/>
-              <a:t>필터 만들기</a:t>
+              <a:t>필터로 로그인 검사하기</a:t>
+            </a:r>
+            <a:r>
+              <a:rPr kumimoji="1" lang="en-US" altLang="ko-KR" sz="2800" b="1" dirty="0"/>
+              <a:t>1</a:t>
             </a:r>
             <a:endParaRPr kumimoji="1" lang="ko-Kore-KR" altLang="en-US" sz="2800" b="1" dirty="0"/>
+          </a:p>
+        </p:txBody>
+      </p:sp>
+      <p:sp>
+        <p:nvSpPr>
+          <p:cNvPr id="2" name="직사각형 1">
+            <a:extLst>
+              <a:ext uri="{FF2B5EF4-FFF2-40B4-BE49-F238E27FC236}">
+                <a16:creationId xmlns:a16="http://schemas.microsoft.com/office/drawing/2014/main" id="{7B13B9DF-B959-5142-7B7E-29B5A4C0E1C0}"/>
+              </a:ext>
+            </a:extLst>
+          </p:cNvPr>
+          <p:cNvSpPr/>
+          <p:nvPr/>
+        </p:nvSpPr>
+        <p:spPr>
+          <a:xfrm>
+            <a:off x="0" y="1397876"/>
+            <a:ext cx="1387366" cy="1156138"/>
+          </a:xfrm>
+          <a:prstGeom prst="rect">
+            <a:avLst/>
+          </a:prstGeom>
+        </p:spPr>
+        <p:style>
+          <a:lnRef idx="2">
+            <a:schemeClr val="accent1">
+              <a:shade val="50000"/>
+            </a:schemeClr>
+          </a:lnRef>
+          <a:fillRef idx="1">
+            <a:schemeClr val="accent1"/>
+          </a:fillRef>
+          <a:effectRef idx="0">
+            <a:schemeClr val="accent1"/>
+          </a:effectRef>
+          <a:fontRef idx="minor">
+            <a:schemeClr val="lt1"/>
+          </a:fontRef>
+        </p:style>
+        <p:txBody>
+          <a:bodyPr rtlCol="0" anchor="ctr"/>
+          <a:lstStyle/>
+          <a:p>
+            <a:pPr algn="ctr"/>
+            <a:r>
+              <a:rPr kumimoji="1" lang="en-US" altLang="ko-Kore-KR" dirty="0"/>
+              <a:t>HTTP</a:t>
+            </a:r>
+          </a:p>
+          <a:p>
+            <a:pPr algn="ctr"/>
+            <a:r>
+              <a:rPr kumimoji="1" lang="en-US" altLang="ko-Kore-KR" dirty="0"/>
+              <a:t>Client</a:t>
+            </a:r>
+            <a:endParaRPr kumimoji="1" lang="ko-Kore-KR" altLang="en-US" dirty="0"/>
+          </a:p>
+        </p:txBody>
+      </p:sp>
+      <p:sp>
+        <p:nvSpPr>
+          <p:cNvPr id="3" name="직사각형 2">
+            <a:extLst>
+              <a:ext uri="{FF2B5EF4-FFF2-40B4-BE49-F238E27FC236}">
+                <a16:creationId xmlns:a16="http://schemas.microsoft.com/office/drawing/2014/main" id="{1E3544AC-9D70-98EB-6018-A8F9E368030F}"/>
+              </a:ext>
+            </a:extLst>
+          </p:cNvPr>
+          <p:cNvSpPr/>
+          <p:nvPr/>
+        </p:nvSpPr>
+        <p:spPr>
+          <a:xfrm>
+            <a:off x="2439715" y="1397876"/>
+            <a:ext cx="1986456" cy="1156138"/>
+          </a:xfrm>
+          <a:prstGeom prst="rect">
+            <a:avLst/>
+          </a:prstGeom>
+        </p:spPr>
+        <p:style>
+          <a:lnRef idx="2">
+            <a:schemeClr val="accent1">
+              <a:shade val="50000"/>
+            </a:schemeClr>
+          </a:lnRef>
+          <a:fillRef idx="1">
+            <a:schemeClr val="accent1"/>
+          </a:fillRef>
+          <a:effectRef idx="0">
+            <a:schemeClr val="accent1"/>
+          </a:effectRef>
+          <a:fontRef idx="minor">
+            <a:schemeClr val="lt1"/>
+          </a:fontRef>
+        </p:style>
+        <p:txBody>
+          <a:bodyPr rtlCol="0" anchor="ctr"/>
+          <a:lstStyle/>
+          <a:p>
+            <a:pPr algn="ctr"/>
+            <a:r>
+              <a:rPr kumimoji="1" lang="en-US" altLang="ko-Kore-KR" sz="1400" dirty="0"/>
+              <a:t>&lt;&lt;Servlet Container&gt;&gt;</a:t>
+            </a:r>
+          </a:p>
+          <a:p>
+            <a:pPr algn="ctr"/>
+            <a:r>
+              <a:rPr kumimoji="1" lang="en-US" altLang="ko-Kore-KR" dirty="0"/>
+              <a:t>Tomcat</a:t>
+            </a:r>
+          </a:p>
+          <a:p>
+            <a:pPr algn="ctr"/>
+            <a:r>
+              <a:rPr kumimoji="1" lang="en-US" altLang="ko-Kore-KR" dirty="0"/>
+              <a:t>Server</a:t>
+            </a:r>
+            <a:endParaRPr kumimoji="1" lang="ko-Kore-KR" altLang="en-US" dirty="0"/>
+          </a:p>
+        </p:txBody>
+      </p:sp>
+      <p:sp>
+        <p:nvSpPr>
+          <p:cNvPr id="5" name="직사각형 4">
+            <a:extLst>
+              <a:ext uri="{FF2B5EF4-FFF2-40B4-BE49-F238E27FC236}">
+                <a16:creationId xmlns:a16="http://schemas.microsoft.com/office/drawing/2014/main" id="{506957D5-699B-68BE-E37A-663B3505DE65}"/>
+              </a:ext>
+            </a:extLst>
+          </p:cNvPr>
+          <p:cNvSpPr/>
+          <p:nvPr/>
+        </p:nvSpPr>
+        <p:spPr>
+          <a:xfrm>
+            <a:off x="5197365" y="1397876"/>
+            <a:ext cx="1814351" cy="1156138"/>
+          </a:xfrm>
+          <a:prstGeom prst="rect">
+            <a:avLst/>
+          </a:prstGeom>
+        </p:spPr>
+        <p:style>
+          <a:lnRef idx="2">
+            <a:schemeClr val="accent1">
+              <a:shade val="50000"/>
+            </a:schemeClr>
+          </a:lnRef>
+          <a:fillRef idx="1">
+            <a:schemeClr val="accent1"/>
+          </a:fillRef>
+          <a:effectRef idx="0">
+            <a:schemeClr val="accent1"/>
+          </a:effectRef>
+          <a:fontRef idx="minor">
+            <a:schemeClr val="lt1"/>
+          </a:fontRef>
+        </p:style>
+        <p:txBody>
+          <a:bodyPr rtlCol="0" anchor="ctr"/>
+          <a:lstStyle/>
+          <a:p>
+            <a:pPr marL="0" marR="0" lvl="0" indent="0" algn="ctr" defTabSz="914400" rtl="0" eaLnBrk="1" fontAlgn="auto" latinLnBrk="0" hangingPunct="1">
+              <a:lnSpc>
+                <a:spcPct val="100000"/>
+              </a:lnSpc>
+              <a:spcBef>
+                <a:spcPts val="0"/>
+              </a:spcBef>
+              <a:spcAft>
+                <a:spcPts val="0"/>
+              </a:spcAft>
+              <a:buClrTx/>
+              <a:buSzTx/>
+              <a:buFontTx/>
+              <a:buNone/>
+              <a:tabLst/>
+              <a:defRPr/>
+            </a:pPr>
+            <a:r>
+              <a:rPr kumimoji="1" lang="en-US" altLang="ko-Kore-KR" sz="1400" b="0" i="0" u="none" strike="noStrike" kern="1200" cap="none" spc="0" normalizeH="0" baseline="0" noProof="0" dirty="0">
+                <a:ln>
+                  <a:noFill/>
+                </a:ln>
+                <a:solidFill>
+                  <a:prstClr val="white"/>
+                </a:solidFill>
+                <a:effectLst/>
+                <a:uLnTx/>
+                <a:uFillTx/>
+                <a:latin typeface="Calibri" panose="020F0502020204030204"/>
+                <a:ea typeface="+mn-ea"/>
+                <a:cs typeface="+mn-cs"/>
+              </a:rPr>
+              <a:t>&lt;&lt;</a:t>
+            </a:r>
+            <a:r>
+              <a:rPr kumimoji="1" lang="en-US" altLang="ko-Kore-KR" sz="1400" b="0" i="0" u="none" strike="noStrike" kern="1200" cap="none" spc="0" normalizeH="0" baseline="0" noProof="0" dirty="0" err="1">
+                <a:ln>
+                  <a:noFill/>
+                </a:ln>
+                <a:solidFill>
+                  <a:prstClr val="white"/>
+                </a:solidFill>
+                <a:effectLst/>
+                <a:uLnTx/>
+                <a:uFillTx/>
+                <a:latin typeface="Calibri" panose="020F0502020204030204"/>
+                <a:ea typeface="+mn-ea"/>
+                <a:cs typeface="+mn-cs"/>
+              </a:rPr>
+              <a:t>FIlter</a:t>
+            </a:r>
+            <a:r>
+              <a:rPr kumimoji="1" lang="en-US" altLang="ko-Kore-KR" sz="1400" b="0" i="0" u="none" strike="noStrike" kern="1200" cap="none" spc="0" normalizeH="0" baseline="0" noProof="0" dirty="0">
+                <a:ln>
+                  <a:noFill/>
+                </a:ln>
+                <a:solidFill>
+                  <a:prstClr val="white"/>
+                </a:solidFill>
+                <a:effectLst/>
+                <a:uLnTx/>
+                <a:uFillTx/>
+                <a:latin typeface="Calibri" panose="020F0502020204030204"/>
+                <a:ea typeface="+mn-ea"/>
+                <a:cs typeface="+mn-cs"/>
+              </a:rPr>
+              <a:t>&gt;&gt;</a:t>
+            </a:r>
+            <a:endParaRPr kumimoji="1" lang="en-US" altLang="ko-Kore-KR" dirty="0"/>
+          </a:p>
+          <a:p>
+            <a:pPr algn="ctr"/>
+            <a:r>
+              <a:rPr kumimoji="1" lang="en-US" altLang="ko-Kore-KR" dirty="0" err="1"/>
+              <a:t>LoginCheckFilter</a:t>
+            </a:r>
+            <a:endParaRPr kumimoji="1" lang="ko-Kore-KR" altLang="en-US" dirty="0"/>
+          </a:p>
+        </p:txBody>
+      </p:sp>
+      <p:cxnSp>
+        <p:nvCxnSpPr>
+          <p:cNvPr id="6" name="구부러진 연결선[U] 5">
+            <a:extLst>
+              <a:ext uri="{FF2B5EF4-FFF2-40B4-BE49-F238E27FC236}">
+                <a16:creationId xmlns:a16="http://schemas.microsoft.com/office/drawing/2014/main" id="{3439933E-FD90-D000-9F87-FF70DDEE3FAB}"/>
+              </a:ext>
+            </a:extLst>
+          </p:cNvPr>
+          <p:cNvCxnSpPr>
+            <a:stCxn id="2" idx="0"/>
+            <a:endCxn id="3" idx="0"/>
+          </p:cNvCxnSpPr>
+          <p:nvPr/>
+        </p:nvCxnSpPr>
+        <p:spPr>
+          <a:xfrm rot="5400000" flipH="1" flipV="1">
+            <a:off x="2063313" y="28246"/>
+            <a:ext cx="12700" cy="2739260"/>
+          </a:xfrm>
+          <a:prstGeom prst="curvedConnector3">
+            <a:avLst>
+              <a:gd name="adj1" fmla="val 1800000"/>
+            </a:avLst>
+          </a:prstGeom>
+          <a:ln>
+            <a:tailEnd type="triangle"/>
+          </a:ln>
+        </p:spPr>
+        <p:style>
+          <a:lnRef idx="3">
+            <a:schemeClr val="accent1"/>
+          </a:lnRef>
+          <a:fillRef idx="0">
+            <a:schemeClr val="accent1"/>
+          </a:fillRef>
+          <a:effectRef idx="2">
+            <a:schemeClr val="accent1"/>
+          </a:effectRef>
+          <a:fontRef idx="minor">
+            <a:schemeClr val="tx1"/>
+          </a:fontRef>
+        </p:style>
+      </p:cxnSp>
+      <p:cxnSp>
+        <p:nvCxnSpPr>
+          <p:cNvPr id="7" name="구부러진 연결선[U] 6">
+            <a:extLst>
+              <a:ext uri="{FF2B5EF4-FFF2-40B4-BE49-F238E27FC236}">
+                <a16:creationId xmlns:a16="http://schemas.microsoft.com/office/drawing/2014/main" id="{716F6273-F0AF-D1BF-B1C5-39580A25B45F}"/>
+              </a:ext>
+            </a:extLst>
+          </p:cNvPr>
+          <p:cNvCxnSpPr>
+            <a:cxnSpLocks/>
+            <a:stCxn id="3" idx="0"/>
+            <a:endCxn id="5" idx="0"/>
+          </p:cNvCxnSpPr>
+          <p:nvPr/>
+        </p:nvCxnSpPr>
+        <p:spPr>
+          <a:xfrm rot="5400000" flipH="1" flipV="1">
+            <a:off x="4768742" y="62077"/>
+            <a:ext cx="12700" cy="2671598"/>
+          </a:xfrm>
+          <a:prstGeom prst="curvedConnector3">
+            <a:avLst>
+              <a:gd name="adj1" fmla="val 1800000"/>
+            </a:avLst>
+          </a:prstGeom>
+          <a:ln>
+            <a:tailEnd type="triangle"/>
+          </a:ln>
+        </p:spPr>
+        <p:style>
+          <a:lnRef idx="3">
+            <a:schemeClr val="accent1"/>
+          </a:lnRef>
+          <a:fillRef idx="0">
+            <a:schemeClr val="accent1"/>
+          </a:fillRef>
+          <a:effectRef idx="2">
+            <a:schemeClr val="accent1"/>
+          </a:effectRef>
+          <a:fontRef idx="minor">
+            <a:schemeClr val="tx1"/>
+          </a:fontRef>
+        </p:style>
+      </p:cxnSp>
+      <p:cxnSp>
+        <p:nvCxnSpPr>
+          <p:cNvPr id="8" name="구부러진 연결선[U] 7">
+            <a:extLst>
+              <a:ext uri="{FF2B5EF4-FFF2-40B4-BE49-F238E27FC236}">
+                <a16:creationId xmlns:a16="http://schemas.microsoft.com/office/drawing/2014/main" id="{62001472-4868-E5E8-301B-AE2FFE798508}"/>
+              </a:ext>
+            </a:extLst>
+          </p:cNvPr>
+          <p:cNvCxnSpPr>
+            <a:cxnSpLocks/>
+            <a:stCxn id="5" idx="2"/>
+            <a:endCxn id="3" idx="2"/>
+          </p:cNvCxnSpPr>
+          <p:nvPr/>
+        </p:nvCxnSpPr>
+        <p:spPr>
+          <a:xfrm rot="5400000">
+            <a:off x="4768742" y="1218215"/>
+            <a:ext cx="12700" cy="2671598"/>
+          </a:xfrm>
+          <a:prstGeom prst="curvedConnector3">
+            <a:avLst>
+              <a:gd name="adj1" fmla="val 1800000"/>
+            </a:avLst>
+          </a:prstGeom>
+          <a:ln>
+            <a:tailEnd type="triangle"/>
+          </a:ln>
+        </p:spPr>
+        <p:style>
+          <a:lnRef idx="3">
+            <a:schemeClr val="accent1"/>
+          </a:lnRef>
+          <a:fillRef idx="0">
+            <a:schemeClr val="accent1"/>
+          </a:fillRef>
+          <a:effectRef idx="2">
+            <a:schemeClr val="accent1"/>
+          </a:effectRef>
+          <a:fontRef idx="minor">
+            <a:schemeClr val="tx1"/>
+          </a:fontRef>
+        </p:style>
+      </p:cxnSp>
+      <p:cxnSp>
+        <p:nvCxnSpPr>
+          <p:cNvPr id="9" name="구부러진 연결선[U] 8">
+            <a:extLst>
+              <a:ext uri="{FF2B5EF4-FFF2-40B4-BE49-F238E27FC236}">
+                <a16:creationId xmlns:a16="http://schemas.microsoft.com/office/drawing/2014/main" id="{43A88C9D-1CFA-F9C7-0BCE-EE5433E5DDF1}"/>
+              </a:ext>
+            </a:extLst>
+          </p:cNvPr>
+          <p:cNvCxnSpPr>
+            <a:cxnSpLocks/>
+            <a:stCxn id="3" idx="2"/>
+            <a:endCxn id="2" idx="2"/>
+          </p:cNvCxnSpPr>
+          <p:nvPr/>
+        </p:nvCxnSpPr>
+        <p:spPr>
+          <a:xfrm rot="5400000">
+            <a:off x="2063313" y="1184384"/>
+            <a:ext cx="12700" cy="2739260"/>
+          </a:xfrm>
+          <a:prstGeom prst="curvedConnector3">
+            <a:avLst>
+              <a:gd name="adj1" fmla="val 1800000"/>
+            </a:avLst>
+          </a:prstGeom>
+          <a:ln>
+            <a:tailEnd type="triangle"/>
+          </a:ln>
+        </p:spPr>
+        <p:style>
+          <a:lnRef idx="3">
+            <a:schemeClr val="accent1"/>
+          </a:lnRef>
+          <a:fillRef idx="0">
+            <a:schemeClr val="accent1"/>
+          </a:fillRef>
+          <a:effectRef idx="2">
+            <a:schemeClr val="accent1"/>
+          </a:effectRef>
+          <a:fontRef idx="minor">
+            <a:schemeClr val="tx1"/>
+          </a:fontRef>
+        </p:style>
+      </p:cxnSp>
+      <p:sp>
+        <p:nvSpPr>
+          <p:cNvPr id="10" name="직사각형 9">
+            <a:extLst>
+              <a:ext uri="{FF2B5EF4-FFF2-40B4-BE49-F238E27FC236}">
+                <a16:creationId xmlns:a16="http://schemas.microsoft.com/office/drawing/2014/main" id="{4D738B6A-DA9C-33E8-34A7-12EC7FE89295}"/>
+              </a:ext>
+            </a:extLst>
+          </p:cNvPr>
+          <p:cNvSpPr/>
+          <p:nvPr/>
+        </p:nvSpPr>
+        <p:spPr>
+          <a:xfrm>
+            <a:off x="1275525" y="902352"/>
+            <a:ext cx="1387707" cy="363050"/>
+          </a:xfrm>
+          <a:prstGeom prst="rect">
+            <a:avLst/>
+          </a:prstGeom>
+          <a:ln/>
+        </p:spPr>
+        <p:style>
+          <a:lnRef idx="2">
+            <a:schemeClr val="accent1"/>
+          </a:lnRef>
+          <a:fillRef idx="1">
+            <a:schemeClr val="lt1"/>
+          </a:fillRef>
+          <a:effectRef idx="0">
+            <a:schemeClr val="accent1"/>
+          </a:effectRef>
+          <a:fontRef idx="minor">
+            <a:schemeClr val="dk1"/>
+          </a:fontRef>
+        </p:style>
+        <p:txBody>
+          <a:bodyPr rtlCol="0" anchor="ctr"/>
+          <a:lstStyle/>
+          <a:p>
+            <a:pPr marL="228600" indent="-228600" algn="ctr">
+              <a:buAutoNum type="arabicPeriod"/>
+            </a:pPr>
+            <a:r>
+              <a:rPr kumimoji="1" lang="en-US" altLang="ko-Kore-KR" sz="1200" dirty="0"/>
+              <a:t>/board/update</a:t>
+            </a:r>
+          </a:p>
+          <a:p>
+            <a:pPr algn="ctr"/>
+            <a:r>
+              <a:rPr kumimoji="1" lang="ko-Kore-KR" altLang="en-US" sz="1200" dirty="0"/>
+              <a:t>요청</a:t>
+            </a:r>
+          </a:p>
+        </p:txBody>
+      </p:sp>
+      <p:sp>
+        <p:nvSpPr>
+          <p:cNvPr id="11" name="모서리가 둥근 직사각형 10">
+            <a:extLst>
+              <a:ext uri="{FF2B5EF4-FFF2-40B4-BE49-F238E27FC236}">
+                <a16:creationId xmlns:a16="http://schemas.microsoft.com/office/drawing/2014/main" id="{E8563EA7-9514-BFDC-B3DF-3969338D9BD5}"/>
+              </a:ext>
+            </a:extLst>
+          </p:cNvPr>
+          <p:cNvSpPr/>
+          <p:nvPr/>
+        </p:nvSpPr>
+        <p:spPr>
+          <a:xfrm>
+            <a:off x="1668520" y="1764424"/>
+            <a:ext cx="601718" cy="423041"/>
+          </a:xfrm>
+          <a:prstGeom prst="roundRect">
+            <a:avLst/>
+          </a:prstGeom>
+        </p:spPr>
+        <p:style>
+          <a:lnRef idx="3">
+            <a:schemeClr val="lt1"/>
+          </a:lnRef>
+          <a:fillRef idx="1">
+            <a:schemeClr val="accent2"/>
+          </a:fillRef>
+          <a:effectRef idx="1">
+            <a:schemeClr val="accent2"/>
+          </a:effectRef>
+          <a:fontRef idx="minor">
+            <a:schemeClr val="lt1"/>
+          </a:fontRef>
+        </p:style>
+        <p:txBody>
+          <a:bodyPr rtlCol="0" anchor="ctr"/>
+          <a:lstStyle/>
+          <a:p>
+            <a:pPr algn="ctr"/>
+            <a:r>
+              <a:rPr kumimoji="1" lang="en-US" altLang="ko-Kore-KR" sz="1200" dirty="0"/>
+              <a:t>HTTP</a:t>
+            </a:r>
+            <a:endParaRPr kumimoji="1" lang="ko-Kore-KR" altLang="en-US" sz="1200" dirty="0"/>
+          </a:p>
+        </p:txBody>
+      </p:sp>
+      <p:sp>
+        <p:nvSpPr>
+          <p:cNvPr id="12" name="직사각형 11">
+            <a:extLst>
+              <a:ext uri="{FF2B5EF4-FFF2-40B4-BE49-F238E27FC236}">
+                <a16:creationId xmlns:a16="http://schemas.microsoft.com/office/drawing/2014/main" id="{2082DEE7-2AD4-ADD5-2762-78C55B9E5E59}"/>
+              </a:ext>
+            </a:extLst>
+          </p:cNvPr>
+          <p:cNvSpPr/>
+          <p:nvPr/>
+        </p:nvSpPr>
+        <p:spPr>
+          <a:xfrm>
+            <a:off x="1472422" y="2635035"/>
+            <a:ext cx="1004178" cy="285529"/>
+          </a:xfrm>
+          <a:prstGeom prst="rect">
+            <a:avLst/>
+          </a:prstGeom>
+        </p:spPr>
+        <p:style>
+          <a:lnRef idx="2">
+            <a:schemeClr val="accent1"/>
+          </a:lnRef>
+          <a:fillRef idx="1">
+            <a:schemeClr val="lt1"/>
+          </a:fillRef>
+          <a:effectRef idx="0">
+            <a:schemeClr val="accent1"/>
+          </a:effectRef>
+          <a:fontRef idx="minor">
+            <a:schemeClr val="dk1"/>
+          </a:fontRef>
+        </p:style>
+        <p:txBody>
+          <a:bodyPr rtlCol="0" anchor="ctr"/>
+          <a:lstStyle/>
+          <a:p>
+            <a:pPr algn="ctr"/>
+            <a:r>
+              <a:rPr kumimoji="1" lang="en-US" altLang="ko-KR" sz="1200" dirty="0"/>
+              <a:t>6.</a:t>
+            </a:r>
+            <a:r>
+              <a:rPr kumimoji="1" lang="ko-KR" altLang="en-US" sz="1200" dirty="0"/>
+              <a:t> </a:t>
+            </a:r>
+            <a:r>
+              <a:rPr kumimoji="1" lang="ko-Kore-KR" altLang="en-US" sz="1200" dirty="0"/>
+              <a:t>응답</a:t>
+            </a:r>
+          </a:p>
+        </p:txBody>
+      </p:sp>
+      <p:sp>
+        <p:nvSpPr>
+          <p:cNvPr id="13" name="직사각형 12">
+            <a:extLst>
+              <a:ext uri="{FF2B5EF4-FFF2-40B4-BE49-F238E27FC236}">
+                <a16:creationId xmlns:a16="http://schemas.microsoft.com/office/drawing/2014/main" id="{77FA235C-8541-1548-67F2-7604026BACB7}"/>
+              </a:ext>
+            </a:extLst>
+          </p:cNvPr>
+          <p:cNvSpPr/>
+          <p:nvPr/>
+        </p:nvSpPr>
+        <p:spPr>
+          <a:xfrm>
+            <a:off x="4193188" y="1032425"/>
+            <a:ext cx="1004178" cy="285529"/>
+          </a:xfrm>
+          <a:prstGeom prst="rect">
+            <a:avLst/>
+          </a:prstGeom>
+        </p:spPr>
+        <p:style>
+          <a:lnRef idx="2">
+            <a:schemeClr val="accent1"/>
+          </a:lnRef>
+          <a:fillRef idx="1">
+            <a:schemeClr val="lt1"/>
+          </a:fillRef>
+          <a:effectRef idx="0">
+            <a:schemeClr val="accent1"/>
+          </a:effectRef>
+          <a:fontRef idx="minor">
+            <a:schemeClr val="dk1"/>
+          </a:fontRef>
+        </p:style>
+        <p:txBody>
+          <a:bodyPr rtlCol="0" anchor="ctr"/>
+          <a:lstStyle/>
+          <a:p>
+            <a:pPr algn="ctr"/>
+            <a:r>
+              <a:rPr kumimoji="1" lang="en-US" altLang="ko-KR" sz="1200" dirty="0"/>
+              <a:t>2.</a:t>
+            </a:r>
+            <a:r>
+              <a:rPr kumimoji="1" lang="ko-KR" altLang="en-US" sz="1200" dirty="0"/>
+              <a:t> </a:t>
+            </a:r>
+            <a:r>
+              <a:rPr kumimoji="1" lang="en-US" altLang="ko-KR" sz="1200" dirty="0" err="1"/>
+              <a:t>doFilter</a:t>
+            </a:r>
+            <a:r>
+              <a:rPr kumimoji="1" lang="en-US" altLang="ko-KR" sz="1200" dirty="0"/>
+              <a:t>()</a:t>
+            </a:r>
+            <a:endParaRPr kumimoji="1" lang="ko-Kore-KR" altLang="en-US" sz="1200" dirty="0"/>
+          </a:p>
+        </p:txBody>
+      </p:sp>
+      <p:sp>
+        <p:nvSpPr>
+          <p:cNvPr id="14" name="직사각형 13">
+            <a:extLst>
+              <a:ext uri="{FF2B5EF4-FFF2-40B4-BE49-F238E27FC236}">
+                <a16:creationId xmlns:a16="http://schemas.microsoft.com/office/drawing/2014/main" id="{ACDC9775-4DFB-8E3B-5B70-894383ABF1F1}"/>
+              </a:ext>
+            </a:extLst>
+          </p:cNvPr>
+          <p:cNvSpPr/>
+          <p:nvPr/>
+        </p:nvSpPr>
+        <p:spPr>
+          <a:xfrm>
+            <a:off x="4196204" y="2635034"/>
+            <a:ext cx="1004178" cy="285529"/>
+          </a:xfrm>
+          <a:prstGeom prst="rect">
+            <a:avLst/>
+          </a:prstGeom>
+        </p:spPr>
+        <p:style>
+          <a:lnRef idx="2">
+            <a:schemeClr val="accent1"/>
+          </a:lnRef>
+          <a:fillRef idx="1">
+            <a:schemeClr val="lt1"/>
+          </a:fillRef>
+          <a:effectRef idx="0">
+            <a:schemeClr val="accent1"/>
+          </a:effectRef>
+          <a:fontRef idx="minor">
+            <a:schemeClr val="dk1"/>
+          </a:fontRef>
+        </p:style>
+        <p:txBody>
+          <a:bodyPr rtlCol="0" anchor="ctr"/>
+          <a:lstStyle/>
+          <a:p>
+            <a:pPr algn="ctr"/>
+            <a:r>
+              <a:rPr kumimoji="1" lang="en-US" altLang="ko-KR" sz="1200" dirty="0"/>
+              <a:t>5.</a:t>
+            </a:r>
+            <a:r>
+              <a:rPr kumimoji="1" lang="ko-KR" altLang="en-US" sz="1200" dirty="0"/>
+              <a:t> </a:t>
+            </a:r>
+            <a:r>
+              <a:rPr kumimoji="1" lang="en-US" altLang="ko-KR" sz="1200" dirty="0"/>
+              <a:t>return</a:t>
+            </a:r>
+            <a:endParaRPr kumimoji="1" lang="ko-Kore-KR" altLang="en-US" sz="1200" dirty="0"/>
+          </a:p>
+        </p:txBody>
+      </p:sp>
+      <p:sp>
+        <p:nvSpPr>
+          <p:cNvPr id="19" name="직사각형 18">
+            <a:extLst>
+              <a:ext uri="{FF2B5EF4-FFF2-40B4-BE49-F238E27FC236}">
+                <a16:creationId xmlns:a16="http://schemas.microsoft.com/office/drawing/2014/main" id="{5A1FF3E3-670D-F298-3FE4-38441A9DC7F3}"/>
+              </a:ext>
+            </a:extLst>
+          </p:cNvPr>
+          <p:cNvSpPr/>
+          <p:nvPr/>
+        </p:nvSpPr>
+        <p:spPr>
+          <a:xfrm>
+            <a:off x="9068500" y="1391526"/>
+            <a:ext cx="2536500" cy="1156138"/>
+          </a:xfrm>
+          <a:prstGeom prst="rect">
+            <a:avLst/>
+          </a:prstGeom>
+        </p:spPr>
+        <p:style>
+          <a:lnRef idx="2">
+            <a:schemeClr val="accent1">
+              <a:shade val="50000"/>
+            </a:schemeClr>
+          </a:lnRef>
+          <a:fillRef idx="1">
+            <a:schemeClr val="accent1"/>
+          </a:fillRef>
+          <a:effectRef idx="0">
+            <a:schemeClr val="accent1"/>
+          </a:effectRef>
+          <a:fontRef idx="minor">
+            <a:schemeClr val="lt1"/>
+          </a:fontRef>
+        </p:style>
+        <p:txBody>
+          <a:bodyPr rtlCol="0" anchor="ctr"/>
+          <a:lstStyle/>
+          <a:p>
+            <a:pPr marL="0" marR="0" lvl="0" indent="0" algn="ctr" defTabSz="914400" rtl="0" eaLnBrk="1" fontAlgn="auto" latinLnBrk="0" hangingPunct="1">
+              <a:lnSpc>
+                <a:spcPct val="100000"/>
+              </a:lnSpc>
+              <a:spcBef>
+                <a:spcPts val="0"/>
+              </a:spcBef>
+              <a:spcAft>
+                <a:spcPts val="0"/>
+              </a:spcAft>
+              <a:buClrTx/>
+              <a:buSzTx/>
+              <a:buFontTx/>
+              <a:buNone/>
+              <a:tabLst/>
+              <a:defRPr/>
+            </a:pPr>
+            <a:r>
+              <a:rPr kumimoji="1" lang="en-US" altLang="ko-Kore-KR" sz="1400" b="0" i="0" u="none" strike="noStrike" kern="1200" cap="none" spc="0" normalizeH="0" baseline="0" noProof="0" dirty="0">
+                <a:ln>
+                  <a:noFill/>
+                </a:ln>
+                <a:solidFill>
+                  <a:prstClr val="white"/>
+                </a:solidFill>
+                <a:effectLst/>
+                <a:uLnTx/>
+                <a:uFillTx/>
+                <a:latin typeface="Calibri" panose="020F0502020204030204"/>
+                <a:ea typeface="+mn-ea"/>
+                <a:cs typeface="+mn-cs"/>
+              </a:rPr>
+              <a:t>&lt;&lt;Servlet&gt;&gt;</a:t>
+            </a:r>
+            <a:endParaRPr kumimoji="1" lang="en-US" altLang="ko-Kore-KR" dirty="0"/>
+          </a:p>
+          <a:p>
+            <a:pPr algn="ctr"/>
+            <a:r>
+              <a:rPr kumimoji="1" lang="en-US" altLang="ko-Kore-KR" dirty="0" err="1"/>
+              <a:t>BoardUpdateContainer</a:t>
+            </a:r>
+            <a:endParaRPr kumimoji="1" lang="ko-Kore-KR" altLang="en-US" dirty="0"/>
+          </a:p>
+        </p:txBody>
+      </p:sp>
+      <p:sp>
+        <p:nvSpPr>
+          <p:cNvPr id="20" name="직사각형 19">
+            <a:extLst>
+              <a:ext uri="{FF2B5EF4-FFF2-40B4-BE49-F238E27FC236}">
+                <a16:creationId xmlns:a16="http://schemas.microsoft.com/office/drawing/2014/main" id="{A0140F19-E0C2-AEA6-ED3F-DD91AEBA584A}"/>
+              </a:ext>
+            </a:extLst>
+          </p:cNvPr>
+          <p:cNvSpPr/>
+          <p:nvPr/>
+        </p:nvSpPr>
+        <p:spPr>
+          <a:xfrm>
+            <a:off x="5197364" y="4293476"/>
+            <a:ext cx="2035069" cy="1156138"/>
+          </a:xfrm>
+          <a:prstGeom prst="rect">
+            <a:avLst/>
+          </a:prstGeom>
+        </p:spPr>
+        <p:style>
+          <a:lnRef idx="2">
+            <a:schemeClr val="accent1">
+              <a:shade val="50000"/>
+            </a:schemeClr>
+          </a:lnRef>
+          <a:fillRef idx="1">
+            <a:schemeClr val="accent1"/>
+          </a:fillRef>
+          <a:effectRef idx="0">
+            <a:schemeClr val="accent1"/>
+          </a:effectRef>
+          <a:fontRef idx="minor">
+            <a:schemeClr val="lt1"/>
+          </a:fontRef>
+        </p:style>
+        <p:txBody>
+          <a:bodyPr rtlCol="0" anchor="ctr"/>
+          <a:lstStyle/>
+          <a:p>
+            <a:pPr marL="0" marR="0" lvl="0" indent="0" algn="ctr" defTabSz="914400" rtl="0" eaLnBrk="1" fontAlgn="auto" latinLnBrk="0" hangingPunct="1">
+              <a:lnSpc>
+                <a:spcPct val="100000"/>
+              </a:lnSpc>
+              <a:spcBef>
+                <a:spcPts val="0"/>
+              </a:spcBef>
+              <a:spcAft>
+                <a:spcPts val="0"/>
+              </a:spcAft>
+              <a:buClrTx/>
+              <a:buSzTx/>
+              <a:buFontTx/>
+              <a:buNone/>
+              <a:tabLst/>
+              <a:defRPr/>
+            </a:pPr>
+            <a:r>
+              <a:rPr kumimoji="1" lang="en-US" altLang="ko-Kore-KR" sz="1400" b="0" i="0" u="none" strike="noStrike" kern="1200" cap="none" spc="0" normalizeH="0" baseline="0" noProof="0" dirty="0">
+                <a:ln>
+                  <a:noFill/>
+                </a:ln>
+                <a:solidFill>
+                  <a:prstClr val="white"/>
+                </a:solidFill>
+                <a:effectLst/>
+                <a:uLnTx/>
+                <a:uFillTx/>
+                <a:latin typeface="Calibri" panose="020F0502020204030204"/>
+                <a:ea typeface="+mn-ea"/>
+                <a:cs typeface="+mn-cs"/>
+              </a:rPr>
+              <a:t>&lt;&lt;</a:t>
+            </a:r>
+            <a:r>
+              <a:rPr kumimoji="1" lang="en-US" altLang="ko-Kore-KR" sz="1400" b="0" i="0" u="none" strike="noStrike" kern="1200" cap="none" spc="0" normalizeH="0" baseline="0" noProof="0" dirty="0" err="1">
+                <a:ln>
+                  <a:noFill/>
+                </a:ln>
+                <a:solidFill>
+                  <a:prstClr val="white"/>
+                </a:solidFill>
+                <a:effectLst/>
+                <a:uLnTx/>
+                <a:uFillTx/>
+                <a:latin typeface="Calibri" panose="020F0502020204030204"/>
+                <a:ea typeface="+mn-ea"/>
+                <a:cs typeface="+mn-cs"/>
+              </a:rPr>
+              <a:t>FIlter</a:t>
+            </a:r>
+            <a:r>
+              <a:rPr kumimoji="1" lang="en-US" altLang="ko-Kore-KR" sz="1400" b="0" i="0" u="none" strike="noStrike" kern="1200" cap="none" spc="0" normalizeH="0" baseline="0" noProof="0" dirty="0">
+                <a:ln>
+                  <a:noFill/>
+                </a:ln>
+                <a:solidFill>
+                  <a:prstClr val="white"/>
+                </a:solidFill>
+                <a:effectLst/>
+                <a:uLnTx/>
+                <a:uFillTx/>
+                <a:latin typeface="Calibri" panose="020F0502020204030204"/>
+                <a:ea typeface="+mn-ea"/>
+                <a:cs typeface="+mn-cs"/>
+              </a:rPr>
+              <a:t>&gt;&gt;</a:t>
+            </a:r>
+            <a:endParaRPr kumimoji="1" lang="en-US" altLang="ko-Kore-KR" dirty="0"/>
+          </a:p>
+          <a:p>
+            <a:pPr algn="ctr"/>
+            <a:r>
+              <a:rPr kumimoji="1" lang="en-US" altLang="ko-Kore-KR" dirty="0" err="1"/>
+              <a:t>AdminCheckFilter</a:t>
+            </a:r>
+            <a:endParaRPr kumimoji="1" lang="ko-Kore-KR" altLang="en-US" dirty="0"/>
+          </a:p>
+        </p:txBody>
+      </p:sp>
+      <p:sp>
+        <p:nvSpPr>
+          <p:cNvPr id="22" name="직사각형 21">
+            <a:extLst>
+              <a:ext uri="{FF2B5EF4-FFF2-40B4-BE49-F238E27FC236}">
+                <a16:creationId xmlns:a16="http://schemas.microsoft.com/office/drawing/2014/main" id="{0333CBC1-039B-7C6A-D6F7-CE146E20CFEF}"/>
+              </a:ext>
+            </a:extLst>
+          </p:cNvPr>
+          <p:cNvSpPr/>
+          <p:nvPr/>
+        </p:nvSpPr>
+        <p:spPr>
+          <a:xfrm>
+            <a:off x="5197364" y="3839995"/>
+            <a:ext cx="1387707" cy="363050"/>
+          </a:xfrm>
+          <a:prstGeom prst="rect">
+            <a:avLst/>
+          </a:prstGeom>
+          <a:ln/>
+        </p:spPr>
+        <p:style>
+          <a:lnRef idx="2">
+            <a:schemeClr val="accent1"/>
+          </a:lnRef>
+          <a:fillRef idx="1">
+            <a:schemeClr val="lt1"/>
+          </a:fillRef>
+          <a:effectRef idx="0">
+            <a:schemeClr val="accent1"/>
+          </a:effectRef>
+          <a:fontRef idx="minor">
+            <a:schemeClr val="dk1"/>
+          </a:fontRef>
+        </p:style>
+        <p:txBody>
+          <a:bodyPr rtlCol="0" anchor="ctr"/>
+          <a:lstStyle/>
+          <a:p>
+            <a:pPr algn="ctr"/>
+            <a:r>
+              <a:rPr kumimoji="1" lang="en-US" altLang="ko-Kore-KR" sz="1200" dirty="0"/>
+              <a:t>/member/*</a:t>
+            </a:r>
+            <a:endParaRPr kumimoji="1" lang="ko-Kore-KR" altLang="en-US" sz="1200" dirty="0"/>
+          </a:p>
+        </p:txBody>
+      </p:sp>
+      <p:sp>
+        <p:nvSpPr>
+          <p:cNvPr id="23" name="직사각형 22">
+            <a:extLst>
+              <a:ext uri="{FF2B5EF4-FFF2-40B4-BE49-F238E27FC236}">
+                <a16:creationId xmlns:a16="http://schemas.microsoft.com/office/drawing/2014/main" id="{17606536-C164-6398-3E07-98D80938F194}"/>
+              </a:ext>
+            </a:extLst>
+          </p:cNvPr>
+          <p:cNvSpPr/>
+          <p:nvPr/>
+        </p:nvSpPr>
+        <p:spPr>
+          <a:xfrm>
+            <a:off x="8201353" y="4293476"/>
+            <a:ext cx="2035069" cy="1156138"/>
+          </a:xfrm>
+          <a:prstGeom prst="rect">
+            <a:avLst/>
+          </a:prstGeom>
+        </p:spPr>
+        <p:style>
+          <a:lnRef idx="2">
+            <a:schemeClr val="accent1">
+              <a:shade val="50000"/>
+            </a:schemeClr>
+          </a:lnRef>
+          <a:fillRef idx="1">
+            <a:schemeClr val="accent1"/>
+          </a:fillRef>
+          <a:effectRef idx="0">
+            <a:schemeClr val="accent1"/>
+          </a:effectRef>
+          <a:fontRef idx="minor">
+            <a:schemeClr val="lt1"/>
+          </a:fontRef>
+        </p:style>
+        <p:txBody>
+          <a:bodyPr rtlCol="0" anchor="ctr"/>
+          <a:lstStyle/>
+          <a:p>
+            <a:pPr marL="0" marR="0" lvl="0" indent="0" algn="ctr" defTabSz="914400" rtl="0" eaLnBrk="1" fontAlgn="auto" latinLnBrk="0" hangingPunct="1">
+              <a:lnSpc>
+                <a:spcPct val="100000"/>
+              </a:lnSpc>
+              <a:spcBef>
+                <a:spcPts val="0"/>
+              </a:spcBef>
+              <a:spcAft>
+                <a:spcPts val="0"/>
+              </a:spcAft>
+              <a:buClrTx/>
+              <a:buSzTx/>
+              <a:buFontTx/>
+              <a:buNone/>
+              <a:tabLst/>
+              <a:defRPr/>
+            </a:pPr>
+            <a:r>
+              <a:rPr kumimoji="1" lang="en-US" altLang="ko-Kore-KR" sz="1400" b="0" i="0" u="none" strike="noStrike" kern="1200" cap="none" spc="0" normalizeH="0" baseline="0" noProof="0" dirty="0">
+                <a:ln>
+                  <a:noFill/>
+                </a:ln>
+                <a:solidFill>
+                  <a:prstClr val="white"/>
+                </a:solidFill>
+                <a:effectLst/>
+                <a:uLnTx/>
+                <a:uFillTx/>
+                <a:latin typeface="Calibri" panose="020F0502020204030204"/>
+                <a:ea typeface="+mn-ea"/>
+                <a:cs typeface="+mn-cs"/>
+              </a:rPr>
+              <a:t>&lt;&lt;Servlet&gt;&gt;</a:t>
+            </a:r>
+            <a:endParaRPr kumimoji="1" lang="en-US" altLang="ko-Kore-KR" dirty="0"/>
+          </a:p>
+          <a:p>
+            <a:pPr algn="ctr"/>
+            <a:r>
+              <a:rPr kumimoji="1" lang="en-US" altLang="ko-Kore-KR" dirty="0" err="1"/>
+              <a:t>MemberListServlet</a:t>
+            </a:r>
+            <a:endParaRPr kumimoji="1" lang="ko-Kore-KR" altLang="en-US" dirty="0"/>
+          </a:p>
+        </p:txBody>
+      </p:sp>
+      <p:sp>
+        <p:nvSpPr>
+          <p:cNvPr id="24" name="직사각형 23">
+            <a:extLst>
+              <a:ext uri="{FF2B5EF4-FFF2-40B4-BE49-F238E27FC236}">
+                <a16:creationId xmlns:a16="http://schemas.microsoft.com/office/drawing/2014/main" id="{AD03EE25-5472-D3A9-FDEB-4529437D03FB}"/>
+              </a:ext>
+            </a:extLst>
+          </p:cNvPr>
+          <p:cNvSpPr/>
+          <p:nvPr/>
+        </p:nvSpPr>
+        <p:spPr>
+          <a:xfrm>
+            <a:off x="8201353" y="3839995"/>
+            <a:ext cx="1387707" cy="363050"/>
+          </a:xfrm>
+          <a:prstGeom prst="rect">
+            <a:avLst/>
+          </a:prstGeom>
+          <a:ln/>
+        </p:spPr>
+        <p:style>
+          <a:lnRef idx="2">
+            <a:schemeClr val="accent1"/>
+          </a:lnRef>
+          <a:fillRef idx="1">
+            <a:schemeClr val="lt1"/>
+          </a:fillRef>
+          <a:effectRef idx="0">
+            <a:schemeClr val="accent1"/>
+          </a:effectRef>
+          <a:fontRef idx="minor">
+            <a:schemeClr val="dk1"/>
+          </a:fontRef>
+        </p:style>
+        <p:txBody>
+          <a:bodyPr rtlCol="0" anchor="ctr"/>
+          <a:lstStyle/>
+          <a:p>
+            <a:pPr algn="ctr"/>
+            <a:r>
+              <a:rPr kumimoji="1" lang="en-US" altLang="ko-Kore-KR" sz="1200" dirty="0"/>
+              <a:t>/member/list</a:t>
+            </a:r>
+            <a:endParaRPr kumimoji="1" lang="ko-Kore-KR" altLang="en-US" sz="1200" dirty="0"/>
+          </a:p>
+        </p:txBody>
+      </p:sp>
+      <p:cxnSp>
+        <p:nvCxnSpPr>
+          <p:cNvPr id="25" name="구부러진 연결선[U] 24">
+            <a:extLst>
+              <a:ext uri="{FF2B5EF4-FFF2-40B4-BE49-F238E27FC236}">
+                <a16:creationId xmlns:a16="http://schemas.microsoft.com/office/drawing/2014/main" id="{7A6EF02A-B3A2-6272-A894-73DC76599A2A}"/>
+              </a:ext>
+            </a:extLst>
+          </p:cNvPr>
+          <p:cNvCxnSpPr>
+            <a:cxnSpLocks/>
+            <a:stCxn id="5" idx="0"/>
+            <a:endCxn id="19" idx="0"/>
+          </p:cNvCxnSpPr>
+          <p:nvPr/>
+        </p:nvCxnSpPr>
+        <p:spPr>
+          <a:xfrm rot="5400000" flipH="1" flipV="1">
+            <a:off x="8217470" y="-721403"/>
+            <a:ext cx="6350" cy="4232209"/>
+          </a:xfrm>
+          <a:prstGeom prst="curvedConnector3">
+            <a:avLst>
+              <a:gd name="adj1" fmla="val 3700000"/>
+            </a:avLst>
+          </a:prstGeom>
+          <a:ln>
+            <a:tailEnd type="triangle"/>
+          </a:ln>
+        </p:spPr>
+        <p:style>
+          <a:lnRef idx="3">
+            <a:schemeClr val="accent1"/>
+          </a:lnRef>
+          <a:fillRef idx="0">
+            <a:schemeClr val="accent1"/>
+          </a:fillRef>
+          <a:effectRef idx="2">
+            <a:schemeClr val="accent1"/>
+          </a:effectRef>
+          <a:fontRef idx="minor">
+            <a:schemeClr val="tx1"/>
+          </a:fontRef>
+        </p:style>
+      </p:cxnSp>
+      <p:cxnSp>
+        <p:nvCxnSpPr>
+          <p:cNvPr id="26" name="구부러진 연결선[U] 25">
+            <a:extLst>
+              <a:ext uri="{FF2B5EF4-FFF2-40B4-BE49-F238E27FC236}">
+                <a16:creationId xmlns:a16="http://schemas.microsoft.com/office/drawing/2014/main" id="{9261B389-EC45-88BD-E725-6EBCF5F6C8B9}"/>
+              </a:ext>
+            </a:extLst>
+          </p:cNvPr>
+          <p:cNvCxnSpPr>
+            <a:cxnSpLocks/>
+            <a:stCxn id="19" idx="2"/>
+            <a:endCxn id="5" idx="2"/>
+          </p:cNvCxnSpPr>
+          <p:nvPr/>
+        </p:nvCxnSpPr>
+        <p:spPr>
+          <a:xfrm rot="5400000">
+            <a:off x="8217471" y="434735"/>
+            <a:ext cx="6350" cy="4232209"/>
+          </a:xfrm>
+          <a:prstGeom prst="curvedConnector3">
+            <a:avLst>
+              <a:gd name="adj1" fmla="val 3700000"/>
+            </a:avLst>
+          </a:prstGeom>
+          <a:ln>
+            <a:tailEnd type="triangle"/>
+          </a:ln>
+        </p:spPr>
+        <p:style>
+          <a:lnRef idx="3">
+            <a:schemeClr val="accent1"/>
+          </a:lnRef>
+          <a:fillRef idx="0">
+            <a:schemeClr val="accent1"/>
+          </a:fillRef>
+          <a:effectRef idx="2">
+            <a:schemeClr val="accent1"/>
+          </a:effectRef>
+          <a:fontRef idx="minor">
+            <a:schemeClr val="tx1"/>
+          </a:fontRef>
+        </p:style>
+      </p:cxnSp>
+      <p:sp>
+        <p:nvSpPr>
+          <p:cNvPr id="21" name="직사각형 20">
+            <a:extLst>
+              <a:ext uri="{FF2B5EF4-FFF2-40B4-BE49-F238E27FC236}">
+                <a16:creationId xmlns:a16="http://schemas.microsoft.com/office/drawing/2014/main" id="{FECE2A35-E92A-8CF5-6BFD-E2E79A6D38F7}"/>
+              </a:ext>
+            </a:extLst>
+          </p:cNvPr>
+          <p:cNvSpPr/>
+          <p:nvPr/>
+        </p:nvSpPr>
+        <p:spPr>
+          <a:xfrm>
+            <a:off x="9068500" y="942205"/>
+            <a:ext cx="1387707" cy="363050"/>
+          </a:xfrm>
+          <a:prstGeom prst="rect">
+            <a:avLst/>
+          </a:prstGeom>
+          <a:ln/>
+        </p:spPr>
+        <p:style>
+          <a:lnRef idx="2">
+            <a:schemeClr val="accent1"/>
+          </a:lnRef>
+          <a:fillRef idx="1">
+            <a:schemeClr val="lt1"/>
+          </a:fillRef>
+          <a:effectRef idx="0">
+            <a:schemeClr val="accent1"/>
+          </a:effectRef>
+          <a:fontRef idx="minor">
+            <a:schemeClr val="dk1"/>
+          </a:fontRef>
+        </p:style>
+        <p:txBody>
+          <a:bodyPr rtlCol="0" anchor="ctr"/>
+          <a:lstStyle/>
+          <a:p>
+            <a:pPr algn="ctr"/>
+            <a:r>
+              <a:rPr kumimoji="1" lang="en-US" altLang="ko-Kore-KR" sz="1200" dirty="0"/>
+              <a:t>/board/update</a:t>
+            </a:r>
+            <a:endParaRPr kumimoji="1" lang="ko-Kore-KR" altLang="en-US" sz="1200" dirty="0"/>
+          </a:p>
+        </p:txBody>
+      </p:sp>
+      <p:sp>
+        <p:nvSpPr>
+          <p:cNvPr id="31" name="직사각형 30">
+            <a:extLst>
+              <a:ext uri="{FF2B5EF4-FFF2-40B4-BE49-F238E27FC236}">
+                <a16:creationId xmlns:a16="http://schemas.microsoft.com/office/drawing/2014/main" id="{D0DCCA80-B0A9-6E26-3BBE-8E5E6DF58F86}"/>
+              </a:ext>
+            </a:extLst>
+          </p:cNvPr>
+          <p:cNvSpPr/>
+          <p:nvPr/>
+        </p:nvSpPr>
+        <p:spPr>
+          <a:xfrm>
+            <a:off x="7425118" y="1029585"/>
+            <a:ext cx="1004178" cy="285529"/>
+          </a:xfrm>
+          <a:prstGeom prst="rect">
+            <a:avLst/>
+          </a:prstGeom>
+        </p:spPr>
+        <p:style>
+          <a:lnRef idx="2">
+            <a:schemeClr val="accent1"/>
+          </a:lnRef>
+          <a:fillRef idx="1">
+            <a:schemeClr val="lt1"/>
+          </a:fillRef>
+          <a:effectRef idx="0">
+            <a:schemeClr val="accent1"/>
+          </a:effectRef>
+          <a:fontRef idx="minor">
+            <a:schemeClr val="dk1"/>
+          </a:fontRef>
+        </p:style>
+        <p:txBody>
+          <a:bodyPr rtlCol="0" anchor="ctr"/>
+          <a:lstStyle/>
+          <a:p>
+            <a:pPr algn="ctr"/>
+            <a:r>
+              <a:rPr kumimoji="1" lang="en-US" altLang="ko-KR" sz="1200" dirty="0"/>
+              <a:t>3.</a:t>
+            </a:r>
+            <a:r>
+              <a:rPr kumimoji="1" lang="ko-KR" altLang="en-US" sz="1200" dirty="0"/>
+              <a:t> </a:t>
+            </a:r>
+            <a:r>
+              <a:rPr kumimoji="1" lang="en-US" altLang="ko-KR" sz="1200" dirty="0"/>
+              <a:t>service()</a:t>
+            </a:r>
+            <a:endParaRPr kumimoji="1" lang="ko-Kore-KR" altLang="en-US" sz="1200" dirty="0"/>
+          </a:p>
+        </p:txBody>
+      </p:sp>
+      <p:sp>
+        <p:nvSpPr>
+          <p:cNvPr id="32" name="직사각형 31">
+            <a:extLst>
+              <a:ext uri="{FF2B5EF4-FFF2-40B4-BE49-F238E27FC236}">
+                <a16:creationId xmlns:a16="http://schemas.microsoft.com/office/drawing/2014/main" id="{5BD83E55-7AAB-E29E-AA1A-316E37251A39}"/>
+              </a:ext>
+            </a:extLst>
+          </p:cNvPr>
+          <p:cNvSpPr/>
+          <p:nvPr/>
+        </p:nvSpPr>
+        <p:spPr>
+          <a:xfrm>
+            <a:off x="7425118" y="2635033"/>
+            <a:ext cx="1004178" cy="285529"/>
+          </a:xfrm>
+          <a:prstGeom prst="rect">
+            <a:avLst/>
+          </a:prstGeom>
+        </p:spPr>
+        <p:style>
+          <a:lnRef idx="2">
+            <a:schemeClr val="accent1"/>
+          </a:lnRef>
+          <a:fillRef idx="1">
+            <a:schemeClr val="lt1"/>
+          </a:fillRef>
+          <a:effectRef idx="0">
+            <a:schemeClr val="accent1"/>
+          </a:effectRef>
+          <a:fontRef idx="minor">
+            <a:schemeClr val="dk1"/>
+          </a:fontRef>
+        </p:style>
+        <p:txBody>
+          <a:bodyPr rtlCol="0" anchor="ctr"/>
+          <a:lstStyle/>
+          <a:p>
+            <a:pPr algn="ctr"/>
+            <a:r>
+              <a:rPr kumimoji="1" lang="en-US" altLang="ko-KR" sz="1200" dirty="0"/>
+              <a:t>4.</a:t>
+            </a:r>
+            <a:r>
+              <a:rPr kumimoji="1" lang="ko-KR" altLang="en-US" sz="1200" dirty="0"/>
+              <a:t> </a:t>
+            </a:r>
+            <a:r>
+              <a:rPr kumimoji="1" lang="en-US" altLang="ko-KR" sz="1200" dirty="0"/>
+              <a:t>return</a:t>
+            </a:r>
+            <a:endParaRPr kumimoji="1" lang="ko-Kore-KR" altLang="en-US" sz="1200" dirty="0"/>
+          </a:p>
+        </p:txBody>
+      </p:sp>
+      <p:sp>
+        <p:nvSpPr>
+          <p:cNvPr id="35" name="왼쪽으로 구부러진 화살표[C] 34">
+            <a:extLst>
+              <a:ext uri="{FF2B5EF4-FFF2-40B4-BE49-F238E27FC236}">
+                <a16:creationId xmlns:a16="http://schemas.microsoft.com/office/drawing/2014/main" id="{D9617AB9-1EB9-379A-8300-19273B96769A}"/>
+              </a:ext>
+            </a:extLst>
+          </p:cNvPr>
+          <p:cNvSpPr/>
+          <p:nvPr/>
+        </p:nvSpPr>
+        <p:spPr>
+          <a:xfrm>
+            <a:off x="11786037" y="1764424"/>
+            <a:ext cx="294289" cy="378373"/>
+          </a:xfrm>
+          <a:prstGeom prst="curvedLeftArrow">
+            <a:avLst/>
+          </a:prstGeom>
+        </p:spPr>
+        <p:style>
+          <a:lnRef idx="2">
+            <a:schemeClr val="accent1">
+              <a:shade val="50000"/>
+            </a:schemeClr>
+          </a:lnRef>
+          <a:fillRef idx="1">
+            <a:schemeClr val="accent1"/>
+          </a:fillRef>
+          <a:effectRef idx="0">
+            <a:schemeClr val="accent1"/>
+          </a:effectRef>
+          <a:fontRef idx="minor">
+            <a:schemeClr val="lt1"/>
+          </a:fontRef>
+        </p:style>
+        <p:txBody>
+          <a:bodyPr rtlCol="0" anchor="ctr"/>
+          <a:lstStyle/>
+          <a:p>
+            <a:pPr algn="ctr"/>
+            <a:endParaRPr kumimoji="1" lang="ko-Kore-KR" altLang="en-US">
+              <a:solidFill>
+                <a:schemeClr val="tx1"/>
+              </a:solidFill>
+            </a:endParaRPr>
+          </a:p>
+        </p:txBody>
+      </p:sp>
+      <p:sp>
+        <p:nvSpPr>
+          <p:cNvPr id="36" name="직사각형 35">
+            <a:extLst>
+              <a:ext uri="{FF2B5EF4-FFF2-40B4-BE49-F238E27FC236}">
+                <a16:creationId xmlns:a16="http://schemas.microsoft.com/office/drawing/2014/main" id="{B3024D26-4C05-3FD9-3E71-99864450AEA5}"/>
+              </a:ext>
+            </a:extLst>
+          </p:cNvPr>
+          <p:cNvSpPr/>
+          <p:nvPr/>
+        </p:nvSpPr>
+        <p:spPr>
+          <a:xfrm>
+            <a:off x="12192000" y="1275040"/>
+            <a:ext cx="1004178" cy="1402910"/>
+          </a:xfrm>
+          <a:prstGeom prst="rect">
+            <a:avLst/>
+          </a:prstGeom>
+        </p:spPr>
+        <p:style>
+          <a:lnRef idx="2">
+            <a:schemeClr val="accent1"/>
+          </a:lnRef>
+          <a:fillRef idx="1">
+            <a:schemeClr val="lt1"/>
+          </a:fillRef>
+          <a:effectRef idx="0">
+            <a:schemeClr val="accent1"/>
+          </a:effectRef>
+          <a:fontRef idx="minor">
+            <a:schemeClr val="dk1"/>
+          </a:fontRef>
+        </p:style>
+        <p:txBody>
+          <a:bodyPr rtlCol="0" anchor="ctr"/>
+          <a:lstStyle/>
+          <a:p>
+            <a:pPr algn="ctr"/>
+            <a:r>
+              <a:rPr kumimoji="1" lang="ko-KR" altLang="en-US" sz="1200" dirty="0"/>
+              <a:t>로그인 사용자의 게시글인지 검사</a:t>
+            </a:r>
+            <a:endParaRPr kumimoji="1" lang="en-US" altLang="ko-KR" sz="1200" dirty="0"/>
+          </a:p>
+          <a:p>
+            <a:pPr algn="ctr"/>
+            <a:r>
+              <a:rPr kumimoji="1" lang="en-US" altLang="ko-KR" sz="1200" dirty="0">
+                <a:sym typeface="Wingdings" pitchFamily="2" charset="2"/>
+              </a:rPr>
+              <a:t></a:t>
+            </a:r>
+            <a:r>
+              <a:rPr kumimoji="1" lang="ko-KR" altLang="en-US" sz="1200" dirty="0">
+                <a:sym typeface="Wingdings" pitchFamily="2" charset="2"/>
+              </a:rPr>
+              <a:t> </a:t>
+            </a:r>
+            <a:r>
+              <a:rPr kumimoji="1" lang="en-US" altLang="ko-KR" sz="1200" dirty="0">
+                <a:sym typeface="Wingdings" pitchFamily="2" charset="2"/>
+              </a:rPr>
+              <a:t>yes, </a:t>
+            </a:r>
+            <a:r>
+              <a:rPr kumimoji="1" lang="ko-KR" altLang="en-US" sz="1200" dirty="0">
+                <a:sym typeface="Wingdings" pitchFamily="2" charset="2"/>
+              </a:rPr>
+              <a:t>변경 실행</a:t>
+            </a:r>
+            <a:endParaRPr kumimoji="1" lang="ko-Kore-KR" altLang="en-US" sz="1200" dirty="0"/>
           </a:p>
         </p:txBody>
       </p:sp>
@@ -9985,9 +11973,2825 @@
           <a:p>
             <a:r>
               <a:rPr kumimoji="1" lang="ko-KR" altLang="en-US" sz="2800" b="1" dirty="0"/>
-              <a:t>필터 만들기</a:t>
+              <a:t>필터로 로그인 검사하기</a:t>
+            </a:r>
+            <a:r>
+              <a:rPr kumimoji="1" lang="en-US" altLang="ko-KR" sz="2800" b="1" dirty="0"/>
+              <a:t>2</a:t>
             </a:r>
             <a:endParaRPr kumimoji="1" lang="ko-Kore-KR" altLang="en-US" sz="2800" b="1" dirty="0"/>
+          </a:p>
+        </p:txBody>
+      </p:sp>
+      <p:sp>
+        <p:nvSpPr>
+          <p:cNvPr id="2" name="직사각형 1">
+            <a:extLst>
+              <a:ext uri="{FF2B5EF4-FFF2-40B4-BE49-F238E27FC236}">
+                <a16:creationId xmlns:a16="http://schemas.microsoft.com/office/drawing/2014/main" id="{7B13B9DF-B959-5142-7B7E-29B5A4C0E1C0}"/>
+              </a:ext>
+            </a:extLst>
+          </p:cNvPr>
+          <p:cNvSpPr/>
+          <p:nvPr/>
+        </p:nvSpPr>
+        <p:spPr>
+          <a:xfrm>
+            <a:off x="0" y="1397876"/>
+            <a:ext cx="1387366" cy="1156138"/>
+          </a:xfrm>
+          <a:prstGeom prst="rect">
+            <a:avLst/>
+          </a:prstGeom>
+        </p:spPr>
+        <p:style>
+          <a:lnRef idx="2">
+            <a:schemeClr val="accent1">
+              <a:shade val="50000"/>
+            </a:schemeClr>
+          </a:lnRef>
+          <a:fillRef idx="1">
+            <a:schemeClr val="accent1"/>
+          </a:fillRef>
+          <a:effectRef idx="0">
+            <a:schemeClr val="accent1"/>
+          </a:effectRef>
+          <a:fontRef idx="minor">
+            <a:schemeClr val="lt1"/>
+          </a:fontRef>
+        </p:style>
+        <p:txBody>
+          <a:bodyPr rtlCol="0" anchor="ctr"/>
+          <a:lstStyle/>
+          <a:p>
+            <a:pPr algn="ctr"/>
+            <a:r>
+              <a:rPr kumimoji="1" lang="en-US" altLang="ko-Kore-KR" dirty="0"/>
+              <a:t>HTTP</a:t>
+            </a:r>
+          </a:p>
+          <a:p>
+            <a:pPr algn="ctr"/>
+            <a:r>
+              <a:rPr kumimoji="1" lang="en-US" altLang="ko-Kore-KR" dirty="0"/>
+              <a:t>Client</a:t>
+            </a:r>
+            <a:endParaRPr kumimoji="1" lang="ko-Kore-KR" altLang="en-US" dirty="0"/>
+          </a:p>
+        </p:txBody>
+      </p:sp>
+      <p:sp>
+        <p:nvSpPr>
+          <p:cNvPr id="3" name="직사각형 2">
+            <a:extLst>
+              <a:ext uri="{FF2B5EF4-FFF2-40B4-BE49-F238E27FC236}">
+                <a16:creationId xmlns:a16="http://schemas.microsoft.com/office/drawing/2014/main" id="{1E3544AC-9D70-98EB-6018-A8F9E368030F}"/>
+              </a:ext>
+            </a:extLst>
+          </p:cNvPr>
+          <p:cNvSpPr/>
+          <p:nvPr/>
+        </p:nvSpPr>
+        <p:spPr>
+          <a:xfrm>
+            <a:off x="2439715" y="1397876"/>
+            <a:ext cx="1986456" cy="1156138"/>
+          </a:xfrm>
+          <a:prstGeom prst="rect">
+            <a:avLst/>
+          </a:prstGeom>
+        </p:spPr>
+        <p:style>
+          <a:lnRef idx="2">
+            <a:schemeClr val="accent1">
+              <a:shade val="50000"/>
+            </a:schemeClr>
+          </a:lnRef>
+          <a:fillRef idx="1">
+            <a:schemeClr val="accent1"/>
+          </a:fillRef>
+          <a:effectRef idx="0">
+            <a:schemeClr val="accent1"/>
+          </a:effectRef>
+          <a:fontRef idx="minor">
+            <a:schemeClr val="lt1"/>
+          </a:fontRef>
+        </p:style>
+        <p:txBody>
+          <a:bodyPr rtlCol="0" anchor="ctr"/>
+          <a:lstStyle/>
+          <a:p>
+            <a:pPr algn="ctr"/>
+            <a:r>
+              <a:rPr kumimoji="1" lang="en-US" altLang="ko-Kore-KR" sz="1400" dirty="0"/>
+              <a:t>&lt;&lt;Servlet Container&gt;&gt;</a:t>
+            </a:r>
+          </a:p>
+          <a:p>
+            <a:pPr algn="ctr"/>
+            <a:r>
+              <a:rPr kumimoji="1" lang="en-US" altLang="ko-Kore-KR" dirty="0"/>
+              <a:t>Tomcat</a:t>
+            </a:r>
+          </a:p>
+          <a:p>
+            <a:pPr algn="ctr"/>
+            <a:r>
+              <a:rPr kumimoji="1" lang="en-US" altLang="ko-Kore-KR" dirty="0"/>
+              <a:t>Server</a:t>
+            </a:r>
+            <a:endParaRPr kumimoji="1" lang="ko-Kore-KR" altLang="en-US" dirty="0"/>
+          </a:p>
+        </p:txBody>
+      </p:sp>
+      <p:sp>
+        <p:nvSpPr>
+          <p:cNvPr id="5" name="직사각형 4">
+            <a:extLst>
+              <a:ext uri="{FF2B5EF4-FFF2-40B4-BE49-F238E27FC236}">
+                <a16:creationId xmlns:a16="http://schemas.microsoft.com/office/drawing/2014/main" id="{506957D5-699B-68BE-E37A-663B3505DE65}"/>
+              </a:ext>
+            </a:extLst>
+          </p:cNvPr>
+          <p:cNvSpPr/>
+          <p:nvPr/>
+        </p:nvSpPr>
+        <p:spPr>
+          <a:xfrm>
+            <a:off x="5249569" y="1397876"/>
+            <a:ext cx="1814351" cy="1156138"/>
+          </a:xfrm>
+          <a:prstGeom prst="rect">
+            <a:avLst/>
+          </a:prstGeom>
+        </p:spPr>
+        <p:style>
+          <a:lnRef idx="2">
+            <a:schemeClr val="accent1">
+              <a:shade val="50000"/>
+            </a:schemeClr>
+          </a:lnRef>
+          <a:fillRef idx="1">
+            <a:schemeClr val="accent1"/>
+          </a:fillRef>
+          <a:effectRef idx="0">
+            <a:schemeClr val="accent1"/>
+          </a:effectRef>
+          <a:fontRef idx="minor">
+            <a:schemeClr val="lt1"/>
+          </a:fontRef>
+        </p:style>
+        <p:txBody>
+          <a:bodyPr rtlCol="0" anchor="ctr"/>
+          <a:lstStyle/>
+          <a:p>
+            <a:pPr marL="0" marR="0" lvl="0" indent="0" algn="ctr" defTabSz="914400" rtl="0" eaLnBrk="1" fontAlgn="auto" latinLnBrk="0" hangingPunct="1">
+              <a:lnSpc>
+                <a:spcPct val="100000"/>
+              </a:lnSpc>
+              <a:spcBef>
+                <a:spcPts val="0"/>
+              </a:spcBef>
+              <a:spcAft>
+                <a:spcPts val="0"/>
+              </a:spcAft>
+              <a:buClrTx/>
+              <a:buSzTx/>
+              <a:buFontTx/>
+              <a:buNone/>
+              <a:tabLst/>
+              <a:defRPr/>
+            </a:pPr>
+            <a:r>
+              <a:rPr kumimoji="1" lang="en-US" altLang="ko-Kore-KR" sz="1400" b="0" i="0" u="none" strike="noStrike" kern="1200" cap="none" spc="0" normalizeH="0" baseline="0" noProof="0" dirty="0">
+                <a:ln>
+                  <a:noFill/>
+                </a:ln>
+                <a:solidFill>
+                  <a:prstClr val="white"/>
+                </a:solidFill>
+                <a:effectLst/>
+                <a:uLnTx/>
+                <a:uFillTx/>
+                <a:latin typeface="Calibri" panose="020F0502020204030204"/>
+                <a:ea typeface="+mn-ea"/>
+                <a:cs typeface="+mn-cs"/>
+              </a:rPr>
+              <a:t>&lt;&lt;</a:t>
+            </a:r>
+            <a:r>
+              <a:rPr kumimoji="1" lang="en-US" altLang="ko-Kore-KR" sz="1400" b="0" i="0" u="none" strike="noStrike" kern="1200" cap="none" spc="0" normalizeH="0" baseline="0" noProof="0" dirty="0" err="1">
+                <a:ln>
+                  <a:noFill/>
+                </a:ln>
+                <a:solidFill>
+                  <a:prstClr val="white"/>
+                </a:solidFill>
+                <a:effectLst/>
+                <a:uLnTx/>
+                <a:uFillTx/>
+                <a:latin typeface="Calibri" panose="020F0502020204030204"/>
+                <a:ea typeface="+mn-ea"/>
+                <a:cs typeface="+mn-cs"/>
+              </a:rPr>
+              <a:t>FIlter</a:t>
+            </a:r>
+            <a:r>
+              <a:rPr kumimoji="1" lang="en-US" altLang="ko-Kore-KR" sz="1400" b="0" i="0" u="none" strike="noStrike" kern="1200" cap="none" spc="0" normalizeH="0" baseline="0" noProof="0" dirty="0">
+                <a:ln>
+                  <a:noFill/>
+                </a:ln>
+                <a:solidFill>
+                  <a:prstClr val="white"/>
+                </a:solidFill>
+                <a:effectLst/>
+                <a:uLnTx/>
+                <a:uFillTx/>
+                <a:latin typeface="Calibri" panose="020F0502020204030204"/>
+                <a:ea typeface="+mn-ea"/>
+                <a:cs typeface="+mn-cs"/>
+              </a:rPr>
+              <a:t>&gt;&gt;</a:t>
+            </a:r>
+            <a:endParaRPr kumimoji="1" lang="en-US" altLang="ko-Kore-KR" dirty="0"/>
+          </a:p>
+          <a:p>
+            <a:pPr algn="ctr"/>
+            <a:r>
+              <a:rPr kumimoji="1" lang="en-US" altLang="ko-Kore-KR" dirty="0" err="1"/>
+              <a:t>LoginCheckFilter</a:t>
+            </a:r>
+            <a:endParaRPr kumimoji="1" lang="ko-Kore-KR" altLang="en-US" dirty="0"/>
+          </a:p>
+        </p:txBody>
+      </p:sp>
+      <p:cxnSp>
+        <p:nvCxnSpPr>
+          <p:cNvPr id="6" name="구부러진 연결선[U] 5">
+            <a:extLst>
+              <a:ext uri="{FF2B5EF4-FFF2-40B4-BE49-F238E27FC236}">
+                <a16:creationId xmlns:a16="http://schemas.microsoft.com/office/drawing/2014/main" id="{3439933E-FD90-D000-9F87-FF70DDEE3FAB}"/>
+              </a:ext>
+            </a:extLst>
+          </p:cNvPr>
+          <p:cNvCxnSpPr>
+            <a:stCxn id="2" idx="0"/>
+            <a:endCxn id="3" idx="0"/>
+          </p:cNvCxnSpPr>
+          <p:nvPr/>
+        </p:nvCxnSpPr>
+        <p:spPr>
+          <a:xfrm rot="5400000" flipH="1" flipV="1">
+            <a:off x="2063313" y="28246"/>
+            <a:ext cx="12700" cy="2739260"/>
+          </a:xfrm>
+          <a:prstGeom prst="curvedConnector3">
+            <a:avLst>
+              <a:gd name="adj1" fmla="val 1800000"/>
+            </a:avLst>
+          </a:prstGeom>
+          <a:ln>
+            <a:tailEnd type="triangle"/>
+          </a:ln>
+        </p:spPr>
+        <p:style>
+          <a:lnRef idx="3">
+            <a:schemeClr val="accent1"/>
+          </a:lnRef>
+          <a:fillRef idx="0">
+            <a:schemeClr val="accent1"/>
+          </a:fillRef>
+          <a:effectRef idx="2">
+            <a:schemeClr val="accent1"/>
+          </a:effectRef>
+          <a:fontRef idx="minor">
+            <a:schemeClr val="tx1"/>
+          </a:fontRef>
+        </p:style>
+      </p:cxnSp>
+      <p:cxnSp>
+        <p:nvCxnSpPr>
+          <p:cNvPr id="7" name="구부러진 연결선[U] 6">
+            <a:extLst>
+              <a:ext uri="{FF2B5EF4-FFF2-40B4-BE49-F238E27FC236}">
+                <a16:creationId xmlns:a16="http://schemas.microsoft.com/office/drawing/2014/main" id="{716F6273-F0AF-D1BF-B1C5-39580A25B45F}"/>
+              </a:ext>
+            </a:extLst>
+          </p:cNvPr>
+          <p:cNvCxnSpPr>
+            <a:cxnSpLocks/>
+            <a:stCxn id="3" idx="0"/>
+            <a:endCxn id="5" idx="0"/>
+          </p:cNvCxnSpPr>
+          <p:nvPr/>
+        </p:nvCxnSpPr>
+        <p:spPr>
+          <a:xfrm rot="5400000" flipH="1" flipV="1">
+            <a:off x="4794844" y="35975"/>
+            <a:ext cx="12700" cy="2723802"/>
+          </a:xfrm>
+          <a:prstGeom prst="curvedConnector3">
+            <a:avLst>
+              <a:gd name="adj1" fmla="val 1800000"/>
+            </a:avLst>
+          </a:prstGeom>
+          <a:ln>
+            <a:tailEnd type="triangle"/>
+          </a:ln>
+        </p:spPr>
+        <p:style>
+          <a:lnRef idx="3">
+            <a:schemeClr val="accent1"/>
+          </a:lnRef>
+          <a:fillRef idx="0">
+            <a:schemeClr val="accent1"/>
+          </a:fillRef>
+          <a:effectRef idx="2">
+            <a:schemeClr val="accent1"/>
+          </a:effectRef>
+          <a:fontRef idx="minor">
+            <a:schemeClr val="tx1"/>
+          </a:fontRef>
+        </p:style>
+      </p:cxnSp>
+      <p:cxnSp>
+        <p:nvCxnSpPr>
+          <p:cNvPr id="8" name="구부러진 연결선[U] 7">
+            <a:extLst>
+              <a:ext uri="{FF2B5EF4-FFF2-40B4-BE49-F238E27FC236}">
+                <a16:creationId xmlns:a16="http://schemas.microsoft.com/office/drawing/2014/main" id="{62001472-4868-E5E8-301B-AE2FFE798508}"/>
+              </a:ext>
+            </a:extLst>
+          </p:cNvPr>
+          <p:cNvCxnSpPr>
+            <a:cxnSpLocks/>
+            <a:stCxn id="5" idx="2"/>
+            <a:endCxn id="3" idx="2"/>
+          </p:cNvCxnSpPr>
+          <p:nvPr/>
+        </p:nvCxnSpPr>
+        <p:spPr>
+          <a:xfrm rot="5400000">
+            <a:off x="4794844" y="1192113"/>
+            <a:ext cx="12700" cy="2723802"/>
+          </a:xfrm>
+          <a:prstGeom prst="curvedConnector3">
+            <a:avLst>
+              <a:gd name="adj1" fmla="val 1800000"/>
+            </a:avLst>
+          </a:prstGeom>
+          <a:ln>
+            <a:tailEnd type="triangle"/>
+          </a:ln>
+        </p:spPr>
+        <p:style>
+          <a:lnRef idx="3">
+            <a:schemeClr val="accent1"/>
+          </a:lnRef>
+          <a:fillRef idx="0">
+            <a:schemeClr val="accent1"/>
+          </a:fillRef>
+          <a:effectRef idx="2">
+            <a:schemeClr val="accent1"/>
+          </a:effectRef>
+          <a:fontRef idx="minor">
+            <a:schemeClr val="tx1"/>
+          </a:fontRef>
+        </p:style>
+      </p:cxnSp>
+      <p:cxnSp>
+        <p:nvCxnSpPr>
+          <p:cNvPr id="9" name="구부러진 연결선[U] 8">
+            <a:extLst>
+              <a:ext uri="{FF2B5EF4-FFF2-40B4-BE49-F238E27FC236}">
+                <a16:creationId xmlns:a16="http://schemas.microsoft.com/office/drawing/2014/main" id="{43A88C9D-1CFA-F9C7-0BCE-EE5433E5DDF1}"/>
+              </a:ext>
+            </a:extLst>
+          </p:cNvPr>
+          <p:cNvCxnSpPr>
+            <a:cxnSpLocks/>
+            <a:stCxn id="3" idx="2"/>
+            <a:endCxn id="2" idx="2"/>
+          </p:cNvCxnSpPr>
+          <p:nvPr/>
+        </p:nvCxnSpPr>
+        <p:spPr>
+          <a:xfrm rot="5400000">
+            <a:off x="2063313" y="1184384"/>
+            <a:ext cx="12700" cy="2739260"/>
+          </a:xfrm>
+          <a:prstGeom prst="curvedConnector3">
+            <a:avLst>
+              <a:gd name="adj1" fmla="val 1800000"/>
+            </a:avLst>
+          </a:prstGeom>
+          <a:ln>
+            <a:tailEnd type="triangle"/>
+          </a:ln>
+        </p:spPr>
+        <p:style>
+          <a:lnRef idx="3">
+            <a:schemeClr val="accent1"/>
+          </a:lnRef>
+          <a:fillRef idx="0">
+            <a:schemeClr val="accent1"/>
+          </a:fillRef>
+          <a:effectRef idx="2">
+            <a:schemeClr val="accent1"/>
+          </a:effectRef>
+          <a:fontRef idx="minor">
+            <a:schemeClr val="tx1"/>
+          </a:fontRef>
+        </p:style>
+      </p:cxnSp>
+      <p:sp>
+        <p:nvSpPr>
+          <p:cNvPr id="10" name="직사각형 9">
+            <a:extLst>
+              <a:ext uri="{FF2B5EF4-FFF2-40B4-BE49-F238E27FC236}">
+                <a16:creationId xmlns:a16="http://schemas.microsoft.com/office/drawing/2014/main" id="{4D738B6A-DA9C-33E8-34A7-12EC7FE89295}"/>
+              </a:ext>
+            </a:extLst>
+          </p:cNvPr>
+          <p:cNvSpPr/>
+          <p:nvPr/>
+        </p:nvSpPr>
+        <p:spPr>
+          <a:xfrm>
+            <a:off x="1275525" y="902352"/>
+            <a:ext cx="1387707" cy="363050"/>
+          </a:xfrm>
+          <a:prstGeom prst="rect">
+            <a:avLst/>
+          </a:prstGeom>
+          <a:ln/>
+        </p:spPr>
+        <p:style>
+          <a:lnRef idx="2">
+            <a:schemeClr val="accent1"/>
+          </a:lnRef>
+          <a:fillRef idx="1">
+            <a:schemeClr val="lt1"/>
+          </a:fillRef>
+          <a:effectRef idx="0">
+            <a:schemeClr val="accent1"/>
+          </a:effectRef>
+          <a:fontRef idx="minor">
+            <a:schemeClr val="dk1"/>
+          </a:fontRef>
+        </p:style>
+        <p:txBody>
+          <a:bodyPr rtlCol="0" anchor="ctr"/>
+          <a:lstStyle/>
+          <a:p>
+            <a:pPr marL="228600" indent="-228600" algn="ctr">
+              <a:buAutoNum type="arabicPeriod"/>
+            </a:pPr>
+            <a:r>
+              <a:rPr kumimoji="1" lang="en-US" altLang="ko-Kore-KR" sz="1200" dirty="0"/>
+              <a:t>/board/list</a:t>
+            </a:r>
+          </a:p>
+          <a:p>
+            <a:pPr algn="ctr"/>
+            <a:r>
+              <a:rPr kumimoji="1" lang="ko-Kore-KR" altLang="en-US" sz="1200" dirty="0"/>
+              <a:t>요청</a:t>
+            </a:r>
+          </a:p>
+        </p:txBody>
+      </p:sp>
+      <p:sp>
+        <p:nvSpPr>
+          <p:cNvPr id="11" name="모서리가 둥근 직사각형 10">
+            <a:extLst>
+              <a:ext uri="{FF2B5EF4-FFF2-40B4-BE49-F238E27FC236}">
+                <a16:creationId xmlns:a16="http://schemas.microsoft.com/office/drawing/2014/main" id="{E8563EA7-9514-BFDC-B3DF-3969338D9BD5}"/>
+              </a:ext>
+            </a:extLst>
+          </p:cNvPr>
+          <p:cNvSpPr/>
+          <p:nvPr/>
+        </p:nvSpPr>
+        <p:spPr>
+          <a:xfrm>
+            <a:off x="1668520" y="1764424"/>
+            <a:ext cx="601718" cy="423041"/>
+          </a:xfrm>
+          <a:prstGeom prst="roundRect">
+            <a:avLst/>
+          </a:prstGeom>
+        </p:spPr>
+        <p:style>
+          <a:lnRef idx="3">
+            <a:schemeClr val="lt1"/>
+          </a:lnRef>
+          <a:fillRef idx="1">
+            <a:schemeClr val="accent2"/>
+          </a:fillRef>
+          <a:effectRef idx="1">
+            <a:schemeClr val="accent2"/>
+          </a:effectRef>
+          <a:fontRef idx="minor">
+            <a:schemeClr val="lt1"/>
+          </a:fontRef>
+        </p:style>
+        <p:txBody>
+          <a:bodyPr rtlCol="0" anchor="ctr"/>
+          <a:lstStyle/>
+          <a:p>
+            <a:pPr algn="ctr"/>
+            <a:r>
+              <a:rPr kumimoji="1" lang="en-US" altLang="ko-Kore-KR" sz="1200" dirty="0"/>
+              <a:t>HTTP</a:t>
+            </a:r>
+            <a:endParaRPr kumimoji="1" lang="ko-Kore-KR" altLang="en-US" sz="1200" dirty="0"/>
+          </a:p>
+        </p:txBody>
+      </p:sp>
+      <p:sp>
+        <p:nvSpPr>
+          <p:cNvPr id="12" name="직사각형 11">
+            <a:extLst>
+              <a:ext uri="{FF2B5EF4-FFF2-40B4-BE49-F238E27FC236}">
+                <a16:creationId xmlns:a16="http://schemas.microsoft.com/office/drawing/2014/main" id="{2082DEE7-2AD4-ADD5-2762-78C55B9E5E59}"/>
+              </a:ext>
+            </a:extLst>
+          </p:cNvPr>
+          <p:cNvSpPr/>
+          <p:nvPr/>
+        </p:nvSpPr>
+        <p:spPr>
+          <a:xfrm>
+            <a:off x="1472422" y="2635035"/>
+            <a:ext cx="1004178" cy="285529"/>
+          </a:xfrm>
+          <a:prstGeom prst="rect">
+            <a:avLst/>
+          </a:prstGeom>
+        </p:spPr>
+        <p:style>
+          <a:lnRef idx="2">
+            <a:schemeClr val="accent1"/>
+          </a:lnRef>
+          <a:fillRef idx="1">
+            <a:schemeClr val="lt1"/>
+          </a:fillRef>
+          <a:effectRef idx="0">
+            <a:schemeClr val="accent1"/>
+          </a:effectRef>
+          <a:fontRef idx="minor">
+            <a:schemeClr val="dk1"/>
+          </a:fontRef>
+        </p:style>
+        <p:txBody>
+          <a:bodyPr rtlCol="0" anchor="ctr"/>
+          <a:lstStyle/>
+          <a:p>
+            <a:pPr algn="ctr"/>
+            <a:r>
+              <a:rPr kumimoji="1" lang="en-US" altLang="ko-KR" sz="1200" dirty="0"/>
+              <a:t>8.</a:t>
+            </a:r>
+            <a:r>
+              <a:rPr kumimoji="1" lang="ko-KR" altLang="en-US" sz="1200" dirty="0"/>
+              <a:t> </a:t>
+            </a:r>
+            <a:r>
+              <a:rPr kumimoji="1" lang="ko-Kore-KR" altLang="en-US" sz="1200" dirty="0"/>
+              <a:t>응답</a:t>
+            </a:r>
+          </a:p>
+        </p:txBody>
+      </p:sp>
+      <p:sp>
+        <p:nvSpPr>
+          <p:cNvPr id="13" name="직사각형 12">
+            <a:extLst>
+              <a:ext uri="{FF2B5EF4-FFF2-40B4-BE49-F238E27FC236}">
+                <a16:creationId xmlns:a16="http://schemas.microsoft.com/office/drawing/2014/main" id="{77FA235C-8541-1548-67F2-7604026BACB7}"/>
+              </a:ext>
+            </a:extLst>
+          </p:cNvPr>
+          <p:cNvSpPr/>
+          <p:nvPr/>
+        </p:nvSpPr>
+        <p:spPr>
+          <a:xfrm>
+            <a:off x="4193188" y="1032425"/>
+            <a:ext cx="1004178" cy="285529"/>
+          </a:xfrm>
+          <a:prstGeom prst="rect">
+            <a:avLst/>
+          </a:prstGeom>
+        </p:spPr>
+        <p:style>
+          <a:lnRef idx="2">
+            <a:schemeClr val="accent1"/>
+          </a:lnRef>
+          <a:fillRef idx="1">
+            <a:schemeClr val="lt1"/>
+          </a:fillRef>
+          <a:effectRef idx="0">
+            <a:schemeClr val="accent1"/>
+          </a:effectRef>
+          <a:fontRef idx="minor">
+            <a:schemeClr val="dk1"/>
+          </a:fontRef>
+        </p:style>
+        <p:txBody>
+          <a:bodyPr rtlCol="0" anchor="ctr"/>
+          <a:lstStyle/>
+          <a:p>
+            <a:pPr algn="ctr"/>
+            <a:r>
+              <a:rPr kumimoji="1" lang="en-US" altLang="ko-KR" sz="1200" dirty="0"/>
+              <a:t>2.</a:t>
+            </a:r>
+            <a:r>
+              <a:rPr kumimoji="1" lang="ko-KR" altLang="en-US" sz="1200" dirty="0"/>
+              <a:t> </a:t>
+            </a:r>
+            <a:r>
+              <a:rPr kumimoji="1" lang="en-US" altLang="ko-KR" sz="1200" dirty="0" err="1"/>
+              <a:t>doFilter</a:t>
+            </a:r>
+            <a:r>
+              <a:rPr kumimoji="1" lang="en-US" altLang="ko-KR" sz="1200" dirty="0"/>
+              <a:t>()</a:t>
+            </a:r>
+            <a:endParaRPr kumimoji="1" lang="ko-Kore-KR" altLang="en-US" sz="1200" dirty="0"/>
+          </a:p>
+        </p:txBody>
+      </p:sp>
+      <p:sp>
+        <p:nvSpPr>
+          <p:cNvPr id="19" name="직사각형 18">
+            <a:extLst>
+              <a:ext uri="{FF2B5EF4-FFF2-40B4-BE49-F238E27FC236}">
+                <a16:creationId xmlns:a16="http://schemas.microsoft.com/office/drawing/2014/main" id="{5A1FF3E3-670D-F298-3FE4-38441A9DC7F3}"/>
+              </a:ext>
+            </a:extLst>
+          </p:cNvPr>
+          <p:cNvSpPr/>
+          <p:nvPr/>
+        </p:nvSpPr>
+        <p:spPr>
+          <a:xfrm>
+            <a:off x="9068500" y="1391526"/>
+            <a:ext cx="2536500" cy="1156138"/>
+          </a:xfrm>
+          <a:prstGeom prst="rect">
+            <a:avLst/>
+          </a:prstGeom>
+        </p:spPr>
+        <p:style>
+          <a:lnRef idx="2">
+            <a:schemeClr val="accent1">
+              <a:shade val="50000"/>
+            </a:schemeClr>
+          </a:lnRef>
+          <a:fillRef idx="1">
+            <a:schemeClr val="accent1"/>
+          </a:fillRef>
+          <a:effectRef idx="0">
+            <a:schemeClr val="accent1"/>
+          </a:effectRef>
+          <a:fontRef idx="minor">
+            <a:schemeClr val="lt1"/>
+          </a:fontRef>
+        </p:style>
+        <p:txBody>
+          <a:bodyPr rtlCol="0" anchor="ctr"/>
+          <a:lstStyle/>
+          <a:p>
+            <a:pPr marL="0" marR="0" lvl="0" indent="0" algn="ctr" defTabSz="914400" rtl="0" eaLnBrk="1" fontAlgn="auto" latinLnBrk="0" hangingPunct="1">
+              <a:lnSpc>
+                <a:spcPct val="100000"/>
+              </a:lnSpc>
+              <a:spcBef>
+                <a:spcPts val="0"/>
+              </a:spcBef>
+              <a:spcAft>
+                <a:spcPts val="0"/>
+              </a:spcAft>
+              <a:buClrTx/>
+              <a:buSzTx/>
+              <a:buFontTx/>
+              <a:buNone/>
+              <a:tabLst/>
+              <a:defRPr/>
+            </a:pPr>
+            <a:r>
+              <a:rPr kumimoji="1" lang="en-US" altLang="ko-Kore-KR" sz="1400" b="0" i="0" u="none" strike="noStrike" kern="1200" cap="none" spc="0" normalizeH="0" baseline="0" noProof="0" dirty="0">
+                <a:ln>
+                  <a:noFill/>
+                </a:ln>
+                <a:solidFill>
+                  <a:prstClr val="white"/>
+                </a:solidFill>
+                <a:effectLst/>
+                <a:uLnTx/>
+                <a:uFillTx/>
+                <a:latin typeface="Calibri" panose="020F0502020204030204"/>
+                <a:ea typeface="+mn-ea"/>
+                <a:cs typeface="+mn-cs"/>
+              </a:rPr>
+              <a:t>&lt;&lt;Servlet&gt;&gt;</a:t>
+            </a:r>
+            <a:endParaRPr kumimoji="1" lang="en-US" altLang="ko-Kore-KR" dirty="0"/>
+          </a:p>
+          <a:p>
+            <a:pPr algn="ctr"/>
+            <a:r>
+              <a:rPr kumimoji="1" lang="en-US" altLang="ko-Kore-KR" dirty="0" err="1"/>
+              <a:t>BoardUpdateContainer</a:t>
+            </a:r>
+            <a:endParaRPr kumimoji="1" lang="ko-Kore-KR" altLang="en-US" dirty="0"/>
+          </a:p>
+        </p:txBody>
+      </p:sp>
+      <p:sp>
+        <p:nvSpPr>
+          <p:cNvPr id="20" name="직사각형 19">
+            <a:extLst>
+              <a:ext uri="{FF2B5EF4-FFF2-40B4-BE49-F238E27FC236}">
+                <a16:creationId xmlns:a16="http://schemas.microsoft.com/office/drawing/2014/main" id="{A0140F19-E0C2-AEA6-ED3F-DD91AEBA584A}"/>
+              </a:ext>
+            </a:extLst>
+          </p:cNvPr>
+          <p:cNvSpPr/>
+          <p:nvPr/>
+        </p:nvSpPr>
+        <p:spPr>
+          <a:xfrm>
+            <a:off x="5249568" y="4293476"/>
+            <a:ext cx="2035069" cy="1156138"/>
+          </a:xfrm>
+          <a:prstGeom prst="rect">
+            <a:avLst/>
+          </a:prstGeom>
+        </p:spPr>
+        <p:style>
+          <a:lnRef idx="2">
+            <a:schemeClr val="accent1">
+              <a:shade val="50000"/>
+            </a:schemeClr>
+          </a:lnRef>
+          <a:fillRef idx="1">
+            <a:schemeClr val="accent1"/>
+          </a:fillRef>
+          <a:effectRef idx="0">
+            <a:schemeClr val="accent1"/>
+          </a:effectRef>
+          <a:fontRef idx="minor">
+            <a:schemeClr val="lt1"/>
+          </a:fontRef>
+        </p:style>
+        <p:txBody>
+          <a:bodyPr rtlCol="0" anchor="ctr"/>
+          <a:lstStyle/>
+          <a:p>
+            <a:pPr marL="0" marR="0" lvl="0" indent="0" algn="ctr" defTabSz="914400" rtl="0" eaLnBrk="1" fontAlgn="auto" latinLnBrk="0" hangingPunct="1">
+              <a:lnSpc>
+                <a:spcPct val="100000"/>
+              </a:lnSpc>
+              <a:spcBef>
+                <a:spcPts val="0"/>
+              </a:spcBef>
+              <a:spcAft>
+                <a:spcPts val="0"/>
+              </a:spcAft>
+              <a:buClrTx/>
+              <a:buSzTx/>
+              <a:buFontTx/>
+              <a:buNone/>
+              <a:tabLst/>
+              <a:defRPr/>
+            </a:pPr>
+            <a:r>
+              <a:rPr kumimoji="1" lang="en-US" altLang="ko-Kore-KR" sz="1400" b="0" i="0" u="none" strike="noStrike" kern="1200" cap="none" spc="0" normalizeH="0" baseline="0" noProof="0" dirty="0">
+                <a:ln>
+                  <a:noFill/>
+                </a:ln>
+                <a:solidFill>
+                  <a:prstClr val="white"/>
+                </a:solidFill>
+                <a:effectLst/>
+                <a:uLnTx/>
+                <a:uFillTx/>
+                <a:latin typeface="Calibri" panose="020F0502020204030204"/>
+                <a:ea typeface="+mn-ea"/>
+                <a:cs typeface="+mn-cs"/>
+              </a:rPr>
+              <a:t>&lt;&lt;</a:t>
+            </a:r>
+            <a:r>
+              <a:rPr kumimoji="1" lang="en-US" altLang="ko-Kore-KR" sz="1400" b="0" i="0" u="none" strike="noStrike" kern="1200" cap="none" spc="0" normalizeH="0" baseline="0" noProof="0" dirty="0" err="1">
+                <a:ln>
+                  <a:noFill/>
+                </a:ln>
+                <a:solidFill>
+                  <a:prstClr val="white"/>
+                </a:solidFill>
+                <a:effectLst/>
+                <a:uLnTx/>
+                <a:uFillTx/>
+                <a:latin typeface="Calibri" panose="020F0502020204030204"/>
+                <a:ea typeface="+mn-ea"/>
+                <a:cs typeface="+mn-cs"/>
+              </a:rPr>
+              <a:t>FIlter</a:t>
+            </a:r>
+            <a:r>
+              <a:rPr kumimoji="1" lang="en-US" altLang="ko-Kore-KR" sz="1400" b="0" i="0" u="none" strike="noStrike" kern="1200" cap="none" spc="0" normalizeH="0" baseline="0" noProof="0" dirty="0">
+                <a:ln>
+                  <a:noFill/>
+                </a:ln>
+                <a:solidFill>
+                  <a:prstClr val="white"/>
+                </a:solidFill>
+                <a:effectLst/>
+                <a:uLnTx/>
+                <a:uFillTx/>
+                <a:latin typeface="Calibri" panose="020F0502020204030204"/>
+                <a:ea typeface="+mn-ea"/>
+                <a:cs typeface="+mn-cs"/>
+              </a:rPr>
+              <a:t>&gt;&gt;</a:t>
+            </a:r>
+            <a:endParaRPr kumimoji="1" lang="en-US" altLang="ko-Kore-KR" dirty="0"/>
+          </a:p>
+          <a:p>
+            <a:pPr algn="ctr"/>
+            <a:r>
+              <a:rPr kumimoji="1" lang="en-US" altLang="ko-Kore-KR" dirty="0" err="1"/>
+              <a:t>AdminCheckFilter</a:t>
+            </a:r>
+            <a:endParaRPr kumimoji="1" lang="ko-Kore-KR" altLang="en-US" dirty="0"/>
+          </a:p>
+        </p:txBody>
+      </p:sp>
+      <p:sp>
+        <p:nvSpPr>
+          <p:cNvPr id="23" name="직사각형 22">
+            <a:extLst>
+              <a:ext uri="{FF2B5EF4-FFF2-40B4-BE49-F238E27FC236}">
+                <a16:creationId xmlns:a16="http://schemas.microsoft.com/office/drawing/2014/main" id="{17606536-C164-6398-3E07-98D80938F194}"/>
+              </a:ext>
+            </a:extLst>
+          </p:cNvPr>
+          <p:cNvSpPr/>
+          <p:nvPr/>
+        </p:nvSpPr>
+        <p:spPr>
+          <a:xfrm>
+            <a:off x="8201353" y="4293476"/>
+            <a:ext cx="2035069" cy="1156138"/>
+          </a:xfrm>
+          <a:prstGeom prst="rect">
+            <a:avLst/>
+          </a:prstGeom>
+        </p:spPr>
+        <p:style>
+          <a:lnRef idx="2">
+            <a:schemeClr val="accent1">
+              <a:shade val="50000"/>
+            </a:schemeClr>
+          </a:lnRef>
+          <a:fillRef idx="1">
+            <a:schemeClr val="accent1"/>
+          </a:fillRef>
+          <a:effectRef idx="0">
+            <a:schemeClr val="accent1"/>
+          </a:effectRef>
+          <a:fontRef idx="minor">
+            <a:schemeClr val="lt1"/>
+          </a:fontRef>
+        </p:style>
+        <p:txBody>
+          <a:bodyPr rtlCol="0" anchor="ctr"/>
+          <a:lstStyle/>
+          <a:p>
+            <a:pPr marL="0" marR="0" lvl="0" indent="0" algn="ctr" defTabSz="914400" rtl="0" eaLnBrk="1" fontAlgn="auto" latinLnBrk="0" hangingPunct="1">
+              <a:lnSpc>
+                <a:spcPct val="100000"/>
+              </a:lnSpc>
+              <a:spcBef>
+                <a:spcPts val="0"/>
+              </a:spcBef>
+              <a:spcAft>
+                <a:spcPts val="0"/>
+              </a:spcAft>
+              <a:buClrTx/>
+              <a:buSzTx/>
+              <a:buFontTx/>
+              <a:buNone/>
+              <a:tabLst/>
+              <a:defRPr/>
+            </a:pPr>
+            <a:r>
+              <a:rPr kumimoji="1" lang="en-US" altLang="ko-Kore-KR" sz="1400" b="0" i="0" u="none" strike="noStrike" kern="1200" cap="none" spc="0" normalizeH="0" baseline="0" noProof="0" dirty="0">
+                <a:ln>
+                  <a:noFill/>
+                </a:ln>
+                <a:solidFill>
+                  <a:prstClr val="white"/>
+                </a:solidFill>
+                <a:effectLst/>
+                <a:uLnTx/>
+                <a:uFillTx/>
+                <a:latin typeface="Calibri" panose="020F0502020204030204"/>
+                <a:ea typeface="+mn-ea"/>
+                <a:cs typeface="+mn-cs"/>
+              </a:rPr>
+              <a:t>&lt;&lt;Servlet&gt;&gt;</a:t>
+            </a:r>
+            <a:endParaRPr kumimoji="1" lang="en-US" altLang="ko-Kore-KR" dirty="0"/>
+          </a:p>
+          <a:p>
+            <a:pPr algn="ctr"/>
+            <a:r>
+              <a:rPr kumimoji="1" lang="en-US" altLang="ko-Kore-KR" dirty="0" err="1"/>
+              <a:t>MemberListServlet</a:t>
+            </a:r>
+            <a:endParaRPr kumimoji="1" lang="ko-Kore-KR" altLang="en-US" dirty="0"/>
+          </a:p>
+        </p:txBody>
+      </p:sp>
+      <p:cxnSp>
+        <p:nvCxnSpPr>
+          <p:cNvPr id="25" name="구부러진 연결선[U] 24">
+            <a:extLst>
+              <a:ext uri="{FF2B5EF4-FFF2-40B4-BE49-F238E27FC236}">
+                <a16:creationId xmlns:a16="http://schemas.microsoft.com/office/drawing/2014/main" id="{7A6EF02A-B3A2-6272-A894-73DC76599A2A}"/>
+              </a:ext>
+            </a:extLst>
+          </p:cNvPr>
+          <p:cNvCxnSpPr>
+            <a:cxnSpLocks/>
+            <a:stCxn id="5" idx="3"/>
+            <a:endCxn id="20" idx="3"/>
+          </p:cNvCxnSpPr>
+          <p:nvPr/>
+        </p:nvCxnSpPr>
+        <p:spPr>
+          <a:xfrm>
+            <a:off x="7063920" y="1975945"/>
+            <a:ext cx="220717" cy="2895600"/>
+          </a:xfrm>
+          <a:prstGeom prst="curvedConnector3">
+            <a:avLst>
+              <a:gd name="adj1" fmla="val 203572"/>
+            </a:avLst>
+          </a:prstGeom>
+          <a:ln>
+            <a:tailEnd type="triangle"/>
+          </a:ln>
+        </p:spPr>
+        <p:style>
+          <a:lnRef idx="3">
+            <a:schemeClr val="accent1"/>
+          </a:lnRef>
+          <a:fillRef idx="0">
+            <a:schemeClr val="accent1"/>
+          </a:fillRef>
+          <a:effectRef idx="2">
+            <a:schemeClr val="accent1"/>
+          </a:effectRef>
+          <a:fontRef idx="minor">
+            <a:schemeClr val="tx1"/>
+          </a:fontRef>
+        </p:style>
+      </p:cxnSp>
+      <p:sp>
+        <p:nvSpPr>
+          <p:cNvPr id="21" name="직사각형 20">
+            <a:extLst>
+              <a:ext uri="{FF2B5EF4-FFF2-40B4-BE49-F238E27FC236}">
+                <a16:creationId xmlns:a16="http://schemas.microsoft.com/office/drawing/2014/main" id="{FECE2A35-E92A-8CF5-6BFD-E2E79A6D38F7}"/>
+              </a:ext>
+            </a:extLst>
+          </p:cNvPr>
+          <p:cNvSpPr/>
+          <p:nvPr/>
+        </p:nvSpPr>
+        <p:spPr>
+          <a:xfrm>
+            <a:off x="9068500" y="1032425"/>
+            <a:ext cx="1387707" cy="272830"/>
+          </a:xfrm>
+          <a:prstGeom prst="rect">
+            <a:avLst/>
+          </a:prstGeom>
+          <a:ln/>
+        </p:spPr>
+        <p:style>
+          <a:lnRef idx="2">
+            <a:schemeClr val="accent1"/>
+          </a:lnRef>
+          <a:fillRef idx="1">
+            <a:schemeClr val="lt1"/>
+          </a:fillRef>
+          <a:effectRef idx="0">
+            <a:schemeClr val="accent1"/>
+          </a:effectRef>
+          <a:fontRef idx="minor">
+            <a:schemeClr val="dk1"/>
+          </a:fontRef>
+        </p:style>
+        <p:txBody>
+          <a:bodyPr rtlCol="0" anchor="ctr"/>
+          <a:lstStyle/>
+          <a:p>
+            <a:pPr algn="ctr"/>
+            <a:r>
+              <a:rPr kumimoji="1" lang="en-US" altLang="ko-Kore-KR" sz="1200" dirty="0"/>
+              <a:t>/board/update</a:t>
+            </a:r>
+            <a:endParaRPr kumimoji="1" lang="ko-Kore-KR" altLang="en-US" sz="1200" dirty="0"/>
+          </a:p>
+        </p:txBody>
+      </p:sp>
+      <p:sp>
+        <p:nvSpPr>
+          <p:cNvPr id="31" name="직사각형 30">
+            <a:extLst>
+              <a:ext uri="{FF2B5EF4-FFF2-40B4-BE49-F238E27FC236}">
+                <a16:creationId xmlns:a16="http://schemas.microsoft.com/office/drawing/2014/main" id="{D0DCCA80-B0A9-6E26-3BBE-8E5E6DF58F86}"/>
+              </a:ext>
+            </a:extLst>
+          </p:cNvPr>
+          <p:cNvSpPr/>
+          <p:nvPr/>
+        </p:nvSpPr>
+        <p:spPr>
+          <a:xfrm>
+            <a:off x="7070927" y="3135041"/>
+            <a:ext cx="1004178" cy="285529"/>
+          </a:xfrm>
+          <a:prstGeom prst="rect">
+            <a:avLst/>
+          </a:prstGeom>
+        </p:spPr>
+        <p:style>
+          <a:lnRef idx="2">
+            <a:schemeClr val="accent1"/>
+          </a:lnRef>
+          <a:fillRef idx="1">
+            <a:schemeClr val="lt1"/>
+          </a:fillRef>
+          <a:effectRef idx="0">
+            <a:schemeClr val="accent1"/>
+          </a:effectRef>
+          <a:fontRef idx="minor">
+            <a:schemeClr val="dk1"/>
+          </a:fontRef>
+        </p:style>
+        <p:txBody>
+          <a:bodyPr rtlCol="0" anchor="ctr"/>
+          <a:lstStyle/>
+          <a:p>
+            <a:pPr algn="ctr"/>
+            <a:r>
+              <a:rPr kumimoji="1" lang="en-US" altLang="ko-KR" sz="1200" dirty="0"/>
+              <a:t>3.</a:t>
+            </a:r>
+            <a:r>
+              <a:rPr kumimoji="1" lang="ko-KR" altLang="en-US" sz="1200" dirty="0"/>
+              <a:t> </a:t>
+            </a:r>
+            <a:r>
+              <a:rPr kumimoji="1" lang="en-US" altLang="ko-KR" sz="1200" dirty="0" err="1"/>
+              <a:t>doFilter</a:t>
+            </a:r>
+            <a:r>
+              <a:rPr kumimoji="1" lang="en-US" altLang="ko-KR" sz="1200" dirty="0"/>
+              <a:t>()</a:t>
+            </a:r>
+            <a:endParaRPr kumimoji="1" lang="ko-Kore-KR" altLang="en-US" sz="1200" dirty="0"/>
+          </a:p>
+        </p:txBody>
+      </p:sp>
+      <p:cxnSp>
+        <p:nvCxnSpPr>
+          <p:cNvPr id="17" name="구부러진 연결선[U] 16">
+            <a:extLst>
+              <a:ext uri="{FF2B5EF4-FFF2-40B4-BE49-F238E27FC236}">
+                <a16:creationId xmlns:a16="http://schemas.microsoft.com/office/drawing/2014/main" id="{762FD480-7BBA-9F4B-6A2D-ABA9858B2FD6}"/>
+              </a:ext>
+            </a:extLst>
+          </p:cNvPr>
+          <p:cNvCxnSpPr>
+            <a:cxnSpLocks/>
+            <a:stCxn id="20" idx="1"/>
+            <a:endCxn id="5" idx="1"/>
+          </p:cNvCxnSpPr>
+          <p:nvPr/>
+        </p:nvCxnSpPr>
+        <p:spPr>
+          <a:xfrm rot="10800000" flipH="1">
+            <a:off x="5249567" y="1975945"/>
+            <a:ext cx="1" cy="2895600"/>
+          </a:xfrm>
+          <a:prstGeom prst="curvedConnector3">
+            <a:avLst>
+              <a:gd name="adj1" fmla="val -22860000000"/>
+            </a:avLst>
+          </a:prstGeom>
+          <a:ln>
+            <a:tailEnd type="triangle"/>
+          </a:ln>
+        </p:spPr>
+        <p:style>
+          <a:lnRef idx="3">
+            <a:schemeClr val="accent1"/>
+          </a:lnRef>
+          <a:fillRef idx="0">
+            <a:schemeClr val="accent1"/>
+          </a:fillRef>
+          <a:effectRef idx="2">
+            <a:schemeClr val="accent1"/>
+          </a:effectRef>
+          <a:fontRef idx="minor">
+            <a:schemeClr val="tx1"/>
+          </a:fontRef>
+        </p:style>
+      </p:cxnSp>
+      <p:cxnSp>
+        <p:nvCxnSpPr>
+          <p:cNvPr id="40" name="구부러진 연결선[U] 39">
+            <a:extLst>
+              <a:ext uri="{FF2B5EF4-FFF2-40B4-BE49-F238E27FC236}">
+                <a16:creationId xmlns:a16="http://schemas.microsoft.com/office/drawing/2014/main" id="{505FD403-0212-6357-66EA-B5388C0EF7A1}"/>
+              </a:ext>
+            </a:extLst>
+          </p:cNvPr>
+          <p:cNvCxnSpPr>
+            <a:cxnSpLocks/>
+            <a:stCxn id="20" idx="0"/>
+            <a:endCxn id="23" idx="0"/>
+          </p:cNvCxnSpPr>
+          <p:nvPr/>
+        </p:nvCxnSpPr>
+        <p:spPr>
+          <a:xfrm rot="5400000" flipH="1" flipV="1">
+            <a:off x="7742995" y="2817584"/>
+            <a:ext cx="12700" cy="2951785"/>
+          </a:xfrm>
+          <a:prstGeom prst="curvedConnector3">
+            <a:avLst>
+              <a:gd name="adj1" fmla="val 1800000"/>
+            </a:avLst>
+          </a:prstGeom>
+          <a:ln>
+            <a:tailEnd type="triangle"/>
+          </a:ln>
+        </p:spPr>
+        <p:style>
+          <a:lnRef idx="3">
+            <a:schemeClr val="accent1"/>
+          </a:lnRef>
+          <a:fillRef idx="0">
+            <a:schemeClr val="accent1"/>
+          </a:fillRef>
+          <a:effectRef idx="2">
+            <a:schemeClr val="accent1"/>
+          </a:effectRef>
+          <a:fontRef idx="minor">
+            <a:schemeClr val="tx1"/>
+          </a:fontRef>
+        </p:style>
+      </p:cxnSp>
+      <p:cxnSp>
+        <p:nvCxnSpPr>
+          <p:cNvPr id="43" name="구부러진 연결선[U] 42">
+            <a:extLst>
+              <a:ext uri="{FF2B5EF4-FFF2-40B4-BE49-F238E27FC236}">
+                <a16:creationId xmlns:a16="http://schemas.microsoft.com/office/drawing/2014/main" id="{F06A9026-9BDD-6FCD-B4DF-902A56C22FD5}"/>
+              </a:ext>
+            </a:extLst>
+          </p:cNvPr>
+          <p:cNvCxnSpPr>
+            <a:cxnSpLocks/>
+            <a:stCxn id="23" idx="2"/>
+            <a:endCxn id="20" idx="2"/>
+          </p:cNvCxnSpPr>
+          <p:nvPr/>
+        </p:nvCxnSpPr>
+        <p:spPr>
+          <a:xfrm rot="5400000">
+            <a:off x="7742996" y="3973722"/>
+            <a:ext cx="12700" cy="2951785"/>
+          </a:xfrm>
+          <a:prstGeom prst="curvedConnector3">
+            <a:avLst>
+              <a:gd name="adj1" fmla="val 1800000"/>
+            </a:avLst>
+          </a:prstGeom>
+          <a:ln>
+            <a:tailEnd type="triangle"/>
+          </a:ln>
+        </p:spPr>
+        <p:style>
+          <a:lnRef idx="3">
+            <a:schemeClr val="accent1"/>
+          </a:lnRef>
+          <a:fillRef idx="0">
+            <a:schemeClr val="accent1"/>
+          </a:fillRef>
+          <a:effectRef idx="2">
+            <a:schemeClr val="accent1"/>
+          </a:effectRef>
+          <a:fontRef idx="minor">
+            <a:schemeClr val="tx1"/>
+          </a:fontRef>
+        </p:style>
+      </p:cxnSp>
+      <p:sp>
+        <p:nvSpPr>
+          <p:cNvPr id="22" name="직사각형 21">
+            <a:extLst>
+              <a:ext uri="{FF2B5EF4-FFF2-40B4-BE49-F238E27FC236}">
+                <a16:creationId xmlns:a16="http://schemas.microsoft.com/office/drawing/2014/main" id="{0333CBC1-039B-7C6A-D6F7-CE146E20CFEF}"/>
+              </a:ext>
+            </a:extLst>
+          </p:cNvPr>
+          <p:cNvSpPr/>
+          <p:nvPr/>
+        </p:nvSpPr>
+        <p:spPr>
+          <a:xfrm>
+            <a:off x="5249568" y="3993715"/>
+            <a:ext cx="1387707" cy="209329"/>
+          </a:xfrm>
+          <a:prstGeom prst="rect">
+            <a:avLst/>
+          </a:prstGeom>
+          <a:ln/>
+        </p:spPr>
+        <p:style>
+          <a:lnRef idx="2">
+            <a:schemeClr val="accent1"/>
+          </a:lnRef>
+          <a:fillRef idx="1">
+            <a:schemeClr val="lt1"/>
+          </a:fillRef>
+          <a:effectRef idx="0">
+            <a:schemeClr val="accent1"/>
+          </a:effectRef>
+          <a:fontRef idx="minor">
+            <a:schemeClr val="dk1"/>
+          </a:fontRef>
+        </p:style>
+        <p:txBody>
+          <a:bodyPr rtlCol="0" anchor="ctr"/>
+          <a:lstStyle/>
+          <a:p>
+            <a:pPr algn="ctr"/>
+            <a:r>
+              <a:rPr kumimoji="1" lang="en-US" altLang="ko-Kore-KR" sz="1200" dirty="0"/>
+              <a:t>/member/*</a:t>
+            </a:r>
+            <a:endParaRPr kumimoji="1" lang="ko-Kore-KR" altLang="en-US" sz="1200" dirty="0"/>
+          </a:p>
+        </p:txBody>
+      </p:sp>
+      <p:sp>
+        <p:nvSpPr>
+          <p:cNvPr id="24" name="직사각형 23">
+            <a:extLst>
+              <a:ext uri="{FF2B5EF4-FFF2-40B4-BE49-F238E27FC236}">
+                <a16:creationId xmlns:a16="http://schemas.microsoft.com/office/drawing/2014/main" id="{AD03EE25-5472-D3A9-FDEB-4529437D03FB}"/>
+              </a:ext>
+            </a:extLst>
+          </p:cNvPr>
+          <p:cNvSpPr/>
+          <p:nvPr/>
+        </p:nvSpPr>
+        <p:spPr>
+          <a:xfrm>
+            <a:off x="8201353" y="3993715"/>
+            <a:ext cx="1387707" cy="209329"/>
+          </a:xfrm>
+          <a:prstGeom prst="rect">
+            <a:avLst/>
+          </a:prstGeom>
+          <a:ln/>
+        </p:spPr>
+        <p:style>
+          <a:lnRef idx="2">
+            <a:schemeClr val="accent1"/>
+          </a:lnRef>
+          <a:fillRef idx="1">
+            <a:schemeClr val="lt1"/>
+          </a:fillRef>
+          <a:effectRef idx="0">
+            <a:schemeClr val="accent1"/>
+          </a:effectRef>
+          <a:fontRef idx="minor">
+            <a:schemeClr val="dk1"/>
+          </a:fontRef>
+        </p:style>
+        <p:txBody>
+          <a:bodyPr rtlCol="0" anchor="ctr"/>
+          <a:lstStyle/>
+          <a:p>
+            <a:pPr algn="ctr"/>
+            <a:r>
+              <a:rPr kumimoji="1" lang="en-US" altLang="ko-Kore-KR" sz="1200" dirty="0"/>
+              <a:t>/member/list</a:t>
+            </a:r>
+            <a:endParaRPr kumimoji="1" lang="ko-Kore-KR" altLang="en-US" sz="1200" dirty="0"/>
+          </a:p>
+        </p:txBody>
+      </p:sp>
+      <p:sp>
+        <p:nvSpPr>
+          <p:cNvPr id="14" name="직사각형 13">
+            <a:extLst>
+              <a:ext uri="{FF2B5EF4-FFF2-40B4-BE49-F238E27FC236}">
+                <a16:creationId xmlns:a16="http://schemas.microsoft.com/office/drawing/2014/main" id="{ACDC9775-4DFB-8E3B-5B70-894383ABF1F1}"/>
+              </a:ext>
+            </a:extLst>
+          </p:cNvPr>
+          <p:cNvSpPr/>
+          <p:nvPr/>
+        </p:nvSpPr>
+        <p:spPr>
+          <a:xfrm>
+            <a:off x="4196204" y="2635034"/>
+            <a:ext cx="1004178" cy="285529"/>
+          </a:xfrm>
+          <a:prstGeom prst="rect">
+            <a:avLst/>
+          </a:prstGeom>
+        </p:spPr>
+        <p:style>
+          <a:lnRef idx="2">
+            <a:schemeClr val="accent1"/>
+          </a:lnRef>
+          <a:fillRef idx="1">
+            <a:schemeClr val="lt1"/>
+          </a:fillRef>
+          <a:effectRef idx="0">
+            <a:schemeClr val="accent1"/>
+          </a:effectRef>
+          <a:fontRef idx="minor">
+            <a:schemeClr val="dk1"/>
+          </a:fontRef>
+        </p:style>
+        <p:txBody>
+          <a:bodyPr rtlCol="0" anchor="ctr"/>
+          <a:lstStyle/>
+          <a:p>
+            <a:pPr algn="ctr"/>
+            <a:r>
+              <a:rPr kumimoji="1" lang="en-US" altLang="ko-KR" sz="1200" dirty="0"/>
+              <a:t>7.</a:t>
+            </a:r>
+            <a:r>
+              <a:rPr kumimoji="1" lang="ko-KR" altLang="en-US" sz="1200" dirty="0"/>
+              <a:t> </a:t>
+            </a:r>
+            <a:r>
+              <a:rPr kumimoji="1" lang="en-US" altLang="ko-KR" sz="1200" dirty="0"/>
+              <a:t>return</a:t>
+            </a:r>
+            <a:endParaRPr kumimoji="1" lang="ko-Kore-KR" altLang="en-US" sz="1200" dirty="0"/>
+          </a:p>
+        </p:txBody>
+      </p:sp>
+      <p:sp>
+        <p:nvSpPr>
+          <p:cNvPr id="47" name="직사각형 46">
+            <a:extLst>
+              <a:ext uri="{FF2B5EF4-FFF2-40B4-BE49-F238E27FC236}">
+                <a16:creationId xmlns:a16="http://schemas.microsoft.com/office/drawing/2014/main" id="{B4125683-9968-B76C-B90A-02D328D466BD}"/>
+              </a:ext>
+            </a:extLst>
+          </p:cNvPr>
+          <p:cNvSpPr/>
+          <p:nvPr/>
+        </p:nvSpPr>
+        <p:spPr>
+          <a:xfrm>
+            <a:off x="7105486" y="3901971"/>
+            <a:ext cx="1004178" cy="285529"/>
+          </a:xfrm>
+          <a:prstGeom prst="rect">
+            <a:avLst/>
+          </a:prstGeom>
+        </p:spPr>
+        <p:style>
+          <a:lnRef idx="2">
+            <a:schemeClr val="accent1"/>
+          </a:lnRef>
+          <a:fillRef idx="1">
+            <a:schemeClr val="lt1"/>
+          </a:fillRef>
+          <a:effectRef idx="0">
+            <a:schemeClr val="accent1"/>
+          </a:effectRef>
+          <a:fontRef idx="minor">
+            <a:schemeClr val="dk1"/>
+          </a:fontRef>
+        </p:style>
+        <p:txBody>
+          <a:bodyPr rtlCol="0" anchor="ctr"/>
+          <a:lstStyle/>
+          <a:p>
+            <a:pPr algn="ctr"/>
+            <a:r>
+              <a:rPr kumimoji="1" lang="en-US" altLang="ko-KR" sz="1200" dirty="0"/>
+              <a:t>4. service()</a:t>
+            </a:r>
+            <a:endParaRPr kumimoji="1" lang="ko-Kore-KR" altLang="en-US" sz="1200" dirty="0"/>
+          </a:p>
+        </p:txBody>
+      </p:sp>
+      <p:sp>
+        <p:nvSpPr>
+          <p:cNvPr id="48" name="직사각형 47">
+            <a:extLst>
+              <a:ext uri="{FF2B5EF4-FFF2-40B4-BE49-F238E27FC236}">
+                <a16:creationId xmlns:a16="http://schemas.microsoft.com/office/drawing/2014/main" id="{BFF51A6B-E1EA-8526-1225-33367CB56153}"/>
+              </a:ext>
+            </a:extLst>
+          </p:cNvPr>
+          <p:cNvSpPr/>
+          <p:nvPr/>
+        </p:nvSpPr>
+        <p:spPr>
+          <a:xfrm>
+            <a:off x="7174278" y="5540045"/>
+            <a:ext cx="1004178" cy="285529"/>
+          </a:xfrm>
+          <a:prstGeom prst="rect">
+            <a:avLst/>
+          </a:prstGeom>
+        </p:spPr>
+        <p:style>
+          <a:lnRef idx="2">
+            <a:schemeClr val="accent1"/>
+          </a:lnRef>
+          <a:fillRef idx="1">
+            <a:schemeClr val="lt1"/>
+          </a:fillRef>
+          <a:effectRef idx="0">
+            <a:schemeClr val="accent1"/>
+          </a:effectRef>
+          <a:fontRef idx="minor">
+            <a:schemeClr val="dk1"/>
+          </a:fontRef>
+        </p:style>
+        <p:txBody>
+          <a:bodyPr rtlCol="0" anchor="ctr"/>
+          <a:lstStyle/>
+          <a:p>
+            <a:pPr algn="ctr"/>
+            <a:r>
+              <a:rPr kumimoji="1" lang="en-US" altLang="ko-KR" sz="1200" dirty="0"/>
+              <a:t>5.</a:t>
+            </a:r>
+            <a:r>
+              <a:rPr kumimoji="1" lang="ko-KR" altLang="en-US" sz="1200" dirty="0"/>
+              <a:t> </a:t>
+            </a:r>
+            <a:r>
+              <a:rPr kumimoji="1" lang="en-US" altLang="ko-KR" sz="1200" dirty="0"/>
+              <a:t>return</a:t>
+            </a:r>
+            <a:endParaRPr kumimoji="1" lang="ko-Kore-KR" altLang="en-US" sz="1200" dirty="0"/>
+          </a:p>
+        </p:txBody>
+      </p:sp>
+      <p:sp>
+        <p:nvSpPr>
+          <p:cNvPr id="49" name="직사각형 48">
+            <a:extLst>
+              <a:ext uri="{FF2B5EF4-FFF2-40B4-BE49-F238E27FC236}">
+                <a16:creationId xmlns:a16="http://schemas.microsoft.com/office/drawing/2014/main" id="{C0A624A4-6FE1-A1A2-152D-B94681F4A12A}"/>
+              </a:ext>
+            </a:extLst>
+          </p:cNvPr>
+          <p:cNvSpPr/>
+          <p:nvPr/>
+        </p:nvSpPr>
+        <p:spPr>
+          <a:xfrm>
+            <a:off x="4621230" y="3143471"/>
+            <a:ext cx="1004178" cy="285529"/>
+          </a:xfrm>
+          <a:prstGeom prst="rect">
+            <a:avLst/>
+          </a:prstGeom>
+        </p:spPr>
+        <p:style>
+          <a:lnRef idx="2">
+            <a:schemeClr val="accent1"/>
+          </a:lnRef>
+          <a:fillRef idx="1">
+            <a:schemeClr val="lt1"/>
+          </a:fillRef>
+          <a:effectRef idx="0">
+            <a:schemeClr val="accent1"/>
+          </a:effectRef>
+          <a:fontRef idx="minor">
+            <a:schemeClr val="dk1"/>
+          </a:fontRef>
+        </p:style>
+        <p:txBody>
+          <a:bodyPr rtlCol="0" anchor="ctr"/>
+          <a:lstStyle/>
+          <a:p>
+            <a:pPr algn="ctr"/>
+            <a:r>
+              <a:rPr kumimoji="1" lang="en-US" altLang="ko-KR" sz="1200" dirty="0"/>
+              <a:t>6.</a:t>
+            </a:r>
+            <a:r>
+              <a:rPr kumimoji="1" lang="ko-KR" altLang="en-US" sz="1200" dirty="0"/>
+              <a:t> </a:t>
+            </a:r>
+            <a:r>
+              <a:rPr kumimoji="1" lang="en-US" altLang="ko-KR" sz="1200" dirty="0"/>
+              <a:t>return</a:t>
+            </a:r>
+            <a:endParaRPr kumimoji="1" lang="ko-Kore-KR" altLang="en-US" sz="1200" dirty="0"/>
+          </a:p>
+        </p:txBody>
+      </p:sp>
+    </p:spTree>
+    <p:extLst>
+      <p:ext uri="{BB962C8B-B14F-4D97-AF65-F5344CB8AC3E}">
+        <p14:creationId xmlns:p14="http://schemas.microsoft.com/office/powerpoint/2010/main" val="1209498024"/>
+      </p:ext>
+    </p:extLst>
+  </p:cSld>
+  <p:clrMapOvr>
+    <a:masterClrMapping/>
+  </p:clrMapOvr>
+</p:sld>
+</file>
+
+<file path=ppt/slides/slide9.xml><?xml version="1.0" encoding="utf-8"?>
+<p:sld xmlns:a="http://schemas.openxmlformats.org/drawingml/2006/main" xmlns:r="http://schemas.openxmlformats.org/officeDocument/2006/relationships" xmlns:p="http://schemas.openxmlformats.org/presentationml/2006/main">
+  <p:cSld>
+    <p:spTree>
+      <p:nvGrpSpPr>
+        <p:cNvPr id="1" name=""/>
+        <p:cNvGrpSpPr/>
+        <p:nvPr/>
+      </p:nvGrpSpPr>
+      <p:grpSpPr>
+        <a:xfrm>
+          <a:off x="0" y="0"/>
+          <a:ext cx="0" cy="0"/>
+          <a:chOff x="0" y="0"/>
+          <a:chExt cx="0" cy="0"/>
+        </a:xfrm>
+      </p:grpSpPr>
+      <p:sp>
+        <p:nvSpPr>
+          <p:cNvPr id="4" name="제목 1">
+            <a:extLst>
+              <a:ext uri="{FF2B5EF4-FFF2-40B4-BE49-F238E27FC236}">
+                <a16:creationId xmlns:a16="http://schemas.microsoft.com/office/drawing/2014/main" id="{E5AD65A4-C300-7A8C-C45D-1C7AC7D852B0}"/>
+              </a:ext>
+            </a:extLst>
+          </p:cNvPr>
+          <p:cNvSpPr>
+            <a:spLocks noGrp="1"/>
+          </p:cNvSpPr>
+          <p:nvPr>
+            <p:ph type="title"/>
+          </p:nvPr>
+        </p:nvSpPr>
+        <p:spPr>
+          <a:xfrm>
+            <a:off x="155027" y="186450"/>
+            <a:ext cx="3765331" cy="465192"/>
+          </a:xfrm>
+        </p:spPr>
+        <p:txBody>
+          <a:bodyPr>
+            <a:normAutofit fontScale="90000"/>
+          </a:bodyPr>
+          <a:lstStyle/>
+          <a:p>
+            <a:r>
+              <a:rPr kumimoji="1" lang="en-US" altLang="ko-KR" sz="2800" b="1" dirty="0" err="1"/>
+              <a:t>HTTPServlet</a:t>
+            </a:r>
+            <a:r>
+              <a:rPr kumimoji="1" lang="en-US" altLang="ko-KR" sz="2800" b="1" dirty="0"/>
+              <a:t> </a:t>
+            </a:r>
+            <a:r>
+              <a:rPr kumimoji="1" lang="ko-KR" altLang="en-US" sz="2800" b="1" dirty="0"/>
+              <a:t>클래스와 </a:t>
+            </a:r>
+            <a:r>
+              <a:rPr kumimoji="1" lang="en-US" altLang="ko-KR" sz="2800" b="1" dirty="0"/>
+              <a:t>GET/POST </a:t>
+            </a:r>
+            <a:r>
+              <a:rPr kumimoji="1" lang="ko-KR" altLang="en-US" sz="2800" b="1" dirty="0"/>
+              <a:t>요청</a:t>
+            </a:r>
+            <a:endParaRPr kumimoji="1" lang="ko-Kore-KR" altLang="en-US" sz="2800" b="1" dirty="0"/>
+          </a:p>
+        </p:txBody>
+      </p:sp>
+      <p:sp>
+        <p:nvSpPr>
+          <p:cNvPr id="2" name="직사각형 1">
+            <a:extLst>
+              <a:ext uri="{FF2B5EF4-FFF2-40B4-BE49-F238E27FC236}">
+                <a16:creationId xmlns:a16="http://schemas.microsoft.com/office/drawing/2014/main" id="{14C421B7-7284-1E01-DAC5-3D74CBA5E5AE}"/>
+              </a:ext>
+            </a:extLst>
+          </p:cNvPr>
+          <p:cNvSpPr/>
+          <p:nvPr/>
+        </p:nvSpPr>
+        <p:spPr>
+          <a:xfrm>
+            <a:off x="462455" y="1166649"/>
+            <a:ext cx="1397876" cy="641131"/>
+          </a:xfrm>
+          <a:prstGeom prst="rect">
+            <a:avLst/>
+          </a:prstGeom>
+        </p:spPr>
+        <p:style>
+          <a:lnRef idx="2">
+            <a:schemeClr val="accent1">
+              <a:shade val="50000"/>
+            </a:schemeClr>
+          </a:lnRef>
+          <a:fillRef idx="1">
+            <a:schemeClr val="accent1"/>
+          </a:fillRef>
+          <a:effectRef idx="0">
+            <a:schemeClr val="accent1"/>
+          </a:effectRef>
+          <a:fontRef idx="minor">
+            <a:schemeClr val="lt1"/>
+          </a:fontRef>
+        </p:style>
+        <p:txBody>
+          <a:bodyPr rtlCol="0" anchor="ctr"/>
+          <a:lstStyle/>
+          <a:p>
+            <a:pPr algn="ctr"/>
+            <a:r>
+              <a:rPr kumimoji="1" lang="en-US" altLang="ko-Kore-KR" dirty="0" err="1"/>
+              <a:t>HttpClient</a:t>
+            </a:r>
+            <a:endParaRPr kumimoji="1" lang="ko-Kore-KR" altLang="en-US" dirty="0"/>
+          </a:p>
+        </p:txBody>
+      </p:sp>
+      <p:sp>
+        <p:nvSpPr>
+          <p:cNvPr id="3" name="직사각형 2">
+            <a:extLst>
+              <a:ext uri="{FF2B5EF4-FFF2-40B4-BE49-F238E27FC236}">
+                <a16:creationId xmlns:a16="http://schemas.microsoft.com/office/drawing/2014/main" id="{D63BD90F-C0F4-060B-3292-C057E24C5FB5}"/>
+              </a:ext>
+            </a:extLst>
+          </p:cNvPr>
+          <p:cNvSpPr/>
+          <p:nvPr/>
+        </p:nvSpPr>
+        <p:spPr>
+          <a:xfrm>
+            <a:off x="3379075" y="1166649"/>
+            <a:ext cx="2023241" cy="641131"/>
+          </a:xfrm>
+          <a:prstGeom prst="rect">
+            <a:avLst/>
+          </a:prstGeom>
+        </p:spPr>
+        <p:style>
+          <a:lnRef idx="2">
+            <a:schemeClr val="accent1">
+              <a:shade val="50000"/>
+            </a:schemeClr>
+          </a:lnRef>
+          <a:fillRef idx="1">
+            <a:schemeClr val="accent1"/>
+          </a:fillRef>
+          <a:effectRef idx="0">
+            <a:schemeClr val="accent1"/>
+          </a:effectRef>
+          <a:fontRef idx="minor">
+            <a:schemeClr val="lt1"/>
+          </a:fontRef>
+        </p:style>
+        <p:txBody>
+          <a:bodyPr rtlCol="0" anchor="ctr"/>
+          <a:lstStyle/>
+          <a:p>
+            <a:pPr algn="ctr"/>
+            <a:r>
+              <a:rPr kumimoji="1" lang="en-US" altLang="ko-Kore-KR" dirty="0"/>
+              <a:t>Servlet Container</a:t>
+            </a:r>
+            <a:endParaRPr kumimoji="1" lang="ko-Kore-KR" altLang="en-US" dirty="0"/>
+          </a:p>
+        </p:txBody>
+      </p:sp>
+      <p:sp>
+        <p:nvSpPr>
+          <p:cNvPr id="5" name="직사각형 4">
+            <a:extLst>
+              <a:ext uri="{FF2B5EF4-FFF2-40B4-BE49-F238E27FC236}">
+                <a16:creationId xmlns:a16="http://schemas.microsoft.com/office/drawing/2014/main" id="{4E990161-7825-4C68-5C6B-F316E6C4A648}"/>
+              </a:ext>
+            </a:extLst>
+          </p:cNvPr>
+          <p:cNvSpPr/>
+          <p:nvPr/>
+        </p:nvSpPr>
+        <p:spPr>
+          <a:xfrm>
+            <a:off x="6789686" y="1166649"/>
+            <a:ext cx="1397876" cy="641131"/>
+          </a:xfrm>
+          <a:prstGeom prst="rect">
+            <a:avLst/>
+          </a:prstGeom>
+        </p:spPr>
+        <p:style>
+          <a:lnRef idx="2">
+            <a:schemeClr val="accent1">
+              <a:shade val="50000"/>
+            </a:schemeClr>
+          </a:lnRef>
+          <a:fillRef idx="1">
+            <a:schemeClr val="accent1"/>
+          </a:fillRef>
+          <a:effectRef idx="0">
+            <a:schemeClr val="accent1"/>
+          </a:effectRef>
+          <a:fontRef idx="minor">
+            <a:schemeClr val="lt1"/>
+          </a:fontRef>
+        </p:style>
+        <p:txBody>
+          <a:bodyPr rtlCol="0" anchor="ctr"/>
+          <a:lstStyle/>
+          <a:p>
+            <a:pPr algn="ctr"/>
+            <a:r>
+              <a:rPr kumimoji="1" lang="en-US" altLang="ko-Kore-KR" dirty="0" err="1"/>
+              <a:t>MyServlet</a:t>
+            </a:r>
+            <a:endParaRPr kumimoji="1" lang="ko-Kore-KR" altLang="en-US" dirty="0"/>
+          </a:p>
+        </p:txBody>
+      </p:sp>
+      <p:sp>
+        <p:nvSpPr>
+          <p:cNvPr id="6" name="직사각형 5">
+            <a:extLst>
+              <a:ext uri="{FF2B5EF4-FFF2-40B4-BE49-F238E27FC236}">
+                <a16:creationId xmlns:a16="http://schemas.microsoft.com/office/drawing/2014/main" id="{DA456144-4B6E-143E-A576-BC0AEEEC0109}"/>
+              </a:ext>
+            </a:extLst>
+          </p:cNvPr>
+          <p:cNvSpPr/>
+          <p:nvPr/>
+        </p:nvSpPr>
+        <p:spPr>
+          <a:xfrm>
+            <a:off x="9664262" y="1166648"/>
+            <a:ext cx="1397876" cy="641131"/>
+          </a:xfrm>
+          <a:prstGeom prst="rect">
+            <a:avLst/>
+          </a:prstGeom>
+        </p:spPr>
+        <p:style>
+          <a:lnRef idx="2">
+            <a:schemeClr val="accent1">
+              <a:shade val="50000"/>
+            </a:schemeClr>
+          </a:lnRef>
+          <a:fillRef idx="1">
+            <a:schemeClr val="accent1"/>
+          </a:fillRef>
+          <a:effectRef idx="0">
+            <a:schemeClr val="accent1"/>
+          </a:effectRef>
+          <a:fontRef idx="minor">
+            <a:schemeClr val="lt1"/>
+          </a:fontRef>
+        </p:style>
+        <p:txBody>
+          <a:bodyPr rtlCol="0" anchor="ctr"/>
+          <a:lstStyle/>
+          <a:p>
+            <a:pPr algn="ctr"/>
+            <a:r>
+              <a:rPr kumimoji="1" lang="en-US" altLang="ko-Kore-KR" dirty="0" err="1"/>
+              <a:t>HttpServlet</a:t>
+            </a:r>
+            <a:endParaRPr kumimoji="1" lang="ko-Kore-KR" altLang="en-US" dirty="0"/>
+          </a:p>
+        </p:txBody>
+      </p:sp>
+      <p:cxnSp>
+        <p:nvCxnSpPr>
+          <p:cNvPr id="7" name="직선 연결선[R] 6">
+            <a:extLst>
+              <a:ext uri="{FF2B5EF4-FFF2-40B4-BE49-F238E27FC236}">
+                <a16:creationId xmlns:a16="http://schemas.microsoft.com/office/drawing/2014/main" id="{F2DAA764-8972-B3C4-5246-A38B342E0D9A}"/>
+              </a:ext>
+            </a:extLst>
+          </p:cNvPr>
+          <p:cNvCxnSpPr>
+            <a:cxnSpLocks/>
+            <a:stCxn id="2" idx="2"/>
+          </p:cNvCxnSpPr>
+          <p:nvPr/>
+        </p:nvCxnSpPr>
+        <p:spPr>
+          <a:xfrm>
+            <a:off x="1161393" y="1807780"/>
+            <a:ext cx="0" cy="5050220"/>
+          </a:xfrm>
+          <a:prstGeom prst="line">
+            <a:avLst/>
+          </a:prstGeom>
+          <a:ln w="28575" cap="flat" cmpd="sng" algn="ctr">
+            <a:solidFill>
+              <a:schemeClr val="accent1"/>
+            </a:solidFill>
+            <a:prstDash val="dash"/>
+            <a:round/>
+            <a:headEnd type="none" w="med" len="med"/>
+            <a:tailEnd type="none" w="med" len="med"/>
+          </a:ln>
+        </p:spPr>
+        <p:style>
+          <a:lnRef idx="0">
+            <a:scrgbClr r="0" g="0" b="0"/>
+          </a:lnRef>
+          <a:fillRef idx="0">
+            <a:scrgbClr r="0" g="0" b="0"/>
+          </a:fillRef>
+          <a:effectRef idx="0">
+            <a:scrgbClr r="0" g="0" b="0"/>
+          </a:effectRef>
+          <a:fontRef idx="minor">
+            <a:schemeClr val="tx1"/>
+          </a:fontRef>
+        </p:style>
+      </p:cxnSp>
+      <p:cxnSp>
+        <p:nvCxnSpPr>
+          <p:cNvPr id="10" name="직선 연결선[R] 9">
+            <a:extLst>
+              <a:ext uri="{FF2B5EF4-FFF2-40B4-BE49-F238E27FC236}">
+                <a16:creationId xmlns:a16="http://schemas.microsoft.com/office/drawing/2014/main" id="{F1516B79-E609-FBFC-5E92-86577BC5D6EE}"/>
+              </a:ext>
+            </a:extLst>
+          </p:cNvPr>
+          <p:cNvCxnSpPr>
+            <a:cxnSpLocks/>
+            <a:stCxn id="3" idx="2"/>
+          </p:cNvCxnSpPr>
+          <p:nvPr/>
+        </p:nvCxnSpPr>
+        <p:spPr>
+          <a:xfrm>
+            <a:off x="4390696" y="1807780"/>
+            <a:ext cx="0" cy="5050220"/>
+          </a:xfrm>
+          <a:prstGeom prst="line">
+            <a:avLst/>
+          </a:prstGeom>
+          <a:ln w="28575" cap="flat" cmpd="sng" algn="ctr">
+            <a:solidFill>
+              <a:schemeClr val="accent1"/>
+            </a:solidFill>
+            <a:prstDash val="dash"/>
+            <a:round/>
+            <a:headEnd type="none" w="med" len="med"/>
+            <a:tailEnd type="none" w="med" len="med"/>
+          </a:ln>
+        </p:spPr>
+        <p:style>
+          <a:lnRef idx="0">
+            <a:scrgbClr r="0" g="0" b="0"/>
+          </a:lnRef>
+          <a:fillRef idx="0">
+            <a:scrgbClr r="0" g="0" b="0"/>
+          </a:fillRef>
+          <a:effectRef idx="0">
+            <a:scrgbClr r="0" g="0" b="0"/>
+          </a:effectRef>
+          <a:fontRef idx="minor">
+            <a:schemeClr val="tx1"/>
+          </a:fontRef>
+        </p:style>
+      </p:cxnSp>
+      <p:cxnSp>
+        <p:nvCxnSpPr>
+          <p:cNvPr id="13" name="직선 연결선[R] 12">
+            <a:extLst>
+              <a:ext uri="{FF2B5EF4-FFF2-40B4-BE49-F238E27FC236}">
+                <a16:creationId xmlns:a16="http://schemas.microsoft.com/office/drawing/2014/main" id="{0D1F8E1D-AFA9-2E9D-3412-026FE5EE7E65}"/>
+              </a:ext>
+            </a:extLst>
+          </p:cNvPr>
+          <p:cNvCxnSpPr>
+            <a:cxnSpLocks/>
+            <a:stCxn id="5" idx="2"/>
+          </p:cNvCxnSpPr>
+          <p:nvPr/>
+        </p:nvCxnSpPr>
+        <p:spPr>
+          <a:xfrm>
+            <a:off x="7488624" y="1807780"/>
+            <a:ext cx="0" cy="5050220"/>
+          </a:xfrm>
+          <a:prstGeom prst="line">
+            <a:avLst/>
+          </a:prstGeom>
+          <a:ln w="28575" cap="flat" cmpd="sng" algn="ctr">
+            <a:solidFill>
+              <a:schemeClr val="accent1"/>
+            </a:solidFill>
+            <a:prstDash val="dash"/>
+            <a:round/>
+            <a:headEnd type="none" w="med" len="med"/>
+            <a:tailEnd type="none" w="med" len="med"/>
+          </a:ln>
+        </p:spPr>
+        <p:style>
+          <a:lnRef idx="0">
+            <a:scrgbClr r="0" g="0" b="0"/>
+          </a:lnRef>
+          <a:fillRef idx="0">
+            <a:scrgbClr r="0" g="0" b="0"/>
+          </a:fillRef>
+          <a:effectRef idx="0">
+            <a:scrgbClr r="0" g="0" b="0"/>
+          </a:effectRef>
+          <a:fontRef idx="minor">
+            <a:schemeClr val="tx1"/>
+          </a:fontRef>
+        </p:style>
+      </p:cxnSp>
+      <p:cxnSp>
+        <p:nvCxnSpPr>
+          <p:cNvPr id="21" name="직선 화살표 연결선 20">
+            <a:extLst>
+              <a:ext uri="{FF2B5EF4-FFF2-40B4-BE49-F238E27FC236}">
+                <a16:creationId xmlns:a16="http://schemas.microsoft.com/office/drawing/2014/main" id="{6DD5D89D-D280-031F-1BF7-DBF461D1EED4}"/>
+              </a:ext>
+            </a:extLst>
+          </p:cNvPr>
+          <p:cNvCxnSpPr>
+            <a:stCxn id="5" idx="3"/>
+            <a:endCxn id="6" idx="1"/>
+          </p:cNvCxnSpPr>
+          <p:nvPr/>
+        </p:nvCxnSpPr>
+        <p:spPr>
+          <a:xfrm flipV="1">
+            <a:off x="8187562" y="1487214"/>
+            <a:ext cx="1476700" cy="1"/>
+          </a:xfrm>
+          <a:prstGeom prst="straightConnector1">
+            <a:avLst/>
+          </a:prstGeom>
+          <a:ln>
+            <a:tailEnd type="triangle"/>
+          </a:ln>
+        </p:spPr>
+        <p:style>
+          <a:lnRef idx="3">
+            <a:schemeClr val="accent1"/>
+          </a:lnRef>
+          <a:fillRef idx="0">
+            <a:schemeClr val="accent1"/>
+          </a:fillRef>
+          <a:effectRef idx="2">
+            <a:schemeClr val="accent1"/>
+          </a:effectRef>
+          <a:fontRef idx="minor">
+            <a:schemeClr val="tx1"/>
+          </a:fontRef>
+        </p:style>
+      </p:cxnSp>
+      <p:sp>
+        <p:nvSpPr>
+          <p:cNvPr id="22" name="직사각형 21">
+            <a:extLst>
+              <a:ext uri="{FF2B5EF4-FFF2-40B4-BE49-F238E27FC236}">
+                <a16:creationId xmlns:a16="http://schemas.microsoft.com/office/drawing/2014/main" id="{89852390-CB37-F8A0-141B-7B6CA0566AF4}"/>
+              </a:ext>
+            </a:extLst>
+          </p:cNvPr>
+          <p:cNvSpPr/>
+          <p:nvPr/>
+        </p:nvSpPr>
+        <p:spPr>
+          <a:xfrm>
+            <a:off x="8702565" y="2990192"/>
+            <a:ext cx="3237181" cy="641131"/>
+          </a:xfrm>
+          <a:prstGeom prst="rect">
+            <a:avLst/>
+          </a:prstGeom>
+        </p:spPr>
+        <p:style>
+          <a:lnRef idx="2">
+            <a:schemeClr val="accent1"/>
+          </a:lnRef>
+          <a:fillRef idx="1">
+            <a:schemeClr val="lt1"/>
+          </a:fillRef>
+          <a:effectRef idx="0">
+            <a:schemeClr val="accent1"/>
+          </a:effectRef>
+          <a:fontRef idx="minor">
+            <a:schemeClr val="dk1"/>
+          </a:fontRef>
+        </p:style>
+        <p:txBody>
+          <a:bodyPr rtlCol="0" anchor="ctr"/>
+          <a:lstStyle/>
+          <a:p>
+            <a:pPr algn="ctr"/>
+            <a:r>
+              <a:rPr kumimoji="1" lang="en-US" altLang="ko-Kore-KR" dirty="0"/>
+              <a:t>service(</a:t>
+            </a:r>
+            <a:r>
+              <a:rPr kumimoji="1" lang="en-US" altLang="ko-Kore-KR" dirty="0" err="1"/>
+              <a:t>HttpServletRequest</a:t>
+            </a:r>
+            <a:r>
+              <a:rPr kumimoji="1" lang="en-US" altLang="ko-Kore-KR" dirty="0"/>
+              <a:t>, </a:t>
+            </a:r>
+            <a:r>
+              <a:rPr kumimoji="1" lang="en-US" altLang="ko-Kore-KR" dirty="0" err="1"/>
+              <a:t>HttpServletResponse</a:t>
+            </a:r>
+            <a:r>
+              <a:rPr kumimoji="1" lang="en-US" altLang="ko-Kore-KR" dirty="0"/>
+              <a:t>)</a:t>
+            </a:r>
+            <a:endParaRPr kumimoji="1" lang="ko-Kore-KR" altLang="en-US" dirty="0"/>
+          </a:p>
+        </p:txBody>
+      </p:sp>
+      <p:sp>
+        <p:nvSpPr>
+          <p:cNvPr id="23" name="직사각형 22">
+            <a:extLst>
+              <a:ext uri="{FF2B5EF4-FFF2-40B4-BE49-F238E27FC236}">
+                <a16:creationId xmlns:a16="http://schemas.microsoft.com/office/drawing/2014/main" id="{36B646CA-15F1-25E8-5140-F9E60DCB9A09}"/>
+              </a:ext>
+            </a:extLst>
+          </p:cNvPr>
+          <p:cNvSpPr/>
+          <p:nvPr/>
+        </p:nvSpPr>
+        <p:spPr>
+          <a:xfrm>
+            <a:off x="8702564" y="4719144"/>
+            <a:ext cx="3237181" cy="641131"/>
+          </a:xfrm>
+          <a:prstGeom prst="rect">
+            <a:avLst/>
+          </a:prstGeom>
+        </p:spPr>
+        <p:style>
+          <a:lnRef idx="2">
+            <a:schemeClr val="accent1"/>
+          </a:lnRef>
+          <a:fillRef idx="1">
+            <a:schemeClr val="lt1"/>
+          </a:fillRef>
+          <a:effectRef idx="0">
+            <a:schemeClr val="accent1"/>
+          </a:effectRef>
+          <a:fontRef idx="minor">
+            <a:schemeClr val="dk1"/>
+          </a:fontRef>
+        </p:style>
+        <p:txBody>
+          <a:bodyPr rtlCol="0" anchor="ctr"/>
+          <a:lstStyle/>
+          <a:p>
+            <a:pPr algn="ctr"/>
+            <a:r>
+              <a:rPr kumimoji="1" lang="en-US" altLang="ko-Kore-KR" dirty="0"/>
+              <a:t>s</a:t>
+            </a:r>
+            <a:r>
+              <a:rPr kumimoji="1" lang="en-US" altLang="ko-Kore-KR"/>
+              <a:t>ervice</a:t>
+            </a:r>
+            <a:r>
+              <a:rPr kumimoji="1" lang="en-US" altLang="ko-Kore-KR" dirty="0"/>
+              <a:t>(</a:t>
+            </a:r>
+            <a:r>
+              <a:rPr kumimoji="1" lang="en-US" altLang="ko-Kore-KR" dirty="0" err="1"/>
+              <a:t>HttpServletRequest</a:t>
+            </a:r>
+            <a:r>
+              <a:rPr kumimoji="1" lang="en-US" altLang="ko-Kore-KR" dirty="0"/>
+              <a:t>, </a:t>
+            </a:r>
+            <a:r>
+              <a:rPr kumimoji="1" lang="en-US" altLang="ko-Kore-KR" dirty="0" err="1"/>
+              <a:t>HttpServletResponse</a:t>
+            </a:r>
+            <a:r>
+              <a:rPr kumimoji="1" lang="en-US" altLang="ko-Kore-KR" dirty="0"/>
+              <a:t>)</a:t>
+            </a:r>
+            <a:endParaRPr kumimoji="1" lang="ko-Kore-KR" altLang="en-US" dirty="0"/>
+          </a:p>
+        </p:txBody>
+      </p:sp>
+      <p:sp>
+        <p:nvSpPr>
+          <p:cNvPr id="24" name="직사각형 23">
+            <a:extLst>
+              <a:ext uri="{FF2B5EF4-FFF2-40B4-BE49-F238E27FC236}">
+                <a16:creationId xmlns:a16="http://schemas.microsoft.com/office/drawing/2014/main" id="{6602C819-0037-24AD-4479-DBD9F3B65FB4}"/>
+              </a:ext>
+            </a:extLst>
+          </p:cNvPr>
+          <p:cNvSpPr/>
+          <p:nvPr/>
+        </p:nvSpPr>
+        <p:spPr>
+          <a:xfrm>
+            <a:off x="10668000" y="3767957"/>
+            <a:ext cx="1397876" cy="641131"/>
+          </a:xfrm>
+          <a:prstGeom prst="rect">
+            <a:avLst/>
+          </a:prstGeom>
+        </p:spPr>
+        <p:style>
+          <a:lnRef idx="2">
+            <a:schemeClr val="accent1">
+              <a:shade val="50000"/>
+            </a:schemeClr>
+          </a:lnRef>
+          <a:fillRef idx="1">
+            <a:schemeClr val="accent1"/>
+          </a:fillRef>
+          <a:effectRef idx="0">
+            <a:schemeClr val="accent1"/>
+          </a:effectRef>
+          <a:fontRef idx="minor">
+            <a:schemeClr val="lt1"/>
+          </a:fontRef>
+        </p:style>
+        <p:txBody>
+          <a:bodyPr rtlCol="0" anchor="ctr"/>
+          <a:lstStyle/>
+          <a:p>
+            <a:pPr algn="ctr"/>
+            <a:r>
+              <a:rPr kumimoji="1" lang="en-US" altLang="ko-Kore-KR" dirty="0" err="1"/>
+              <a:t>doGet</a:t>
+            </a:r>
+            <a:r>
+              <a:rPr kumimoji="1" lang="en-US" altLang="ko-Kore-KR" dirty="0"/>
+              <a:t>()</a:t>
+            </a:r>
+            <a:endParaRPr kumimoji="1" lang="ko-Kore-KR" altLang="en-US" dirty="0"/>
+          </a:p>
+        </p:txBody>
+      </p:sp>
+      <p:sp>
+        <p:nvSpPr>
+          <p:cNvPr id="25" name="직사각형 24">
+            <a:extLst>
+              <a:ext uri="{FF2B5EF4-FFF2-40B4-BE49-F238E27FC236}">
+                <a16:creationId xmlns:a16="http://schemas.microsoft.com/office/drawing/2014/main" id="{FA2EA839-4CAA-3EE2-8867-ACA8D30FB111}"/>
+              </a:ext>
+            </a:extLst>
+          </p:cNvPr>
+          <p:cNvSpPr/>
+          <p:nvPr/>
+        </p:nvSpPr>
+        <p:spPr>
+          <a:xfrm>
+            <a:off x="10668000" y="5496909"/>
+            <a:ext cx="1397876" cy="641131"/>
+          </a:xfrm>
+          <a:prstGeom prst="rect">
+            <a:avLst/>
+          </a:prstGeom>
+        </p:spPr>
+        <p:style>
+          <a:lnRef idx="2">
+            <a:schemeClr val="accent1">
+              <a:shade val="50000"/>
+            </a:schemeClr>
+          </a:lnRef>
+          <a:fillRef idx="1">
+            <a:schemeClr val="accent1"/>
+          </a:fillRef>
+          <a:effectRef idx="0">
+            <a:schemeClr val="accent1"/>
+          </a:effectRef>
+          <a:fontRef idx="minor">
+            <a:schemeClr val="lt1"/>
+          </a:fontRef>
+        </p:style>
+        <p:txBody>
+          <a:bodyPr rtlCol="0" anchor="ctr"/>
+          <a:lstStyle/>
+          <a:p>
+            <a:pPr algn="ctr"/>
+            <a:r>
+              <a:rPr kumimoji="1" lang="en-US" altLang="ko-Kore-KR" dirty="0" err="1"/>
+              <a:t>doPost</a:t>
+            </a:r>
+            <a:r>
+              <a:rPr kumimoji="1" lang="en-US" altLang="ko-Kore-KR" dirty="0"/>
+              <a:t>()</a:t>
+            </a:r>
+            <a:endParaRPr kumimoji="1" lang="ko-Kore-KR" altLang="en-US" dirty="0"/>
+          </a:p>
+        </p:txBody>
+      </p:sp>
+      <p:cxnSp>
+        <p:nvCxnSpPr>
+          <p:cNvPr id="27" name="직선 화살표 연결선 26">
+            <a:extLst>
+              <a:ext uri="{FF2B5EF4-FFF2-40B4-BE49-F238E27FC236}">
+                <a16:creationId xmlns:a16="http://schemas.microsoft.com/office/drawing/2014/main" id="{D2C76EE1-2E3D-5858-0DF6-51235853C1C5}"/>
+              </a:ext>
+            </a:extLst>
+          </p:cNvPr>
+          <p:cNvCxnSpPr/>
+          <p:nvPr/>
+        </p:nvCxnSpPr>
+        <p:spPr>
+          <a:xfrm>
+            <a:off x="1161393" y="2364834"/>
+            <a:ext cx="3229302" cy="0"/>
+          </a:xfrm>
+          <a:prstGeom prst="straightConnector1">
+            <a:avLst/>
+          </a:prstGeom>
+          <a:ln>
+            <a:tailEnd type="triangle"/>
+          </a:ln>
+        </p:spPr>
+        <p:style>
+          <a:lnRef idx="3">
+            <a:schemeClr val="accent1"/>
+          </a:lnRef>
+          <a:fillRef idx="0">
+            <a:schemeClr val="accent1"/>
+          </a:fillRef>
+          <a:effectRef idx="2">
+            <a:schemeClr val="accent1"/>
+          </a:effectRef>
+          <a:fontRef idx="minor">
+            <a:schemeClr val="tx1"/>
+          </a:fontRef>
+        </p:style>
+      </p:cxnSp>
+      <p:cxnSp>
+        <p:nvCxnSpPr>
+          <p:cNvPr id="28" name="직선 화살표 연결선 27">
+            <a:extLst>
+              <a:ext uri="{FF2B5EF4-FFF2-40B4-BE49-F238E27FC236}">
+                <a16:creationId xmlns:a16="http://schemas.microsoft.com/office/drawing/2014/main" id="{EA28885D-9D0A-38D0-CF86-32CC6E89AB90}"/>
+              </a:ext>
+            </a:extLst>
+          </p:cNvPr>
+          <p:cNvCxnSpPr>
+            <a:cxnSpLocks/>
+          </p:cNvCxnSpPr>
+          <p:nvPr/>
+        </p:nvCxnSpPr>
+        <p:spPr>
+          <a:xfrm>
+            <a:off x="4390695" y="2779992"/>
+            <a:ext cx="3097929" cy="0"/>
+          </a:xfrm>
+          <a:prstGeom prst="straightConnector1">
+            <a:avLst/>
+          </a:prstGeom>
+          <a:ln>
+            <a:tailEnd type="triangle"/>
+          </a:ln>
+        </p:spPr>
+        <p:style>
+          <a:lnRef idx="3">
+            <a:schemeClr val="accent1"/>
+          </a:lnRef>
+          <a:fillRef idx="0">
+            <a:schemeClr val="accent1"/>
+          </a:fillRef>
+          <a:effectRef idx="2">
+            <a:schemeClr val="accent1"/>
+          </a:effectRef>
+          <a:fontRef idx="minor">
+            <a:schemeClr val="tx1"/>
+          </a:fontRef>
+        </p:style>
+      </p:cxnSp>
+      <p:cxnSp>
+        <p:nvCxnSpPr>
+          <p:cNvPr id="30" name="직선 화살표 연결선 29">
+            <a:extLst>
+              <a:ext uri="{FF2B5EF4-FFF2-40B4-BE49-F238E27FC236}">
+                <a16:creationId xmlns:a16="http://schemas.microsoft.com/office/drawing/2014/main" id="{1F5C9312-4E8E-ED64-EBA2-A9609A9EA2D8}"/>
+              </a:ext>
+            </a:extLst>
+          </p:cNvPr>
+          <p:cNvCxnSpPr>
+            <a:cxnSpLocks/>
+            <a:endCxn id="22" idx="1"/>
+          </p:cNvCxnSpPr>
+          <p:nvPr/>
+        </p:nvCxnSpPr>
+        <p:spPr>
+          <a:xfrm>
+            <a:off x="7488624" y="3310757"/>
+            <a:ext cx="1213941" cy="1"/>
+          </a:xfrm>
+          <a:prstGeom prst="straightConnector1">
+            <a:avLst/>
+          </a:prstGeom>
+          <a:ln>
+            <a:tailEnd type="triangle"/>
+          </a:ln>
+        </p:spPr>
+        <p:style>
+          <a:lnRef idx="3">
+            <a:schemeClr val="accent1"/>
+          </a:lnRef>
+          <a:fillRef idx="0">
+            <a:schemeClr val="accent1"/>
+          </a:fillRef>
+          <a:effectRef idx="2">
+            <a:schemeClr val="accent1"/>
+          </a:effectRef>
+          <a:fontRef idx="minor">
+            <a:schemeClr val="tx1"/>
+          </a:fontRef>
+        </p:style>
+      </p:cxnSp>
+      <p:cxnSp>
+        <p:nvCxnSpPr>
+          <p:cNvPr id="32" name="직선 화살표 연결선 31">
+            <a:extLst>
+              <a:ext uri="{FF2B5EF4-FFF2-40B4-BE49-F238E27FC236}">
+                <a16:creationId xmlns:a16="http://schemas.microsoft.com/office/drawing/2014/main" id="{9CDC768B-5F1C-5048-BD02-05CC314A2A51}"/>
+              </a:ext>
+            </a:extLst>
+          </p:cNvPr>
+          <p:cNvCxnSpPr/>
+          <p:nvPr/>
+        </p:nvCxnSpPr>
+        <p:spPr>
+          <a:xfrm>
+            <a:off x="1161393" y="4120058"/>
+            <a:ext cx="3229302" cy="0"/>
+          </a:xfrm>
+          <a:prstGeom prst="straightConnector1">
+            <a:avLst/>
+          </a:prstGeom>
+          <a:ln>
+            <a:tailEnd type="triangle"/>
+          </a:ln>
+        </p:spPr>
+        <p:style>
+          <a:lnRef idx="3">
+            <a:schemeClr val="accent1"/>
+          </a:lnRef>
+          <a:fillRef idx="0">
+            <a:schemeClr val="accent1"/>
+          </a:fillRef>
+          <a:effectRef idx="2">
+            <a:schemeClr val="accent1"/>
+          </a:effectRef>
+          <a:fontRef idx="minor">
+            <a:schemeClr val="tx1"/>
+          </a:fontRef>
+        </p:style>
+      </p:cxnSp>
+      <p:cxnSp>
+        <p:nvCxnSpPr>
+          <p:cNvPr id="33" name="직선 화살표 연결선 32">
+            <a:extLst>
+              <a:ext uri="{FF2B5EF4-FFF2-40B4-BE49-F238E27FC236}">
+                <a16:creationId xmlns:a16="http://schemas.microsoft.com/office/drawing/2014/main" id="{2D7A1F1B-1D93-8F92-8767-32A6EB44977D}"/>
+              </a:ext>
+            </a:extLst>
+          </p:cNvPr>
+          <p:cNvCxnSpPr>
+            <a:cxnSpLocks/>
+          </p:cNvCxnSpPr>
+          <p:nvPr/>
+        </p:nvCxnSpPr>
+        <p:spPr>
+          <a:xfrm>
+            <a:off x="4390695" y="4535216"/>
+            <a:ext cx="3097929" cy="0"/>
+          </a:xfrm>
+          <a:prstGeom prst="straightConnector1">
+            <a:avLst/>
+          </a:prstGeom>
+          <a:ln>
+            <a:tailEnd type="triangle"/>
+          </a:ln>
+        </p:spPr>
+        <p:style>
+          <a:lnRef idx="3">
+            <a:schemeClr val="accent1"/>
+          </a:lnRef>
+          <a:fillRef idx="0">
+            <a:schemeClr val="accent1"/>
+          </a:fillRef>
+          <a:effectRef idx="2">
+            <a:schemeClr val="accent1"/>
+          </a:effectRef>
+          <a:fontRef idx="minor">
+            <a:schemeClr val="tx1"/>
+          </a:fontRef>
+        </p:style>
+      </p:cxnSp>
+      <p:cxnSp>
+        <p:nvCxnSpPr>
+          <p:cNvPr id="34" name="직선 화살표 연결선 33">
+            <a:extLst>
+              <a:ext uri="{FF2B5EF4-FFF2-40B4-BE49-F238E27FC236}">
+                <a16:creationId xmlns:a16="http://schemas.microsoft.com/office/drawing/2014/main" id="{7C2772DE-1DE3-A9F3-D422-F4C03663B3AD}"/>
+              </a:ext>
+            </a:extLst>
+          </p:cNvPr>
+          <p:cNvCxnSpPr>
+            <a:cxnSpLocks/>
+            <a:endCxn id="23" idx="1"/>
+          </p:cNvCxnSpPr>
+          <p:nvPr/>
+        </p:nvCxnSpPr>
+        <p:spPr>
+          <a:xfrm flipV="1">
+            <a:off x="7488624" y="5039710"/>
+            <a:ext cx="1213940" cy="26271"/>
+          </a:xfrm>
+          <a:prstGeom prst="straightConnector1">
+            <a:avLst/>
+          </a:prstGeom>
+          <a:ln>
+            <a:tailEnd type="triangle"/>
+          </a:ln>
+        </p:spPr>
+        <p:style>
+          <a:lnRef idx="3">
+            <a:schemeClr val="accent1"/>
+          </a:lnRef>
+          <a:fillRef idx="0">
+            <a:schemeClr val="accent1"/>
+          </a:fillRef>
+          <a:effectRef idx="2">
+            <a:schemeClr val="accent1"/>
+          </a:effectRef>
+          <a:fontRef idx="minor">
+            <a:schemeClr val="tx1"/>
+          </a:fontRef>
+        </p:style>
+      </p:cxnSp>
+      <p:cxnSp>
+        <p:nvCxnSpPr>
+          <p:cNvPr id="37" name="꺾인 연결선[E] 36">
+            <a:extLst>
+              <a:ext uri="{FF2B5EF4-FFF2-40B4-BE49-F238E27FC236}">
+                <a16:creationId xmlns:a16="http://schemas.microsoft.com/office/drawing/2014/main" id="{EFF3BFF2-84F0-376A-C242-F9A81E425C1C}"/>
+              </a:ext>
+            </a:extLst>
+          </p:cNvPr>
+          <p:cNvCxnSpPr>
+            <a:stCxn id="22" idx="2"/>
+            <a:endCxn id="24" idx="1"/>
+          </p:cNvCxnSpPr>
+          <p:nvPr/>
+        </p:nvCxnSpPr>
+        <p:spPr>
+          <a:xfrm rot="16200000" flipH="1">
+            <a:off x="10265978" y="3686501"/>
+            <a:ext cx="457200" cy="346844"/>
+          </a:xfrm>
+          <a:prstGeom prst="bentConnector2">
+            <a:avLst/>
+          </a:prstGeom>
+          <a:ln>
+            <a:tailEnd type="triangle"/>
+          </a:ln>
+        </p:spPr>
+        <p:style>
+          <a:lnRef idx="3">
+            <a:schemeClr val="accent1"/>
+          </a:lnRef>
+          <a:fillRef idx="0">
+            <a:schemeClr val="accent1"/>
+          </a:fillRef>
+          <a:effectRef idx="2">
+            <a:schemeClr val="accent1"/>
+          </a:effectRef>
+          <a:fontRef idx="minor">
+            <a:schemeClr val="tx1"/>
+          </a:fontRef>
+        </p:style>
+      </p:cxnSp>
+      <p:cxnSp>
+        <p:nvCxnSpPr>
+          <p:cNvPr id="39" name="꺾인 연결선[E] 38">
+            <a:extLst>
+              <a:ext uri="{FF2B5EF4-FFF2-40B4-BE49-F238E27FC236}">
+                <a16:creationId xmlns:a16="http://schemas.microsoft.com/office/drawing/2014/main" id="{DDBBF28C-44C0-47EC-C621-03DA657B8D41}"/>
+              </a:ext>
+            </a:extLst>
+          </p:cNvPr>
+          <p:cNvCxnSpPr>
+            <a:cxnSpLocks/>
+            <a:stCxn id="23" idx="2"/>
+            <a:endCxn id="25" idx="1"/>
+          </p:cNvCxnSpPr>
+          <p:nvPr/>
+        </p:nvCxnSpPr>
+        <p:spPr>
+          <a:xfrm rot="16200000" flipH="1">
+            <a:off x="10265977" y="5415452"/>
+            <a:ext cx="457200" cy="346845"/>
+          </a:xfrm>
+          <a:prstGeom prst="bentConnector2">
+            <a:avLst/>
+          </a:prstGeom>
+          <a:ln>
+            <a:tailEnd type="triangle"/>
+          </a:ln>
+        </p:spPr>
+        <p:style>
+          <a:lnRef idx="3">
+            <a:schemeClr val="accent1"/>
+          </a:lnRef>
+          <a:fillRef idx="0">
+            <a:schemeClr val="accent1"/>
+          </a:fillRef>
+          <a:effectRef idx="2">
+            <a:schemeClr val="accent1"/>
+          </a:effectRef>
+          <a:fontRef idx="minor">
+            <a:schemeClr val="tx1"/>
+          </a:fontRef>
+        </p:style>
+      </p:cxnSp>
+      <p:sp>
+        <p:nvSpPr>
+          <p:cNvPr id="42" name="직사각형 41">
+            <a:extLst>
+              <a:ext uri="{FF2B5EF4-FFF2-40B4-BE49-F238E27FC236}">
+                <a16:creationId xmlns:a16="http://schemas.microsoft.com/office/drawing/2014/main" id="{8724650D-F002-C112-E513-D33DAF4949B7}"/>
+              </a:ext>
+            </a:extLst>
+          </p:cNvPr>
+          <p:cNvSpPr/>
+          <p:nvPr/>
+        </p:nvSpPr>
+        <p:spPr>
+          <a:xfrm>
+            <a:off x="2121336" y="2222069"/>
+            <a:ext cx="1004178" cy="285529"/>
+          </a:xfrm>
+          <a:prstGeom prst="rect">
+            <a:avLst/>
+          </a:prstGeom>
+        </p:spPr>
+        <p:style>
+          <a:lnRef idx="2">
+            <a:schemeClr val="accent1"/>
+          </a:lnRef>
+          <a:fillRef idx="1">
+            <a:schemeClr val="lt1"/>
+          </a:fillRef>
+          <a:effectRef idx="0">
+            <a:schemeClr val="accent1"/>
+          </a:effectRef>
+          <a:fontRef idx="minor">
+            <a:schemeClr val="dk1"/>
+          </a:fontRef>
+        </p:style>
+        <p:txBody>
+          <a:bodyPr rtlCol="0" anchor="ctr"/>
+          <a:lstStyle/>
+          <a:p>
+            <a:pPr algn="ctr"/>
+            <a:r>
+              <a:rPr kumimoji="1" lang="en-US" altLang="ko-Kore-KR" sz="1200" dirty="0"/>
+              <a:t>GET </a:t>
+            </a:r>
+            <a:r>
+              <a:rPr kumimoji="1" lang="ko-KR" altLang="en-US" sz="1200" dirty="0"/>
+              <a:t>요청</a:t>
+            </a:r>
+            <a:endParaRPr kumimoji="1" lang="ko-Kore-KR" altLang="en-US" sz="1200" dirty="0"/>
+          </a:p>
+        </p:txBody>
+      </p:sp>
+      <p:sp>
+        <p:nvSpPr>
+          <p:cNvPr id="43" name="직사각형 42">
+            <a:extLst>
+              <a:ext uri="{FF2B5EF4-FFF2-40B4-BE49-F238E27FC236}">
+                <a16:creationId xmlns:a16="http://schemas.microsoft.com/office/drawing/2014/main" id="{A98C7ED7-A9B0-C233-C30D-ACD63DAA8179}"/>
+              </a:ext>
+            </a:extLst>
+          </p:cNvPr>
+          <p:cNvSpPr/>
+          <p:nvPr/>
+        </p:nvSpPr>
+        <p:spPr>
+          <a:xfrm>
+            <a:off x="2123749" y="3977293"/>
+            <a:ext cx="1004178" cy="285529"/>
+          </a:xfrm>
+          <a:prstGeom prst="rect">
+            <a:avLst/>
+          </a:prstGeom>
+        </p:spPr>
+        <p:style>
+          <a:lnRef idx="2">
+            <a:schemeClr val="accent1"/>
+          </a:lnRef>
+          <a:fillRef idx="1">
+            <a:schemeClr val="lt1"/>
+          </a:fillRef>
+          <a:effectRef idx="0">
+            <a:schemeClr val="accent1"/>
+          </a:effectRef>
+          <a:fontRef idx="minor">
+            <a:schemeClr val="dk1"/>
+          </a:fontRef>
+        </p:style>
+        <p:txBody>
+          <a:bodyPr rtlCol="0" anchor="ctr"/>
+          <a:lstStyle/>
+          <a:p>
+            <a:pPr algn="ctr"/>
+            <a:r>
+              <a:rPr kumimoji="1" lang="en-US" altLang="ko-Kore-KR" sz="1200" dirty="0"/>
+              <a:t>POST </a:t>
+            </a:r>
+            <a:r>
+              <a:rPr kumimoji="1" lang="ko-KR" altLang="en-US" sz="1200" dirty="0"/>
+              <a:t>요청</a:t>
+            </a:r>
+            <a:endParaRPr kumimoji="1" lang="ko-Kore-KR" altLang="en-US" sz="1200" dirty="0"/>
+          </a:p>
+        </p:txBody>
+      </p:sp>
+      <p:sp>
+        <p:nvSpPr>
+          <p:cNvPr id="44" name="직사각형 43">
+            <a:extLst>
+              <a:ext uri="{FF2B5EF4-FFF2-40B4-BE49-F238E27FC236}">
+                <a16:creationId xmlns:a16="http://schemas.microsoft.com/office/drawing/2014/main" id="{7FA3C199-D155-A034-FC5B-82B818D08A90}"/>
+              </a:ext>
+            </a:extLst>
+          </p:cNvPr>
+          <p:cNvSpPr/>
+          <p:nvPr/>
+        </p:nvSpPr>
+        <p:spPr>
+          <a:xfrm>
+            <a:off x="4935923" y="2575034"/>
+            <a:ext cx="2106447" cy="415158"/>
+          </a:xfrm>
+          <a:prstGeom prst="rect">
+            <a:avLst/>
+          </a:prstGeom>
+        </p:spPr>
+        <p:style>
+          <a:lnRef idx="2">
+            <a:schemeClr val="accent1"/>
+          </a:lnRef>
+          <a:fillRef idx="1">
+            <a:schemeClr val="lt1"/>
+          </a:fillRef>
+          <a:effectRef idx="0">
+            <a:schemeClr val="accent1"/>
+          </a:effectRef>
+          <a:fontRef idx="minor">
+            <a:schemeClr val="dk1"/>
+          </a:fontRef>
+        </p:style>
+        <p:txBody>
+          <a:bodyPr rtlCol="0" anchor="ctr"/>
+          <a:lstStyle/>
+          <a:p>
+            <a:pPr algn="ctr"/>
+            <a:r>
+              <a:rPr kumimoji="1" lang="en-US" altLang="ko-Kore-KR" sz="1200" dirty="0"/>
+              <a:t>service(</a:t>
+            </a:r>
+            <a:r>
+              <a:rPr kumimoji="1" lang="en-US" altLang="ko-Kore-KR" sz="1200" dirty="0" err="1"/>
+              <a:t>ServletRequest</a:t>
+            </a:r>
+            <a:r>
+              <a:rPr kumimoji="1" lang="en-US" altLang="ko-Kore-KR" sz="1200" dirty="0"/>
+              <a:t>, </a:t>
+            </a:r>
+            <a:r>
+              <a:rPr kumimoji="1" lang="en-US" altLang="ko-Kore-KR" sz="1200" dirty="0" err="1"/>
+              <a:t>ServletResponse</a:t>
+            </a:r>
+            <a:r>
+              <a:rPr kumimoji="1" lang="en-US" altLang="ko-Kore-KR" sz="1200" dirty="0"/>
+              <a:t>)</a:t>
+            </a:r>
+            <a:endParaRPr kumimoji="1" lang="ko-Kore-KR" altLang="en-US" sz="1200" dirty="0"/>
+          </a:p>
+        </p:txBody>
+      </p:sp>
+      <p:sp>
+        <p:nvSpPr>
+          <p:cNvPr id="45" name="직사각형 44">
+            <a:extLst>
+              <a:ext uri="{FF2B5EF4-FFF2-40B4-BE49-F238E27FC236}">
+                <a16:creationId xmlns:a16="http://schemas.microsoft.com/office/drawing/2014/main" id="{520A8987-3A2D-B37F-6FCB-4BB0E3559A31}"/>
+              </a:ext>
+            </a:extLst>
+          </p:cNvPr>
+          <p:cNvSpPr/>
+          <p:nvPr/>
+        </p:nvSpPr>
+        <p:spPr>
+          <a:xfrm>
+            <a:off x="4935923" y="4332890"/>
+            <a:ext cx="2106447" cy="415158"/>
+          </a:xfrm>
+          <a:prstGeom prst="rect">
+            <a:avLst/>
+          </a:prstGeom>
+        </p:spPr>
+        <p:style>
+          <a:lnRef idx="2">
+            <a:schemeClr val="accent1"/>
+          </a:lnRef>
+          <a:fillRef idx="1">
+            <a:schemeClr val="lt1"/>
+          </a:fillRef>
+          <a:effectRef idx="0">
+            <a:schemeClr val="accent1"/>
+          </a:effectRef>
+          <a:fontRef idx="minor">
+            <a:schemeClr val="dk1"/>
+          </a:fontRef>
+        </p:style>
+        <p:txBody>
+          <a:bodyPr rtlCol="0" anchor="ctr"/>
+          <a:lstStyle/>
+          <a:p>
+            <a:pPr algn="ctr"/>
+            <a:r>
+              <a:rPr kumimoji="1" lang="en-US" altLang="ko-Kore-KR" sz="1200" dirty="0"/>
+              <a:t>service(</a:t>
+            </a:r>
+            <a:r>
+              <a:rPr kumimoji="1" lang="en-US" altLang="ko-Kore-KR" sz="1200" dirty="0" err="1"/>
+              <a:t>ServletRequest</a:t>
+            </a:r>
+            <a:r>
+              <a:rPr kumimoji="1" lang="en-US" altLang="ko-Kore-KR" sz="1200" dirty="0"/>
+              <a:t>, </a:t>
+            </a:r>
+            <a:r>
+              <a:rPr kumimoji="1" lang="en-US" altLang="ko-Kore-KR" sz="1200" dirty="0" err="1"/>
+              <a:t>ServletResponse</a:t>
+            </a:r>
+            <a:r>
+              <a:rPr kumimoji="1" lang="en-US" altLang="ko-Kore-KR" sz="1200" dirty="0"/>
+              <a:t>)</a:t>
+            </a:r>
+            <a:endParaRPr kumimoji="1" lang="ko-Kore-KR" altLang="en-US" sz="1200" dirty="0"/>
           </a:p>
         </p:txBody>
       </p:sp>
@@ -10297,4 +15101,299 @@
     </a:ext>
   </a:extLst>
 </a:theme>
+</file>
+
+<file path=ppt/theme/theme2.xml><?xml version="1.0" encoding="utf-8"?>
+<a:theme xmlns:a="http://schemas.openxmlformats.org/drawingml/2006/main" name="Office 테마">
+  <a:themeElements>
+    <a:clrScheme name="Office">
+      <a:dk1>
+        <a:sysClr val="windowText" lastClr="000000"/>
+      </a:dk1>
+      <a:lt1>
+        <a:sysClr val="window" lastClr="FFFFFF"/>
+      </a:lt1>
+      <a:dk2>
+        <a:srgbClr val="44546A"/>
+      </a:dk2>
+      <a:lt2>
+        <a:srgbClr val="E7E6E6"/>
+      </a:lt2>
+      <a:accent1>
+        <a:srgbClr val="4472C4"/>
+      </a:accent1>
+      <a:accent2>
+        <a:srgbClr val="ED7D31"/>
+      </a:accent2>
+      <a:accent3>
+        <a:srgbClr val="A5A5A5"/>
+      </a:accent3>
+      <a:accent4>
+        <a:srgbClr val="FFC000"/>
+      </a:accent4>
+      <a:accent5>
+        <a:srgbClr val="5B9BD5"/>
+      </a:accent5>
+      <a:accent6>
+        <a:srgbClr val="70AD47"/>
+      </a:accent6>
+      <a:hlink>
+        <a:srgbClr val="0563C1"/>
+      </a:hlink>
+      <a:folHlink>
+        <a:srgbClr val="954F72"/>
+      </a:folHlink>
+    </a:clrScheme>
+    <a:fontScheme name="Office">
+      <a:majorFont>
+        <a:latin typeface="Calibri Light" panose="020F0302020204030204"/>
+        <a:ea typeface=""/>
+        <a:cs typeface=""/>
+        <a:font script="Jpan" typeface="游ゴシック Light"/>
+        <a:font script="Hang" typeface="맑은 고딕"/>
+        <a:font script="Hans" typeface="等线 Light"/>
+        <a:font script="Hant" typeface="新細明體"/>
+        <a:font script="Arab" typeface="Times New Roman"/>
+        <a:font script="Hebr" typeface="Times New Roman"/>
+        <a:font script="Thai" typeface="Angsana New"/>
+        <a:font script="Ethi" typeface="Nyala"/>
+        <a:font script="Beng" typeface="Vrinda"/>
+        <a:font script="Gujr" typeface="Shruti"/>
+        <a:font script="Khmr" typeface="MoolBoran"/>
+        <a:font script="Knda" typeface="Tunga"/>
+        <a:font script="Guru" typeface="Raavi"/>
+        <a:font script="Cans" typeface="Euphemia"/>
+        <a:font script="Cher" typeface="Plantagenet Cherokee"/>
+        <a:font script="Yiii" typeface="Microsoft Yi Baiti"/>
+        <a:font script="Tibt" typeface="Microsoft Himalaya"/>
+        <a:font script="Thaa" typeface="MV Boli"/>
+        <a:font script="Deva" typeface="Mangal"/>
+        <a:font script="Telu" typeface="Gautami"/>
+        <a:font script="Taml" typeface="Latha"/>
+        <a:font script="Syrc" typeface="Estrangelo Edessa"/>
+        <a:font script="Orya" typeface="Kalinga"/>
+        <a:font script="Mlym" typeface="Kartika"/>
+        <a:font script="Laoo" typeface="DokChampa"/>
+        <a:font script="Sinh" typeface="Iskoola Pota"/>
+        <a:font script="Mong" typeface="Mongolian Baiti"/>
+        <a:font script="Viet" typeface="Times New Roman"/>
+        <a:font script="Uigh" typeface="Microsoft Uighur"/>
+        <a:font script="Geor" typeface="Sylfaen"/>
+        <a:font script="Armn" typeface="Arial"/>
+        <a:font script="Bugi" typeface="Leelawadee UI"/>
+        <a:font script="Bopo" typeface="Microsoft JhengHei"/>
+        <a:font script="Java" typeface="Javanese Text"/>
+        <a:font script="Lisu" typeface="Segoe UI"/>
+        <a:font script="Mymr" typeface="Myanmar Text"/>
+        <a:font script="Nkoo" typeface="Ebrima"/>
+        <a:font script="Olck" typeface="Nirmala UI"/>
+        <a:font script="Osma" typeface="Ebrima"/>
+        <a:font script="Phag" typeface="Phagspa"/>
+        <a:font script="Syrn" typeface="Estrangelo Edessa"/>
+        <a:font script="Syrj" typeface="Estrangelo Edessa"/>
+        <a:font script="Syre" typeface="Estrangelo Edessa"/>
+        <a:font script="Sora" typeface="Nirmala UI"/>
+        <a:font script="Tale" typeface="Microsoft Tai Le"/>
+        <a:font script="Talu" typeface="Microsoft New Tai Lue"/>
+        <a:font script="Tfng" typeface="Ebrima"/>
+      </a:majorFont>
+      <a:minorFont>
+        <a:latin typeface="Calibri" panose="020F0502020204030204"/>
+        <a:ea typeface=""/>
+        <a:cs typeface=""/>
+        <a:font script="Jpan" typeface="游ゴシック"/>
+        <a:font script="Hang" typeface="맑은 고딕"/>
+        <a:font script="Hans" typeface="等线"/>
+        <a:font script="Hant" typeface="新細明體"/>
+        <a:font script="Arab" typeface="Arial"/>
+        <a:font script="Hebr" typeface="Arial"/>
+        <a:font script="Thai" typeface="Cordia New"/>
+        <a:font script="Ethi" typeface="Nyala"/>
+        <a:font script="Beng" typeface="Vrinda"/>
+        <a:font script="Gujr" typeface="Shruti"/>
+        <a:font script="Khmr" typeface="DaunPenh"/>
+        <a:font script="Knda" typeface="Tunga"/>
+        <a:font script="Guru" typeface="Raavi"/>
+        <a:font script="Cans" typeface="Euphemia"/>
+        <a:font script="Cher" typeface="Plantagenet Cherokee"/>
+        <a:font script="Yiii" typeface="Microsoft Yi Baiti"/>
+        <a:font script="Tibt" typeface="Microsoft Himalaya"/>
+        <a:font script="Thaa" typeface="MV Boli"/>
+        <a:font script="Deva" typeface="Mangal"/>
+        <a:font script="Telu" typeface="Gautami"/>
+        <a:font script="Taml" typeface="Latha"/>
+        <a:font script="Syrc" typeface="Estrangelo Edessa"/>
+        <a:font script="Orya" typeface="Kalinga"/>
+        <a:font script="Mlym" typeface="Kartika"/>
+        <a:font script="Laoo" typeface="DokChampa"/>
+        <a:font script="Sinh" typeface="Iskoola Pota"/>
+        <a:font script="Mong" typeface="Mongolian Baiti"/>
+        <a:font script="Viet" typeface="Arial"/>
+        <a:font script="Uigh" typeface="Microsoft Uighur"/>
+        <a:font script="Geor" typeface="Sylfaen"/>
+        <a:font script="Armn" typeface="Arial"/>
+        <a:font script="Bugi" typeface="Leelawadee UI"/>
+        <a:font script="Bopo" typeface="Microsoft JhengHei"/>
+        <a:font script="Java" typeface="Javanese Text"/>
+        <a:font script="Lisu" typeface="Segoe UI"/>
+        <a:font script="Mymr" typeface="Myanmar Text"/>
+        <a:font script="Nkoo" typeface="Ebrima"/>
+        <a:font script="Olck" typeface="Nirmala UI"/>
+        <a:font script="Osma" typeface="Ebrima"/>
+        <a:font script="Phag" typeface="Phagspa"/>
+        <a:font script="Syrn" typeface="Estrangelo Edessa"/>
+        <a:font script="Syrj" typeface="Estrangelo Edessa"/>
+        <a:font script="Syre" typeface="Estrangelo Edessa"/>
+        <a:font script="Sora" typeface="Nirmala UI"/>
+        <a:font script="Tale" typeface="Microsoft Tai Le"/>
+        <a:font script="Talu" typeface="Microsoft New Tai Lue"/>
+        <a:font script="Tfng" typeface="Ebrima"/>
+      </a:minorFont>
+    </a:fontScheme>
+    <a:fmtScheme name="Office">
+      <a:fillStyleLst>
+        <a:solidFill>
+          <a:schemeClr val="phClr"/>
+        </a:solidFill>
+        <a:gradFill rotWithShape="1">
+          <a:gsLst>
+            <a:gs pos="0">
+              <a:schemeClr val="phClr">
+                <a:lumMod val="110000"/>
+                <a:satMod val="105000"/>
+                <a:tint val="67000"/>
+              </a:schemeClr>
+            </a:gs>
+            <a:gs pos="50000">
+              <a:schemeClr val="phClr">
+                <a:lumMod val="105000"/>
+                <a:satMod val="103000"/>
+                <a:tint val="73000"/>
+              </a:schemeClr>
+            </a:gs>
+            <a:gs pos="100000">
+              <a:schemeClr val="phClr">
+                <a:lumMod val="105000"/>
+                <a:satMod val="109000"/>
+                <a:tint val="81000"/>
+              </a:schemeClr>
+            </a:gs>
+          </a:gsLst>
+          <a:lin ang="5400000" scaled="0"/>
+        </a:gradFill>
+        <a:gradFill rotWithShape="1">
+          <a:gsLst>
+            <a:gs pos="0">
+              <a:schemeClr val="phClr">
+                <a:satMod val="103000"/>
+                <a:lumMod val="102000"/>
+                <a:tint val="94000"/>
+              </a:schemeClr>
+            </a:gs>
+            <a:gs pos="50000">
+              <a:schemeClr val="phClr">
+                <a:satMod val="110000"/>
+                <a:lumMod val="100000"/>
+                <a:shade val="100000"/>
+              </a:schemeClr>
+            </a:gs>
+            <a:gs pos="100000">
+              <a:schemeClr val="phClr">
+                <a:lumMod val="99000"/>
+                <a:satMod val="120000"/>
+                <a:shade val="78000"/>
+              </a:schemeClr>
+            </a:gs>
+          </a:gsLst>
+          <a:lin ang="5400000" scaled="0"/>
+        </a:gradFill>
+      </a:fillStyleLst>
+      <a:lnStyleLst>
+        <a:ln w="6350" cap="flat" cmpd="sng" algn="ctr">
+          <a:solidFill>
+            <a:schemeClr val="phClr"/>
+          </a:solidFill>
+          <a:prstDash val="solid"/>
+          <a:miter lim="800000"/>
+        </a:ln>
+        <a:ln w="12700" cap="flat" cmpd="sng" algn="ctr">
+          <a:solidFill>
+            <a:schemeClr val="phClr"/>
+          </a:solidFill>
+          <a:prstDash val="solid"/>
+          <a:miter lim="800000"/>
+        </a:ln>
+        <a:ln w="19050" cap="flat" cmpd="sng" algn="ctr">
+          <a:solidFill>
+            <a:schemeClr val="phClr"/>
+          </a:solidFill>
+          <a:prstDash val="solid"/>
+          <a:miter lim="800000"/>
+        </a:ln>
+      </a:lnStyleLst>
+      <a:effectStyleLst>
+        <a:effectStyle>
+          <a:effectLst/>
+        </a:effectStyle>
+        <a:effectStyle>
+          <a:effectLst/>
+        </a:effectStyle>
+        <a:effectStyle>
+          <a:effectLst>
+            <a:outerShdw blurRad="57150" dist="19050" dir="5400000" algn="ctr" rotWithShape="0">
+              <a:srgbClr val="000000">
+                <a:alpha val="63000"/>
+              </a:srgbClr>
+            </a:outerShdw>
+          </a:effectLst>
+        </a:effectStyle>
+      </a:effectStyleLst>
+      <a:bgFillStyleLst>
+        <a:solidFill>
+          <a:schemeClr val="phClr"/>
+        </a:solidFill>
+        <a:solidFill>
+          <a:schemeClr val="phClr">
+            <a:tint val="95000"/>
+            <a:satMod val="170000"/>
+          </a:schemeClr>
+        </a:solidFill>
+        <a:gradFill rotWithShape="1">
+          <a:gsLst>
+            <a:gs pos="0">
+              <a:schemeClr val="phClr">
+                <a:tint val="93000"/>
+                <a:satMod val="150000"/>
+                <a:shade val="98000"/>
+                <a:lumMod val="102000"/>
+              </a:schemeClr>
+            </a:gs>
+            <a:gs pos="50000">
+              <a:schemeClr val="phClr">
+                <a:tint val="98000"/>
+                <a:satMod val="130000"/>
+                <a:shade val="90000"/>
+                <a:lumMod val="103000"/>
+              </a:schemeClr>
+            </a:gs>
+            <a:gs pos="100000">
+              <a:schemeClr val="phClr">
+                <a:shade val="63000"/>
+                <a:satMod val="120000"/>
+              </a:schemeClr>
+            </a:gs>
+          </a:gsLst>
+          <a:lin ang="5400000" scaled="0"/>
+        </a:gradFill>
+      </a:bgFillStyleLst>
+    </a:fmtScheme>
+  </a:themeElements>
+  <a:objectDefaults/>
+  <a:extraClrSchemeLst/>
+  <a:extLst>
+    <a:ext uri="{05A4C25C-085E-4340-85A3-A5531E510DB2}">
+      <thm15:themeFamily xmlns:thm15="http://schemas.microsoft.com/office/thememl/2012/main" name="Office Theme" id="{62F939B6-93AF-4DB8-9C6B-D6C7DFDC589F}" vid="{4A3C46E8-61CC-4603-A589-7422A47A8E4A}"/>
+    </a:ext>
+  </a:extLst>
+</a:theme>
 </file>